--- a/lectures/1.2Scratch/lecture.pptx
+++ b/lectures/1.2Scratch/lecture.pptx
@@ -4,16 +4,25 @@
   <p:sldMasterIdLst>
     <p:sldMasterId id="2147483648" r:id="rId1"/>
   </p:sldMasterIdLst>
+  <p:notesMasterIdLst>
+    <p:notesMasterId r:id="rId17"/>
+  </p:notesMasterIdLst>
   <p:sldIdLst>
     <p:sldId id="256" r:id="rId2"/>
-    <p:sldId id="262" r:id="rId3"/>
-    <p:sldId id="263" r:id="rId4"/>
-    <p:sldId id="264" r:id="rId5"/>
-    <p:sldId id="258" r:id="rId6"/>
-    <p:sldId id="259" r:id="rId7"/>
-    <p:sldId id="257" r:id="rId8"/>
-    <p:sldId id="260" r:id="rId9"/>
-    <p:sldId id="265" r:id="rId10"/>
+    <p:sldId id="277" r:id="rId3"/>
+    <p:sldId id="278" r:id="rId4"/>
+    <p:sldId id="276" r:id="rId5"/>
+    <p:sldId id="265" r:id="rId6"/>
+    <p:sldId id="260" r:id="rId7"/>
+    <p:sldId id="279" r:id="rId8"/>
+    <p:sldId id="266" r:id="rId9"/>
+    <p:sldId id="267" r:id="rId10"/>
+    <p:sldId id="268" r:id="rId11"/>
+    <p:sldId id="269" r:id="rId12"/>
+    <p:sldId id="270" r:id="rId13"/>
+    <p:sldId id="271" r:id="rId14"/>
+    <p:sldId id="272" r:id="rId15"/>
+    <p:sldId id="275" r:id="rId16"/>
   </p:sldIdLst>
   <p:sldSz cx="12192000" cy="6858000"/>
   <p:notesSz cx="6858000" cy="9144000"/>
@@ -112,7 +121,4108 @@
       </a:defRPr>
     </a:lvl9pPr>
   </p:defaultTextStyle>
+  <p:extLst>
+    <p:ext uri="{EFAFB233-063F-42B5-8137-9DF3F51BA10A}">
+      <p15:sldGuideLst xmlns:p15="http://schemas.microsoft.com/office/powerpoint/2012/main"/>
+    </p:ext>
+  </p:extLst>
 </p:presentation>
+</file>
+
+<file path=ppt/diagrams/colors1.xml><?xml version="1.0" encoding="utf-8"?>
+<dgm:colorsDef xmlns:dgm="http://schemas.openxmlformats.org/drawingml/2006/diagram" xmlns:a="http://schemas.openxmlformats.org/drawingml/2006/main" uniqueId="urn:microsoft.com/office/officeart/2005/8/colors/accent1_2">
+  <dgm:title val=""/>
+  <dgm:desc val=""/>
+  <dgm:catLst>
+    <dgm:cat type="accent1" pri="11200"/>
+  </dgm:catLst>
+  <dgm:styleLbl name="node0">
+    <dgm:fillClrLst meth="repeat">
+      <a:schemeClr val="accent1"/>
+    </dgm:fillClrLst>
+    <dgm:linClrLst meth="repeat">
+      <a:schemeClr val="lt1"/>
+    </dgm:linClrLst>
+    <dgm:effectClrLst/>
+    <dgm:txLinClrLst/>
+    <dgm:txFillClrLst/>
+    <dgm:txEffectClrLst/>
+  </dgm:styleLbl>
+  <dgm:styleLbl name="alignNode1">
+    <dgm:fillClrLst meth="repeat">
+      <a:schemeClr val="accent1"/>
+    </dgm:fillClrLst>
+    <dgm:linClrLst meth="repeat">
+      <a:schemeClr val="accent1"/>
+    </dgm:linClrLst>
+    <dgm:effectClrLst/>
+    <dgm:txLinClrLst/>
+    <dgm:txFillClrLst/>
+    <dgm:txEffectClrLst/>
+  </dgm:styleLbl>
+  <dgm:styleLbl name="node1">
+    <dgm:fillClrLst meth="repeat">
+      <a:schemeClr val="accent1"/>
+    </dgm:fillClrLst>
+    <dgm:linClrLst meth="repeat">
+      <a:schemeClr val="lt1"/>
+    </dgm:linClrLst>
+    <dgm:effectClrLst/>
+    <dgm:txLinClrLst/>
+    <dgm:txFillClrLst/>
+    <dgm:txEffectClrLst/>
+  </dgm:styleLbl>
+  <dgm:styleLbl name="lnNode1">
+    <dgm:fillClrLst meth="repeat">
+      <a:schemeClr val="accent1"/>
+    </dgm:fillClrLst>
+    <dgm:linClrLst meth="repeat">
+      <a:schemeClr val="lt1"/>
+    </dgm:linClrLst>
+    <dgm:effectClrLst/>
+    <dgm:txLinClrLst/>
+    <dgm:txFillClrLst/>
+    <dgm:txEffectClrLst/>
+  </dgm:styleLbl>
+  <dgm:styleLbl name="vennNode1">
+    <dgm:fillClrLst meth="repeat">
+      <a:schemeClr val="accent1">
+        <a:alpha val="50000"/>
+      </a:schemeClr>
+    </dgm:fillClrLst>
+    <dgm:linClrLst meth="repeat">
+      <a:schemeClr val="lt1"/>
+    </dgm:linClrLst>
+    <dgm:effectClrLst/>
+    <dgm:txLinClrLst/>
+    <dgm:txFillClrLst/>
+    <dgm:txEffectClrLst/>
+  </dgm:styleLbl>
+  <dgm:styleLbl name="node2">
+    <dgm:fillClrLst meth="repeat">
+      <a:schemeClr val="accent1"/>
+    </dgm:fillClrLst>
+    <dgm:linClrLst meth="repeat">
+      <a:schemeClr val="lt1"/>
+    </dgm:linClrLst>
+    <dgm:effectClrLst/>
+    <dgm:txLinClrLst/>
+    <dgm:txFillClrLst/>
+    <dgm:txEffectClrLst/>
+  </dgm:styleLbl>
+  <dgm:styleLbl name="node3">
+    <dgm:fillClrLst meth="repeat">
+      <a:schemeClr val="accent1"/>
+    </dgm:fillClrLst>
+    <dgm:linClrLst meth="repeat">
+      <a:schemeClr val="lt1"/>
+    </dgm:linClrLst>
+    <dgm:effectClrLst/>
+    <dgm:txLinClrLst/>
+    <dgm:txFillClrLst/>
+    <dgm:txEffectClrLst/>
+  </dgm:styleLbl>
+  <dgm:styleLbl name="node4">
+    <dgm:fillClrLst meth="repeat">
+      <a:schemeClr val="accent1"/>
+    </dgm:fillClrLst>
+    <dgm:linClrLst meth="repeat">
+      <a:schemeClr val="lt1"/>
+    </dgm:linClrLst>
+    <dgm:effectClrLst/>
+    <dgm:txLinClrLst/>
+    <dgm:txFillClrLst/>
+    <dgm:txEffectClrLst/>
+  </dgm:styleLbl>
+  <dgm:styleLbl name="fgImgPlace1">
+    <dgm:fillClrLst meth="repeat">
+      <a:schemeClr val="accent1">
+        <a:tint val="50000"/>
+      </a:schemeClr>
+    </dgm:fillClrLst>
+    <dgm:linClrLst meth="repeat">
+      <a:schemeClr val="lt1"/>
+    </dgm:linClrLst>
+    <dgm:effectClrLst/>
+    <dgm:txLinClrLst/>
+    <dgm:txFillClrLst meth="repeat">
+      <a:schemeClr val="lt1"/>
+    </dgm:txFillClrLst>
+    <dgm:txEffectClrLst/>
+  </dgm:styleLbl>
+  <dgm:styleLbl name="alignImgPlace1">
+    <dgm:fillClrLst meth="repeat">
+      <a:schemeClr val="accent1">
+        <a:tint val="50000"/>
+      </a:schemeClr>
+    </dgm:fillClrLst>
+    <dgm:linClrLst meth="repeat">
+      <a:schemeClr val="lt1"/>
+    </dgm:linClrLst>
+    <dgm:effectClrLst/>
+    <dgm:txLinClrLst/>
+    <dgm:txFillClrLst meth="repeat">
+      <a:schemeClr val="lt1"/>
+    </dgm:txFillClrLst>
+    <dgm:txEffectClrLst/>
+  </dgm:styleLbl>
+  <dgm:styleLbl name="bgImgPlace1">
+    <dgm:fillClrLst meth="repeat">
+      <a:schemeClr val="accent1">
+        <a:tint val="50000"/>
+      </a:schemeClr>
+    </dgm:fillClrLst>
+    <dgm:linClrLst meth="repeat">
+      <a:schemeClr val="lt1"/>
+    </dgm:linClrLst>
+    <dgm:effectClrLst/>
+    <dgm:txLinClrLst/>
+    <dgm:txFillClrLst meth="repeat">
+      <a:schemeClr val="lt1"/>
+    </dgm:txFillClrLst>
+    <dgm:txEffectClrLst/>
+  </dgm:styleLbl>
+  <dgm:styleLbl name="sibTrans2D1">
+    <dgm:fillClrLst meth="repeat">
+      <a:schemeClr val="accent1">
+        <a:tint val="60000"/>
+      </a:schemeClr>
+    </dgm:fillClrLst>
+    <dgm:linClrLst meth="repeat">
+      <a:schemeClr val="accent1">
+        <a:tint val="60000"/>
+      </a:schemeClr>
+    </dgm:linClrLst>
+    <dgm:effectClrLst/>
+    <dgm:txLinClrLst/>
+    <dgm:txFillClrLst/>
+    <dgm:txEffectClrLst/>
+  </dgm:styleLbl>
+  <dgm:styleLbl name="fgSibTrans2D1">
+    <dgm:fillClrLst meth="repeat">
+      <a:schemeClr val="accent1">
+        <a:tint val="60000"/>
+      </a:schemeClr>
+    </dgm:fillClrLst>
+    <dgm:linClrLst meth="repeat">
+      <a:schemeClr val="accent1">
+        <a:tint val="60000"/>
+      </a:schemeClr>
+    </dgm:linClrLst>
+    <dgm:effectClrLst/>
+    <dgm:txLinClrLst/>
+    <dgm:txFillClrLst/>
+    <dgm:txEffectClrLst/>
+  </dgm:styleLbl>
+  <dgm:styleLbl name="bgSibTrans2D1">
+    <dgm:fillClrLst meth="repeat">
+      <a:schemeClr val="accent1">
+        <a:tint val="60000"/>
+      </a:schemeClr>
+    </dgm:fillClrLst>
+    <dgm:linClrLst meth="repeat">
+      <a:schemeClr val="accent1">
+        <a:tint val="60000"/>
+      </a:schemeClr>
+    </dgm:linClrLst>
+    <dgm:effectClrLst/>
+    <dgm:txLinClrLst/>
+    <dgm:txFillClrLst/>
+    <dgm:txEffectClrLst/>
+  </dgm:styleLbl>
+  <dgm:styleLbl name="sibTrans1D1">
+    <dgm:fillClrLst meth="repeat">
+      <a:schemeClr val="accent1"/>
+    </dgm:fillClrLst>
+    <dgm:linClrLst meth="repeat">
+      <a:schemeClr val="accent1"/>
+    </dgm:linClrLst>
+    <dgm:effectClrLst/>
+    <dgm:txLinClrLst/>
+    <dgm:txFillClrLst meth="repeat">
+      <a:schemeClr val="tx1"/>
+    </dgm:txFillClrLst>
+    <dgm:txEffectClrLst/>
+  </dgm:styleLbl>
+  <dgm:styleLbl name="callout">
+    <dgm:fillClrLst meth="repeat">
+      <a:schemeClr val="accent1"/>
+    </dgm:fillClrLst>
+    <dgm:linClrLst meth="repeat">
+      <a:schemeClr val="accent1">
+        <a:tint val="50000"/>
+      </a:schemeClr>
+    </dgm:linClrLst>
+    <dgm:effectClrLst/>
+    <dgm:txLinClrLst/>
+    <dgm:txFillClrLst meth="repeat">
+      <a:schemeClr val="tx1"/>
+    </dgm:txFillClrLst>
+    <dgm:txEffectClrLst/>
+  </dgm:styleLbl>
+  <dgm:styleLbl name="asst0">
+    <dgm:fillClrLst meth="repeat">
+      <a:schemeClr val="accent1"/>
+    </dgm:fillClrLst>
+    <dgm:linClrLst meth="repeat">
+      <a:schemeClr val="lt1"/>
+    </dgm:linClrLst>
+    <dgm:effectClrLst/>
+    <dgm:txLinClrLst/>
+    <dgm:txFillClrLst/>
+    <dgm:txEffectClrLst/>
+  </dgm:styleLbl>
+  <dgm:styleLbl name="asst1">
+    <dgm:fillClrLst meth="repeat">
+      <a:schemeClr val="accent1"/>
+    </dgm:fillClrLst>
+    <dgm:linClrLst meth="repeat">
+      <a:schemeClr val="lt1"/>
+    </dgm:linClrLst>
+    <dgm:effectClrLst/>
+    <dgm:txLinClrLst/>
+    <dgm:txFillClrLst/>
+    <dgm:txEffectClrLst/>
+  </dgm:styleLbl>
+  <dgm:styleLbl name="asst2">
+    <dgm:fillClrLst meth="repeat">
+      <a:schemeClr val="accent1"/>
+    </dgm:fillClrLst>
+    <dgm:linClrLst meth="repeat">
+      <a:schemeClr val="lt1"/>
+    </dgm:linClrLst>
+    <dgm:effectClrLst/>
+    <dgm:txLinClrLst/>
+    <dgm:txFillClrLst/>
+    <dgm:txEffectClrLst/>
+  </dgm:styleLbl>
+  <dgm:styleLbl name="asst3">
+    <dgm:fillClrLst meth="repeat">
+      <a:schemeClr val="accent1"/>
+    </dgm:fillClrLst>
+    <dgm:linClrLst meth="repeat">
+      <a:schemeClr val="lt1"/>
+    </dgm:linClrLst>
+    <dgm:effectClrLst/>
+    <dgm:txLinClrLst/>
+    <dgm:txFillClrLst/>
+    <dgm:txEffectClrLst/>
+  </dgm:styleLbl>
+  <dgm:styleLbl name="asst4">
+    <dgm:fillClrLst meth="repeat">
+      <a:schemeClr val="accent1"/>
+    </dgm:fillClrLst>
+    <dgm:linClrLst meth="repeat">
+      <a:schemeClr val="lt1"/>
+    </dgm:linClrLst>
+    <dgm:effectClrLst/>
+    <dgm:txLinClrLst/>
+    <dgm:txFillClrLst/>
+    <dgm:txEffectClrLst/>
+  </dgm:styleLbl>
+  <dgm:styleLbl name="parChTrans2D1">
+    <dgm:fillClrLst meth="repeat">
+      <a:schemeClr val="accent1">
+        <a:tint val="60000"/>
+      </a:schemeClr>
+    </dgm:fillClrLst>
+    <dgm:linClrLst meth="repeat">
+      <a:schemeClr val="accent1">
+        <a:tint val="60000"/>
+      </a:schemeClr>
+    </dgm:linClrLst>
+    <dgm:effectClrLst/>
+    <dgm:txLinClrLst/>
+    <dgm:txFillClrLst meth="repeat">
+      <a:schemeClr val="lt1"/>
+    </dgm:txFillClrLst>
+    <dgm:txEffectClrLst/>
+  </dgm:styleLbl>
+  <dgm:styleLbl name="parChTrans2D2">
+    <dgm:fillClrLst meth="repeat">
+      <a:schemeClr val="accent1"/>
+    </dgm:fillClrLst>
+    <dgm:linClrLst meth="repeat">
+      <a:schemeClr val="accent1"/>
+    </dgm:linClrLst>
+    <dgm:effectClrLst/>
+    <dgm:txLinClrLst/>
+    <dgm:txFillClrLst meth="repeat">
+      <a:schemeClr val="lt1"/>
+    </dgm:txFillClrLst>
+    <dgm:txEffectClrLst/>
+  </dgm:styleLbl>
+  <dgm:styleLbl name="parChTrans2D3">
+    <dgm:fillClrLst meth="repeat">
+      <a:schemeClr val="accent1"/>
+    </dgm:fillClrLst>
+    <dgm:linClrLst meth="repeat">
+      <a:schemeClr val="accent1"/>
+    </dgm:linClrLst>
+    <dgm:effectClrLst/>
+    <dgm:txLinClrLst/>
+    <dgm:txFillClrLst meth="repeat">
+      <a:schemeClr val="lt1"/>
+    </dgm:txFillClrLst>
+    <dgm:txEffectClrLst/>
+  </dgm:styleLbl>
+  <dgm:styleLbl name="parChTrans2D4">
+    <dgm:fillClrLst meth="repeat">
+      <a:schemeClr val="accent1"/>
+    </dgm:fillClrLst>
+    <dgm:linClrLst meth="repeat">
+      <a:schemeClr val="accent1"/>
+    </dgm:linClrLst>
+    <dgm:effectClrLst/>
+    <dgm:txLinClrLst/>
+    <dgm:txFillClrLst meth="repeat">
+      <a:schemeClr val="lt1"/>
+    </dgm:txFillClrLst>
+    <dgm:txEffectClrLst/>
+  </dgm:styleLbl>
+  <dgm:styleLbl name="parChTrans1D1">
+    <dgm:fillClrLst meth="repeat">
+      <a:schemeClr val="accent1"/>
+    </dgm:fillClrLst>
+    <dgm:linClrLst meth="repeat">
+      <a:schemeClr val="accent1">
+        <a:shade val="60000"/>
+      </a:schemeClr>
+    </dgm:linClrLst>
+    <dgm:effectClrLst/>
+    <dgm:txLinClrLst/>
+    <dgm:txFillClrLst meth="repeat">
+      <a:schemeClr val="tx1"/>
+    </dgm:txFillClrLst>
+    <dgm:txEffectClrLst/>
+  </dgm:styleLbl>
+  <dgm:styleLbl name="parChTrans1D2">
+    <dgm:fillClrLst meth="repeat">
+      <a:schemeClr val="accent1"/>
+    </dgm:fillClrLst>
+    <dgm:linClrLst meth="repeat">
+      <a:schemeClr val="accent1">
+        <a:shade val="60000"/>
+      </a:schemeClr>
+    </dgm:linClrLst>
+    <dgm:effectClrLst/>
+    <dgm:txLinClrLst/>
+    <dgm:txFillClrLst meth="repeat">
+      <a:schemeClr val="tx1"/>
+    </dgm:txFillClrLst>
+    <dgm:txEffectClrLst/>
+  </dgm:styleLbl>
+  <dgm:styleLbl name="parChTrans1D3">
+    <dgm:fillClrLst meth="repeat">
+      <a:schemeClr val="accent1"/>
+    </dgm:fillClrLst>
+    <dgm:linClrLst meth="repeat">
+      <a:schemeClr val="accent1">
+        <a:shade val="80000"/>
+      </a:schemeClr>
+    </dgm:linClrLst>
+    <dgm:effectClrLst/>
+    <dgm:txLinClrLst/>
+    <dgm:txFillClrLst meth="repeat">
+      <a:schemeClr val="tx1"/>
+    </dgm:txFillClrLst>
+    <dgm:txEffectClrLst/>
+  </dgm:styleLbl>
+  <dgm:styleLbl name="parChTrans1D4">
+    <dgm:fillClrLst meth="repeat">
+      <a:schemeClr val="accent1"/>
+    </dgm:fillClrLst>
+    <dgm:linClrLst meth="repeat">
+      <a:schemeClr val="accent1">
+        <a:shade val="80000"/>
+      </a:schemeClr>
+    </dgm:linClrLst>
+    <dgm:effectClrLst/>
+    <dgm:txLinClrLst/>
+    <dgm:txFillClrLst meth="repeat">
+      <a:schemeClr val="tx1"/>
+    </dgm:txFillClrLst>
+    <dgm:txEffectClrLst/>
+  </dgm:styleLbl>
+  <dgm:styleLbl name="fgAcc1">
+    <dgm:fillClrLst meth="repeat">
+      <a:schemeClr val="lt1">
+        <a:alpha val="90000"/>
+      </a:schemeClr>
+    </dgm:fillClrLst>
+    <dgm:linClrLst meth="repeat">
+      <a:schemeClr val="accent1"/>
+    </dgm:linClrLst>
+    <dgm:effectClrLst/>
+    <dgm:txLinClrLst/>
+    <dgm:txFillClrLst meth="repeat">
+      <a:schemeClr val="dk1"/>
+    </dgm:txFillClrLst>
+    <dgm:txEffectClrLst/>
+  </dgm:styleLbl>
+  <dgm:styleLbl name="conFgAcc1">
+    <dgm:fillClrLst meth="repeat">
+      <a:schemeClr val="lt1">
+        <a:alpha val="90000"/>
+      </a:schemeClr>
+    </dgm:fillClrLst>
+    <dgm:linClrLst meth="repeat">
+      <a:schemeClr val="accent1"/>
+    </dgm:linClrLst>
+    <dgm:effectClrLst/>
+    <dgm:txLinClrLst/>
+    <dgm:txFillClrLst meth="repeat">
+      <a:schemeClr val="dk1"/>
+    </dgm:txFillClrLst>
+    <dgm:txEffectClrLst/>
+  </dgm:styleLbl>
+  <dgm:styleLbl name="alignAcc1">
+    <dgm:fillClrLst meth="repeat">
+      <a:schemeClr val="lt1">
+        <a:alpha val="90000"/>
+      </a:schemeClr>
+    </dgm:fillClrLst>
+    <dgm:linClrLst meth="repeat">
+      <a:schemeClr val="accent1"/>
+    </dgm:linClrLst>
+    <dgm:effectClrLst/>
+    <dgm:txLinClrLst/>
+    <dgm:txFillClrLst meth="repeat">
+      <a:schemeClr val="dk1"/>
+    </dgm:txFillClrLst>
+    <dgm:txEffectClrLst/>
+  </dgm:styleLbl>
+  <dgm:styleLbl name="trAlignAcc1">
+    <dgm:fillClrLst meth="repeat">
+      <a:schemeClr val="lt1">
+        <a:alpha val="40000"/>
+      </a:schemeClr>
+    </dgm:fillClrLst>
+    <dgm:linClrLst meth="repeat">
+      <a:schemeClr val="accent1"/>
+    </dgm:linClrLst>
+    <dgm:effectClrLst/>
+    <dgm:txLinClrLst/>
+    <dgm:txFillClrLst meth="repeat">
+      <a:schemeClr val="dk1"/>
+    </dgm:txFillClrLst>
+    <dgm:txEffectClrLst/>
+  </dgm:styleLbl>
+  <dgm:styleLbl name="bgAcc1">
+    <dgm:fillClrLst meth="repeat">
+      <a:schemeClr val="lt1">
+        <a:alpha val="90000"/>
+      </a:schemeClr>
+    </dgm:fillClrLst>
+    <dgm:linClrLst meth="repeat">
+      <a:schemeClr val="accent1"/>
+    </dgm:linClrLst>
+    <dgm:effectClrLst/>
+    <dgm:txLinClrLst/>
+    <dgm:txFillClrLst meth="repeat">
+      <a:schemeClr val="dk1"/>
+    </dgm:txFillClrLst>
+    <dgm:txEffectClrLst/>
+  </dgm:styleLbl>
+  <dgm:styleLbl name="solidFgAcc1">
+    <dgm:fillClrLst meth="repeat">
+      <a:schemeClr val="lt1"/>
+    </dgm:fillClrLst>
+    <dgm:linClrLst meth="repeat">
+      <a:schemeClr val="accent1"/>
+    </dgm:linClrLst>
+    <dgm:effectClrLst/>
+    <dgm:txLinClrLst/>
+    <dgm:txFillClrLst meth="repeat">
+      <a:schemeClr val="dk1"/>
+    </dgm:txFillClrLst>
+    <dgm:txEffectClrLst/>
+  </dgm:styleLbl>
+  <dgm:styleLbl name="solidAlignAcc1">
+    <dgm:fillClrLst meth="repeat">
+      <a:schemeClr val="lt1"/>
+    </dgm:fillClrLst>
+    <dgm:linClrLst meth="repeat">
+      <a:schemeClr val="accent1"/>
+    </dgm:linClrLst>
+    <dgm:effectClrLst/>
+    <dgm:txLinClrLst/>
+    <dgm:txFillClrLst meth="repeat">
+      <a:schemeClr val="dk1"/>
+    </dgm:txFillClrLst>
+    <dgm:txEffectClrLst/>
+  </dgm:styleLbl>
+  <dgm:styleLbl name="solidBgAcc1">
+    <dgm:fillClrLst meth="repeat">
+      <a:schemeClr val="lt1"/>
+    </dgm:fillClrLst>
+    <dgm:linClrLst meth="repeat">
+      <a:schemeClr val="accent1"/>
+    </dgm:linClrLst>
+    <dgm:effectClrLst/>
+    <dgm:txLinClrLst/>
+    <dgm:txFillClrLst meth="repeat">
+      <a:schemeClr val="dk1"/>
+    </dgm:txFillClrLst>
+    <dgm:txEffectClrLst/>
+  </dgm:styleLbl>
+  <dgm:styleLbl name="fgAccFollowNode1">
+    <dgm:fillClrLst meth="repeat">
+      <a:schemeClr val="accent1">
+        <a:alpha val="90000"/>
+        <a:tint val="40000"/>
+      </a:schemeClr>
+    </dgm:fillClrLst>
+    <dgm:linClrLst meth="repeat">
+      <a:schemeClr val="accent1">
+        <a:alpha val="90000"/>
+        <a:tint val="40000"/>
+      </a:schemeClr>
+    </dgm:linClrLst>
+    <dgm:effectClrLst/>
+    <dgm:txLinClrLst/>
+    <dgm:txFillClrLst meth="repeat">
+      <a:schemeClr val="dk1"/>
+    </dgm:txFillClrLst>
+    <dgm:txEffectClrLst/>
+  </dgm:styleLbl>
+  <dgm:styleLbl name="alignAccFollowNode1">
+    <dgm:fillClrLst meth="repeat">
+      <a:schemeClr val="accent1">
+        <a:alpha val="90000"/>
+        <a:tint val="40000"/>
+      </a:schemeClr>
+    </dgm:fillClrLst>
+    <dgm:linClrLst meth="repeat">
+      <a:schemeClr val="accent1">
+        <a:alpha val="90000"/>
+        <a:tint val="40000"/>
+      </a:schemeClr>
+    </dgm:linClrLst>
+    <dgm:effectClrLst/>
+    <dgm:txLinClrLst/>
+    <dgm:txFillClrLst meth="repeat">
+      <a:schemeClr val="dk1"/>
+    </dgm:txFillClrLst>
+    <dgm:txEffectClrLst/>
+  </dgm:styleLbl>
+  <dgm:styleLbl name="bgAccFollowNode1">
+    <dgm:fillClrLst meth="repeat">
+      <a:schemeClr val="accent1">
+        <a:alpha val="90000"/>
+        <a:tint val="40000"/>
+      </a:schemeClr>
+    </dgm:fillClrLst>
+    <dgm:linClrLst meth="repeat">
+      <a:schemeClr val="accent1">
+        <a:alpha val="90000"/>
+        <a:tint val="40000"/>
+      </a:schemeClr>
+    </dgm:linClrLst>
+    <dgm:effectClrLst/>
+    <dgm:txLinClrLst/>
+    <dgm:txFillClrLst meth="repeat">
+      <a:schemeClr val="dk1"/>
+    </dgm:txFillClrLst>
+    <dgm:txEffectClrLst/>
+  </dgm:styleLbl>
+  <dgm:styleLbl name="fgAcc0">
+    <dgm:fillClrLst meth="repeat">
+      <a:schemeClr val="lt1">
+        <a:alpha val="90000"/>
+      </a:schemeClr>
+    </dgm:fillClrLst>
+    <dgm:linClrLst meth="repeat">
+      <a:schemeClr val="accent1"/>
+    </dgm:linClrLst>
+    <dgm:effectClrLst/>
+    <dgm:txLinClrLst/>
+    <dgm:txFillClrLst meth="repeat">
+      <a:schemeClr val="dk1"/>
+    </dgm:txFillClrLst>
+    <dgm:txEffectClrLst/>
+  </dgm:styleLbl>
+  <dgm:styleLbl name="fgAcc2">
+    <dgm:fillClrLst meth="repeat">
+      <a:schemeClr val="lt1">
+        <a:alpha val="90000"/>
+      </a:schemeClr>
+    </dgm:fillClrLst>
+    <dgm:linClrLst meth="repeat">
+      <a:schemeClr val="accent1"/>
+    </dgm:linClrLst>
+    <dgm:effectClrLst/>
+    <dgm:txLinClrLst/>
+    <dgm:txFillClrLst meth="repeat">
+      <a:schemeClr val="dk1"/>
+    </dgm:txFillClrLst>
+    <dgm:txEffectClrLst/>
+  </dgm:styleLbl>
+  <dgm:styleLbl name="fgAcc3">
+    <dgm:fillClrLst meth="repeat">
+      <a:schemeClr val="lt1">
+        <a:alpha val="90000"/>
+      </a:schemeClr>
+    </dgm:fillClrLst>
+    <dgm:linClrLst meth="repeat">
+      <a:schemeClr val="accent1"/>
+    </dgm:linClrLst>
+    <dgm:effectClrLst/>
+    <dgm:txLinClrLst/>
+    <dgm:txFillClrLst meth="repeat">
+      <a:schemeClr val="dk1"/>
+    </dgm:txFillClrLst>
+    <dgm:txEffectClrLst/>
+  </dgm:styleLbl>
+  <dgm:styleLbl name="fgAcc4">
+    <dgm:fillClrLst meth="repeat">
+      <a:schemeClr val="lt1">
+        <a:alpha val="90000"/>
+      </a:schemeClr>
+    </dgm:fillClrLst>
+    <dgm:linClrLst meth="repeat">
+      <a:schemeClr val="accent1"/>
+    </dgm:linClrLst>
+    <dgm:effectClrLst/>
+    <dgm:txLinClrLst/>
+    <dgm:txFillClrLst meth="repeat">
+      <a:schemeClr val="dk1"/>
+    </dgm:txFillClrLst>
+    <dgm:txEffectClrLst/>
+  </dgm:styleLbl>
+  <dgm:styleLbl name="bgShp">
+    <dgm:fillClrLst meth="repeat">
+      <a:schemeClr val="accent1">
+        <a:tint val="40000"/>
+      </a:schemeClr>
+    </dgm:fillClrLst>
+    <dgm:linClrLst meth="repeat">
+      <a:schemeClr val="accent1"/>
+    </dgm:linClrLst>
+    <dgm:effectClrLst/>
+    <dgm:txLinClrLst/>
+    <dgm:txFillClrLst meth="repeat">
+      <a:schemeClr val="dk1"/>
+    </dgm:txFillClrLst>
+    <dgm:txEffectClrLst/>
+  </dgm:styleLbl>
+  <dgm:styleLbl name="dkBgShp">
+    <dgm:fillClrLst meth="repeat">
+      <a:schemeClr val="accent1">
+        <a:shade val="80000"/>
+      </a:schemeClr>
+    </dgm:fillClrLst>
+    <dgm:linClrLst meth="repeat">
+      <a:schemeClr val="accent1"/>
+    </dgm:linClrLst>
+    <dgm:effectClrLst/>
+    <dgm:txLinClrLst/>
+    <dgm:txFillClrLst meth="repeat">
+      <a:schemeClr val="lt1"/>
+    </dgm:txFillClrLst>
+    <dgm:txEffectClrLst/>
+  </dgm:styleLbl>
+  <dgm:styleLbl name="trBgShp">
+    <dgm:fillClrLst meth="repeat">
+      <a:schemeClr val="accent1">
+        <a:tint val="50000"/>
+        <a:alpha val="40000"/>
+      </a:schemeClr>
+    </dgm:fillClrLst>
+    <dgm:linClrLst meth="repeat">
+      <a:schemeClr val="accent1"/>
+    </dgm:linClrLst>
+    <dgm:effectClrLst/>
+    <dgm:txLinClrLst/>
+    <dgm:txFillClrLst meth="repeat">
+      <a:schemeClr val="lt1"/>
+    </dgm:txFillClrLst>
+    <dgm:txEffectClrLst/>
+  </dgm:styleLbl>
+  <dgm:styleLbl name="fgShp">
+    <dgm:fillClrLst meth="repeat">
+      <a:schemeClr val="accent1">
+        <a:tint val="60000"/>
+      </a:schemeClr>
+    </dgm:fillClrLst>
+    <dgm:linClrLst meth="repeat">
+      <a:schemeClr val="lt1"/>
+    </dgm:linClrLst>
+    <dgm:effectClrLst/>
+    <dgm:txLinClrLst/>
+    <dgm:txFillClrLst meth="repeat">
+      <a:schemeClr val="dk1"/>
+    </dgm:txFillClrLst>
+    <dgm:txEffectClrLst/>
+  </dgm:styleLbl>
+  <dgm:styleLbl name="revTx">
+    <dgm:fillClrLst meth="repeat">
+      <a:schemeClr val="lt1">
+        <a:alpha val="0"/>
+      </a:schemeClr>
+    </dgm:fillClrLst>
+    <dgm:linClrLst meth="repeat">
+      <a:schemeClr val="dk1">
+        <a:alpha val="0"/>
+      </a:schemeClr>
+    </dgm:linClrLst>
+    <dgm:effectClrLst/>
+    <dgm:txLinClrLst/>
+    <dgm:txFillClrLst meth="repeat">
+      <a:schemeClr val="tx1"/>
+    </dgm:txFillClrLst>
+    <dgm:txEffectClrLst/>
+  </dgm:styleLbl>
+</dgm:colorsDef>
+</file>
+
+<file path=ppt/diagrams/data1.xml><?xml version="1.0" encoding="utf-8"?>
+<dgm:dataModel xmlns:dgm="http://schemas.openxmlformats.org/drawingml/2006/diagram" xmlns:a="http://schemas.openxmlformats.org/drawingml/2006/main">
+  <dgm:ptLst>
+    <dgm:pt modelId="{CE4F20A4-1DF0-1E49-B29A-FE881758550E}" type="doc">
+      <dgm:prSet loTypeId="urn:microsoft.com/office/officeart/2005/8/layout/hierarchy1" loCatId="" qsTypeId="urn:microsoft.com/office/officeart/2005/8/quickstyle/simple1" qsCatId="simple" csTypeId="urn:microsoft.com/office/officeart/2005/8/colors/accent1_2" csCatId="accent1" phldr="1"/>
+      <dgm:spPr/>
+      <dgm:t>
+        <a:bodyPr/>
+        <a:lstStyle/>
+        <a:p>
+          <a:endParaRPr lang="en-GB"/>
+        </a:p>
+      </dgm:t>
+    </dgm:pt>
+    <dgm:pt modelId="{FB04F21B-2D7B-4943-87D0-60B1C80880A3}">
+      <dgm:prSet phldrT="[Text]"/>
+      <dgm:spPr/>
+      <dgm:t>
+        <a:bodyPr/>
+        <a:lstStyle/>
+        <a:p>
+          <a:r>
+            <a:rPr lang="en-GB" dirty="0"/>
+            <a:t>root</a:t>
+          </a:r>
+        </a:p>
+      </dgm:t>
+    </dgm:pt>
+    <dgm:pt modelId="{8880A679-5829-D140-A9AD-370C69FE058D}" type="parTrans" cxnId="{0119DBAE-18EA-084A-8FC8-62094942AB15}">
+      <dgm:prSet/>
+      <dgm:spPr/>
+      <dgm:t>
+        <a:bodyPr/>
+        <a:lstStyle/>
+        <a:p>
+          <a:endParaRPr lang="en-GB"/>
+        </a:p>
+      </dgm:t>
+    </dgm:pt>
+    <dgm:pt modelId="{4A1FBB66-AC1A-1F43-859C-F049852D8E6A}" type="sibTrans" cxnId="{0119DBAE-18EA-084A-8FC8-62094942AB15}">
+      <dgm:prSet/>
+      <dgm:spPr/>
+      <dgm:t>
+        <a:bodyPr/>
+        <a:lstStyle/>
+        <a:p>
+          <a:endParaRPr lang="en-GB"/>
+        </a:p>
+      </dgm:t>
+    </dgm:pt>
+    <dgm:pt modelId="{97613747-5F0C-A04F-B9A5-2EB447A6B92C}">
+      <dgm:prSet phldrT="[Text]"/>
+      <dgm:spPr/>
+      <dgm:t>
+        <a:bodyPr/>
+        <a:lstStyle/>
+        <a:p>
+          <a:r>
+            <a:rPr lang="en-GB" dirty="0" err="1"/>
+            <a:t>PoP</a:t>
+          </a:r>
+          <a:endParaRPr lang="en-GB" dirty="0"/>
+        </a:p>
+      </dgm:t>
+    </dgm:pt>
+    <dgm:pt modelId="{A87EA698-11CD-4B4E-AC4E-EF5C20738FEB}" type="parTrans" cxnId="{43270220-1378-8E4B-92A0-8FB2AE5B549F}">
+      <dgm:prSet/>
+      <dgm:spPr/>
+      <dgm:t>
+        <a:bodyPr/>
+        <a:lstStyle/>
+        <a:p>
+          <a:endParaRPr lang="en-GB"/>
+        </a:p>
+      </dgm:t>
+    </dgm:pt>
+    <dgm:pt modelId="{4CF4F73D-E603-184E-B76A-C280CD9C43EC}" type="sibTrans" cxnId="{43270220-1378-8E4B-92A0-8FB2AE5B549F}">
+      <dgm:prSet/>
+      <dgm:spPr/>
+      <dgm:t>
+        <a:bodyPr/>
+        <a:lstStyle/>
+        <a:p>
+          <a:endParaRPr lang="en-GB"/>
+        </a:p>
+      </dgm:t>
+    </dgm:pt>
+    <dgm:pt modelId="{B1635B5B-4F5C-4E44-9378-0A81DFD6DEEF}">
+      <dgm:prSet phldrT="[Text]"/>
+      <dgm:spPr/>
+      <dgm:t>
+        <a:bodyPr/>
+        <a:lstStyle/>
+        <a:p>
+          <a:r>
+            <a:rPr lang="en-GB" dirty="0"/>
+            <a:t>1g</a:t>
+          </a:r>
+        </a:p>
+      </dgm:t>
+    </dgm:pt>
+    <dgm:pt modelId="{97CAF778-AD97-5E4D-A01F-CED07063AA2E}" type="parTrans" cxnId="{48C29974-A3A5-054C-81AA-EA24C0D7331E}">
+      <dgm:prSet/>
+      <dgm:spPr/>
+      <dgm:t>
+        <a:bodyPr/>
+        <a:lstStyle/>
+        <a:p>
+          <a:endParaRPr lang="en-GB"/>
+        </a:p>
+      </dgm:t>
+    </dgm:pt>
+    <dgm:pt modelId="{BA46905D-5277-2348-A3EC-44A6383871BC}" type="sibTrans" cxnId="{48C29974-A3A5-054C-81AA-EA24C0D7331E}">
+      <dgm:prSet/>
+      <dgm:spPr/>
+      <dgm:t>
+        <a:bodyPr/>
+        <a:lstStyle/>
+        <a:p>
+          <a:endParaRPr lang="en-GB"/>
+        </a:p>
+      </dgm:t>
+    </dgm:pt>
+    <dgm:pt modelId="{2E3D9858-7F58-9843-8666-D7193E403374}">
+      <dgm:prSet phldrT="[Text]"/>
+      <dgm:spPr/>
+      <dgm:t>
+        <a:bodyPr/>
+        <a:lstStyle/>
+        <a:p>
+          <a:r>
+            <a:rPr lang="en-GB" dirty="0"/>
+            <a:t>2i</a:t>
+          </a:r>
+        </a:p>
+      </dgm:t>
+    </dgm:pt>
+    <dgm:pt modelId="{C68C9127-42F6-C54D-B100-B1C2541F2E37}" type="parTrans" cxnId="{C243A6DA-5B9C-3F40-A71A-87A8B44E48D0}">
+      <dgm:prSet/>
+      <dgm:spPr/>
+      <dgm:t>
+        <a:bodyPr/>
+        <a:lstStyle/>
+        <a:p>
+          <a:endParaRPr lang="en-GB"/>
+        </a:p>
+      </dgm:t>
+    </dgm:pt>
+    <dgm:pt modelId="{CD8610E1-A62F-4348-B808-99EADD141DED}" type="sibTrans" cxnId="{C243A6DA-5B9C-3F40-A71A-87A8B44E48D0}">
+      <dgm:prSet/>
+      <dgm:spPr/>
+      <dgm:t>
+        <a:bodyPr/>
+        <a:lstStyle/>
+        <a:p>
+          <a:endParaRPr lang="en-GB"/>
+        </a:p>
+      </dgm:t>
+    </dgm:pt>
+    <dgm:pt modelId="{A7AF5410-273C-BE4C-A531-EB39E883FA47}">
+      <dgm:prSet phldrT="[Text]"/>
+      <dgm:spPr/>
+      <dgm:t>
+        <a:bodyPr/>
+        <a:lstStyle/>
+        <a:p>
+          <a:r>
+            <a:rPr lang="en-GB" dirty="0"/>
+            <a:t>...</a:t>
+          </a:r>
+        </a:p>
+      </dgm:t>
+    </dgm:pt>
+    <dgm:pt modelId="{D1F1969D-E35D-4D42-A41D-ED6A8B367204}" type="parTrans" cxnId="{03EA131E-5A20-224F-8C0E-4727006040C7}">
+      <dgm:prSet/>
+      <dgm:spPr/>
+      <dgm:t>
+        <a:bodyPr/>
+        <a:lstStyle/>
+        <a:p>
+          <a:endParaRPr lang="en-GB"/>
+        </a:p>
+      </dgm:t>
+    </dgm:pt>
+    <dgm:pt modelId="{2248CDE7-DEE2-6B4C-82CB-7ED8864C3FEB}" type="sibTrans" cxnId="{03EA131E-5A20-224F-8C0E-4727006040C7}">
+      <dgm:prSet/>
+      <dgm:spPr/>
+      <dgm:t>
+        <a:bodyPr/>
+        <a:lstStyle/>
+        <a:p>
+          <a:endParaRPr lang="en-GB"/>
+        </a:p>
+      </dgm:t>
+    </dgm:pt>
+    <dgm:pt modelId="{973CE5D7-453B-F242-8585-5C2A8A03D1C1}" type="pres">
+      <dgm:prSet presAssocID="{CE4F20A4-1DF0-1E49-B29A-FE881758550E}" presName="hierChild1" presStyleCnt="0">
+        <dgm:presLayoutVars>
+          <dgm:chPref val="1"/>
+          <dgm:dir/>
+          <dgm:animOne val="branch"/>
+          <dgm:animLvl val="lvl"/>
+          <dgm:resizeHandles/>
+        </dgm:presLayoutVars>
+      </dgm:prSet>
+      <dgm:spPr/>
+    </dgm:pt>
+    <dgm:pt modelId="{B9BAAFD9-1489-CE47-951F-A3890CB84C7E}" type="pres">
+      <dgm:prSet presAssocID="{FB04F21B-2D7B-4943-87D0-60B1C80880A3}" presName="hierRoot1" presStyleCnt="0"/>
+      <dgm:spPr/>
+    </dgm:pt>
+    <dgm:pt modelId="{F84CACB8-3237-E648-8681-2337D2AB0051}" type="pres">
+      <dgm:prSet presAssocID="{FB04F21B-2D7B-4943-87D0-60B1C80880A3}" presName="composite" presStyleCnt="0"/>
+      <dgm:spPr/>
+    </dgm:pt>
+    <dgm:pt modelId="{F371A2DE-E2A1-2146-B291-8C1173000D22}" type="pres">
+      <dgm:prSet presAssocID="{FB04F21B-2D7B-4943-87D0-60B1C80880A3}" presName="background" presStyleLbl="node0" presStyleIdx="0" presStyleCnt="1"/>
+      <dgm:spPr/>
+    </dgm:pt>
+    <dgm:pt modelId="{C01F8056-1083-A245-BDAD-6D6CA91D8F04}" type="pres">
+      <dgm:prSet presAssocID="{FB04F21B-2D7B-4943-87D0-60B1C80880A3}" presName="text" presStyleLbl="fgAcc0" presStyleIdx="0" presStyleCnt="1">
+        <dgm:presLayoutVars>
+          <dgm:chPref val="3"/>
+        </dgm:presLayoutVars>
+      </dgm:prSet>
+      <dgm:spPr/>
+    </dgm:pt>
+    <dgm:pt modelId="{ADDECDFB-E686-434E-B76F-26C4231E51C6}" type="pres">
+      <dgm:prSet presAssocID="{FB04F21B-2D7B-4943-87D0-60B1C80880A3}" presName="hierChild2" presStyleCnt="0"/>
+      <dgm:spPr/>
+    </dgm:pt>
+    <dgm:pt modelId="{6CE70598-95FE-B241-A786-8BDB40F7C6FB}" type="pres">
+      <dgm:prSet presAssocID="{A87EA698-11CD-4B4E-AC4E-EF5C20738FEB}" presName="Name10" presStyleLbl="parChTrans1D2" presStyleIdx="0" presStyleCnt="2"/>
+      <dgm:spPr/>
+    </dgm:pt>
+    <dgm:pt modelId="{675EB2E4-2C68-C045-ACC9-F4239A02271E}" type="pres">
+      <dgm:prSet presAssocID="{97613747-5F0C-A04F-B9A5-2EB447A6B92C}" presName="hierRoot2" presStyleCnt="0"/>
+      <dgm:spPr/>
+    </dgm:pt>
+    <dgm:pt modelId="{7EDE9753-8798-3C41-BB5B-FBDA8A22F59C}" type="pres">
+      <dgm:prSet presAssocID="{97613747-5F0C-A04F-B9A5-2EB447A6B92C}" presName="composite2" presStyleCnt="0"/>
+      <dgm:spPr/>
+    </dgm:pt>
+    <dgm:pt modelId="{B6D9CF39-0964-2048-AC6F-79AA7FBABDAA}" type="pres">
+      <dgm:prSet presAssocID="{97613747-5F0C-A04F-B9A5-2EB447A6B92C}" presName="background2" presStyleLbl="node2" presStyleIdx="0" presStyleCnt="2"/>
+      <dgm:spPr/>
+    </dgm:pt>
+    <dgm:pt modelId="{2973D54F-B7E5-8943-BEE2-999C3625C9FB}" type="pres">
+      <dgm:prSet presAssocID="{97613747-5F0C-A04F-B9A5-2EB447A6B92C}" presName="text2" presStyleLbl="fgAcc2" presStyleIdx="0" presStyleCnt="2">
+        <dgm:presLayoutVars>
+          <dgm:chPref val="3"/>
+        </dgm:presLayoutVars>
+      </dgm:prSet>
+      <dgm:spPr/>
+    </dgm:pt>
+    <dgm:pt modelId="{B1909D2B-65C2-3949-A675-38C2A99E65E5}" type="pres">
+      <dgm:prSet presAssocID="{97613747-5F0C-A04F-B9A5-2EB447A6B92C}" presName="hierChild3" presStyleCnt="0"/>
+      <dgm:spPr/>
+    </dgm:pt>
+    <dgm:pt modelId="{547EBF5A-B0B7-4F45-BAB0-4E874250E24B}" type="pres">
+      <dgm:prSet presAssocID="{97CAF778-AD97-5E4D-A01F-CED07063AA2E}" presName="Name17" presStyleLbl="parChTrans1D3" presStyleIdx="0" presStyleCnt="2"/>
+      <dgm:spPr/>
+    </dgm:pt>
+    <dgm:pt modelId="{C3CD9511-DE91-2640-8F5F-8C88BF4EA4B1}" type="pres">
+      <dgm:prSet presAssocID="{B1635B5B-4F5C-4E44-9378-0A81DFD6DEEF}" presName="hierRoot3" presStyleCnt="0"/>
+      <dgm:spPr/>
+    </dgm:pt>
+    <dgm:pt modelId="{CD5BF83A-B30F-F540-9180-AB15C4B427BE}" type="pres">
+      <dgm:prSet presAssocID="{B1635B5B-4F5C-4E44-9378-0A81DFD6DEEF}" presName="composite3" presStyleCnt="0"/>
+      <dgm:spPr/>
+    </dgm:pt>
+    <dgm:pt modelId="{148693FC-A487-8A4B-8BF4-6B4DD89A580F}" type="pres">
+      <dgm:prSet presAssocID="{B1635B5B-4F5C-4E44-9378-0A81DFD6DEEF}" presName="background3" presStyleLbl="node3" presStyleIdx="0" presStyleCnt="2"/>
+      <dgm:spPr/>
+    </dgm:pt>
+    <dgm:pt modelId="{A8F1EA25-BC50-474C-B3A2-AAE5024B4056}" type="pres">
+      <dgm:prSet presAssocID="{B1635B5B-4F5C-4E44-9378-0A81DFD6DEEF}" presName="text3" presStyleLbl="fgAcc3" presStyleIdx="0" presStyleCnt="2">
+        <dgm:presLayoutVars>
+          <dgm:chPref val="3"/>
+        </dgm:presLayoutVars>
+      </dgm:prSet>
+      <dgm:spPr/>
+    </dgm:pt>
+    <dgm:pt modelId="{A7FADCC0-57CD-EF41-9EC9-F8EC99181AF3}" type="pres">
+      <dgm:prSet presAssocID="{B1635B5B-4F5C-4E44-9378-0A81DFD6DEEF}" presName="hierChild4" presStyleCnt="0"/>
+      <dgm:spPr/>
+    </dgm:pt>
+    <dgm:pt modelId="{F0A48DE0-FB9C-4942-A334-99B946CF4068}" type="pres">
+      <dgm:prSet presAssocID="{C68C9127-42F6-C54D-B100-B1C2541F2E37}" presName="Name17" presStyleLbl="parChTrans1D3" presStyleIdx="1" presStyleCnt="2"/>
+      <dgm:spPr/>
+    </dgm:pt>
+    <dgm:pt modelId="{0F8CEA85-E511-9744-B1BC-2753F3874A08}" type="pres">
+      <dgm:prSet presAssocID="{2E3D9858-7F58-9843-8666-D7193E403374}" presName="hierRoot3" presStyleCnt="0"/>
+      <dgm:spPr/>
+    </dgm:pt>
+    <dgm:pt modelId="{F3BD13EE-D1E2-4F43-A70C-1E0AACAF4DD3}" type="pres">
+      <dgm:prSet presAssocID="{2E3D9858-7F58-9843-8666-D7193E403374}" presName="composite3" presStyleCnt="0"/>
+      <dgm:spPr/>
+    </dgm:pt>
+    <dgm:pt modelId="{EA14BB45-A785-4144-9A19-278018D66CC7}" type="pres">
+      <dgm:prSet presAssocID="{2E3D9858-7F58-9843-8666-D7193E403374}" presName="background3" presStyleLbl="node3" presStyleIdx="1" presStyleCnt="2"/>
+      <dgm:spPr/>
+    </dgm:pt>
+    <dgm:pt modelId="{2A342ED3-E4AB-1C46-8103-202847B1289B}" type="pres">
+      <dgm:prSet presAssocID="{2E3D9858-7F58-9843-8666-D7193E403374}" presName="text3" presStyleLbl="fgAcc3" presStyleIdx="1" presStyleCnt="2">
+        <dgm:presLayoutVars>
+          <dgm:chPref val="3"/>
+        </dgm:presLayoutVars>
+      </dgm:prSet>
+      <dgm:spPr/>
+    </dgm:pt>
+    <dgm:pt modelId="{76D2C7ED-D601-DA43-9A36-0DE8D5210BB6}" type="pres">
+      <dgm:prSet presAssocID="{2E3D9858-7F58-9843-8666-D7193E403374}" presName="hierChild4" presStyleCnt="0"/>
+      <dgm:spPr/>
+    </dgm:pt>
+    <dgm:pt modelId="{8743B5E1-9E58-DB41-B225-3937F57BD47E}" type="pres">
+      <dgm:prSet presAssocID="{D1F1969D-E35D-4D42-A41D-ED6A8B367204}" presName="Name10" presStyleLbl="parChTrans1D2" presStyleIdx="1" presStyleCnt="2"/>
+      <dgm:spPr/>
+    </dgm:pt>
+    <dgm:pt modelId="{57517774-B951-5749-A4DB-86FEAD5215E5}" type="pres">
+      <dgm:prSet presAssocID="{A7AF5410-273C-BE4C-A531-EB39E883FA47}" presName="hierRoot2" presStyleCnt="0"/>
+      <dgm:spPr/>
+    </dgm:pt>
+    <dgm:pt modelId="{3A4FD690-65A1-B34C-9C91-61C805AA8BE1}" type="pres">
+      <dgm:prSet presAssocID="{A7AF5410-273C-BE4C-A531-EB39E883FA47}" presName="composite2" presStyleCnt="0"/>
+      <dgm:spPr/>
+    </dgm:pt>
+    <dgm:pt modelId="{F1FE6B36-40B5-3046-8994-6623EA53D0E1}" type="pres">
+      <dgm:prSet presAssocID="{A7AF5410-273C-BE4C-A531-EB39E883FA47}" presName="background2" presStyleLbl="node2" presStyleIdx="1" presStyleCnt="2"/>
+      <dgm:spPr/>
+    </dgm:pt>
+    <dgm:pt modelId="{17D60C5A-52BD-EE4B-B148-562261455075}" type="pres">
+      <dgm:prSet presAssocID="{A7AF5410-273C-BE4C-A531-EB39E883FA47}" presName="text2" presStyleLbl="fgAcc2" presStyleIdx="1" presStyleCnt="2">
+        <dgm:presLayoutVars>
+          <dgm:chPref val="3"/>
+        </dgm:presLayoutVars>
+      </dgm:prSet>
+      <dgm:spPr/>
+    </dgm:pt>
+    <dgm:pt modelId="{E6B23E01-2AC7-7B42-A63A-0E2EBB196208}" type="pres">
+      <dgm:prSet presAssocID="{A7AF5410-273C-BE4C-A531-EB39E883FA47}" presName="hierChild3" presStyleCnt="0"/>
+      <dgm:spPr/>
+    </dgm:pt>
+  </dgm:ptLst>
+  <dgm:cxnLst>
+    <dgm:cxn modelId="{6A39B712-A88A-4043-B4A4-8504617D7FA6}" type="presOf" srcId="{A87EA698-11CD-4B4E-AC4E-EF5C20738FEB}" destId="{6CE70598-95FE-B241-A786-8BDB40F7C6FB}" srcOrd="0" destOrd="0" presId="urn:microsoft.com/office/officeart/2005/8/layout/hierarchy1"/>
+    <dgm:cxn modelId="{03EA131E-5A20-224F-8C0E-4727006040C7}" srcId="{FB04F21B-2D7B-4943-87D0-60B1C80880A3}" destId="{A7AF5410-273C-BE4C-A531-EB39E883FA47}" srcOrd="1" destOrd="0" parTransId="{D1F1969D-E35D-4D42-A41D-ED6A8B367204}" sibTransId="{2248CDE7-DEE2-6B4C-82CB-7ED8864C3FEB}"/>
+    <dgm:cxn modelId="{43270220-1378-8E4B-92A0-8FB2AE5B549F}" srcId="{FB04F21B-2D7B-4943-87D0-60B1C80880A3}" destId="{97613747-5F0C-A04F-B9A5-2EB447A6B92C}" srcOrd="0" destOrd="0" parTransId="{A87EA698-11CD-4B4E-AC4E-EF5C20738FEB}" sibTransId="{4CF4F73D-E603-184E-B76A-C280CD9C43EC}"/>
+    <dgm:cxn modelId="{28AC2B56-7D4E-134E-9C03-736950193B4C}" type="presOf" srcId="{A7AF5410-273C-BE4C-A531-EB39E883FA47}" destId="{17D60C5A-52BD-EE4B-B148-562261455075}" srcOrd="0" destOrd="0" presId="urn:microsoft.com/office/officeart/2005/8/layout/hierarchy1"/>
+    <dgm:cxn modelId="{81B0D967-2851-D94C-8923-F6A7EB0CD77A}" type="presOf" srcId="{97CAF778-AD97-5E4D-A01F-CED07063AA2E}" destId="{547EBF5A-B0B7-4F45-BAB0-4E874250E24B}" srcOrd="0" destOrd="0" presId="urn:microsoft.com/office/officeart/2005/8/layout/hierarchy1"/>
+    <dgm:cxn modelId="{8752CA6D-984A-3848-8173-9FB643D129BD}" type="presOf" srcId="{C68C9127-42F6-C54D-B100-B1C2541F2E37}" destId="{F0A48DE0-FB9C-4942-A334-99B946CF4068}" srcOrd="0" destOrd="0" presId="urn:microsoft.com/office/officeart/2005/8/layout/hierarchy1"/>
+    <dgm:cxn modelId="{48C29974-A3A5-054C-81AA-EA24C0D7331E}" srcId="{97613747-5F0C-A04F-B9A5-2EB447A6B92C}" destId="{B1635B5B-4F5C-4E44-9378-0A81DFD6DEEF}" srcOrd="0" destOrd="0" parTransId="{97CAF778-AD97-5E4D-A01F-CED07063AA2E}" sibTransId="{BA46905D-5277-2348-A3EC-44A6383871BC}"/>
+    <dgm:cxn modelId="{0119DBAE-18EA-084A-8FC8-62094942AB15}" srcId="{CE4F20A4-1DF0-1E49-B29A-FE881758550E}" destId="{FB04F21B-2D7B-4943-87D0-60B1C80880A3}" srcOrd="0" destOrd="0" parTransId="{8880A679-5829-D140-A9AD-370C69FE058D}" sibTransId="{4A1FBB66-AC1A-1F43-859C-F049852D8E6A}"/>
+    <dgm:cxn modelId="{09830CBC-EBFD-314C-900A-9B590B78FE66}" type="presOf" srcId="{D1F1969D-E35D-4D42-A41D-ED6A8B367204}" destId="{8743B5E1-9E58-DB41-B225-3937F57BD47E}" srcOrd="0" destOrd="0" presId="urn:microsoft.com/office/officeart/2005/8/layout/hierarchy1"/>
+    <dgm:cxn modelId="{9B0233CD-A86F-E846-AB96-4D5FBF4AA1E8}" type="presOf" srcId="{CE4F20A4-1DF0-1E49-B29A-FE881758550E}" destId="{973CE5D7-453B-F242-8585-5C2A8A03D1C1}" srcOrd="0" destOrd="0" presId="urn:microsoft.com/office/officeart/2005/8/layout/hierarchy1"/>
+    <dgm:cxn modelId="{EF1E04D8-A2D3-8249-9B52-45F7A7F47F3A}" type="presOf" srcId="{2E3D9858-7F58-9843-8666-D7193E403374}" destId="{2A342ED3-E4AB-1C46-8103-202847B1289B}" srcOrd="0" destOrd="0" presId="urn:microsoft.com/office/officeart/2005/8/layout/hierarchy1"/>
+    <dgm:cxn modelId="{BFBE56DA-2F54-FD42-9C0B-DDD2A8BE4886}" type="presOf" srcId="{FB04F21B-2D7B-4943-87D0-60B1C80880A3}" destId="{C01F8056-1083-A245-BDAD-6D6CA91D8F04}" srcOrd="0" destOrd="0" presId="urn:microsoft.com/office/officeart/2005/8/layout/hierarchy1"/>
+    <dgm:cxn modelId="{C243A6DA-5B9C-3F40-A71A-87A8B44E48D0}" srcId="{97613747-5F0C-A04F-B9A5-2EB447A6B92C}" destId="{2E3D9858-7F58-9843-8666-D7193E403374}" srcOrd="1" destOrd="0" parTransId="{C68C9127-42F6-C54D-B100-B1C2541F2E37}" sibTransId="{CD8610E1-A62F-4348-B808-99EADD141DED}"/>
+    <dgm:cxn modelId="{F98099F5-D4A1-AC4F-A458-1B9A15A669CD}" type="presOf" srcId="{B1635B5B-4F5C-4E44-9378-0A81DFD6DEEF}" destId="{A8F1EA25-BC50-474C-B3A2-AAE5024B4056}" srcOrd="0" destOrd="0" presId="urn:microsoft.com/office/officeart/2005/8/layout/hierarchy1"/>
+    <dgm:cxn modelId="{227AF7F5-3A42-8E44-B403-3F06357CC665}" type="presOf" srcId="{97613747-5F0C-A04F-B9A5-2EB447A6B92C}" destId="{2973D54F-B7E5-8943-BEE2-999C3625C9FB}" srcOrd="0" destOrd="0" presId="urn:microsoft.com/office/officeart/2005/8/layout/hierarchy1"/>
+    <dgm:cxn modelId="{442FDEB0-5BA1-D747-B86B-24061D1A689A}" type="presParOf" srcId="{973CE5D7-453B-F242-8585-5C2A8A03D1C1}" destId="{B9BAAFD9-1489-CE47-951F-A3890CB84C7E}" srcOrd="0" destOrd="0" presId="urn:microsoft.com/office/officeart/2005/8/layout/hierarchy1"/>
+    <dgm:cxn modelId="{065B87D6-4656-8040-A44B-C165F827FDA3}" type="presParOf" srcId="{B9BAAFD9-1489-CE47-951F-A3890CB84C7E}" destId="{F84CACB8-3237-E648-8681-2337D2AB0051}" srcOrd="0" destOrd="0" presId="urn:microsoft.com/office/officeart/2005/8/layout/hierarchy1"/>
+    <dgm:cxn modelId="{EB0C6B0E-76C2-2849-95BF-7ECF9F61A7F1}" type="presParOf" srcId="{F84CACB8-3237-E648-8681-2337D2AB0051}" destId="{F371A2DE-E2A1-2146-B291-8C1173000D22}" srcOrd="0" destOrd="0" presId="urn:microsoft.com/office/officeart/2005/8/layout/hierarchy1"/>
+    <dgm:cxn modelId="{8A06013A-6CF7-2E40-9186-BE339D710690}" type="presParOf" srcId="{F84CACB8-3237-E648-8681-2337D2AB0051}" destId="{C01F8056-1083-A245-BDAD-6D6CA91D8F04}" srcOrd="1" destOrd="0" presId="urn:microsoft.com/office/officeart/2005/8/layout/hierarchy1"/>
+    <dgm:cxn modelId="{BF967777-8E2B-A341-AFCB-ECEF292A7CD0}" type="presParOf" srcId="{B9BAAFD9-1489-CE47-951F-A3890CB84C7E}" destId="{ADDECDFB-E686-434E-B76F-26C4231E51C6}" srcOrd="1" destOrd="0" presId="urn:microsoft.com/office/officeart/2005/8/layout/hierarchy1"/>
+    <dgm:cxn modelId="{1387E8E5-0ED7-C844-A452-40B0486D2157}" type="presParOf" srcId="{ADDECDFB-E686-434E-B76F-26C4231E51C6}" destId="{6CE70598-95FE-B241-A786-8BDB40F7C6FB}" srcOrd="0" destOrd="0" presId="urn:microsoft.com/office/officeart/2005/8/layout/hierarchy1"/>
+    <dgm:cxn modelId="{AFC6714D-8549-114D-8D8F-612DA93FA8E6}" type="presParOf" srcId="{ADDECDFB-E686-434E-B76F-26C4231E51C6}" destId="{675EB2E4-2C68-C045-ACC9-F4239A02271E}" srcOrd="1" destOrd="0" presId="urn:microsoft.com/office/officeart/2005/8/layout/hierarchy1"/>
+    <dgm:cxn modelId="{BFA2376F-5AAF-7E4E-BEC1-79688DA2060C}" type="presParOf" srcId="{675EB2E4-2C68-C045-ACC9-F4239A02271E}" destId="{7EDE9753-8798-3C41-BB5B-FBDA8A22F59C}" srcOrd="0" destOrd="0" presId="urn:microsoft.com/office/officeart/2005/8/layout/hierarchy1"/>
+    <dgm:cxn modelId="{80A0F8BC-736F-D04D-B031-A6D650CA5DDC}" type="presParOf" srcId="{7EDE9753-8798-3C41-BB5B-FBDA8A22F59C}" destId="{B6D9CF39-0964-2048-AC6F-79AA7FBABDAA}" srcOrd="0" destOrd="0" presId="urn:microsoft.com/office/officeart/2005/8/layout/hierarchy1"/>
+    <dgm:cxn modelId="{86BFD293-7C1D-9345-80C2-D6A7ADA7BA28}" type="presParOf" srcId="{7EDE9753-8798-3C41-BB5B-FBDA8A22F59C}" destId="{2973D54F-B7E5-8943-BEE2-999C3625C9FB}" srcOrd="1" destOrd="0" presId="urn:microsoft.com/office/officeart/2005/8/layout/hierarchy1"/>
+    <dgm:cxn modelId="{97638117-CCE9-9942-BEBF-B083256FBEB3}" type="presParOf" srcId="{675EB2E4-2C68-C045-ACC9-F4239A02271E}" destId="{B1909D2B-65C2-3949-A675-38C2A99E65E5}" srcOrd="1" destOrd="0" presId="urn:microsoft.com/office/officeart/2005/8/layout/hierarchy1"/>
+    <dgm:cxn modelId="{3B00A953-E5E1-A449-8065-7EF9F47A5025}" type="presParOf" srcId="{B1909D2B-65C2-3949-A675-38C2A99E65E5}" destId="{547EBF5A-B0B7-4F45-BAB0-4E874250E24B}" srcOrd="0" destOrd="0" presId="urn:microsoft.com/office/officeart/2005/8/layout/hierarchy1"/>
+    <dgm:cxn modelId="{834E9877-9517-1D48-B1C8-4F49D067836D}" type="presParOf" srcId="{B1909D2B-65C2-3949-A675-38C2A99E65E5}" destId="{C3CD9511-DE91-2640-8F5F-8C88BF4EA4B1}" srcOrd="1" destOrd="0" presId="urn:microsoft.com/office/officeart/2005/8/layout/hierarchy1"/>
+    <dgm:cxn modelId="{1C9CC5AB-B78D-8149-9B72-B37ACC96375D}" type="presParOf" srcId="{C3CD9511-DE91-2640-8F5F-8C88BF4EA4B1}" destId="{CD5BF83A-B30F-F540-9180-AB15C4B427BE}" srcOrd="0" destOrd="0" presId="urn:microsoft.com/office/officeart/2005/8/layout/hierarchy1"/>
+    <dgm:cxn modelId="{57310EAC-D93D-834D-8C6F-A453F9376094}" type="presParOf" srcId="{CD5BF83A-B30F-F540-9180-AB15C4B427BE}" destId="{148693FC-A487-8A4B-8BF4-6B4DD89A580F}" srcOrd="0" destOrd="0" presId="urn:microsoft.com/office/officeart/2005/8/layout/hierarchy1"/>
+    <dgm:cxn modelId="{8BCD0319-637D-BE47-BA56-B1554F2C1DBD}" type="presParOf" srcId="{CD5BF83A-B30F-F540-9180-AB15C4B427BE}" destId="{A8F1EA25-BC50-474C-B3A2-AAE5024B4056}" srcOrd="1" destOrd="0" presId="urn:microsoft.com/office/officeart/2005/8/layout/hierarchy1"/>
+    <dgm:cxn modelId="{824EA819-FF26-064B-A6EC-7A4421BA6EB2}" type="presParOf" srcId="{C3CD9511-DE91-2640-8F5F-8C88BF4EA4B1}" destId="{A7FADCC0-57CD-EF41-9EC9-F8EC99181AF3}" srcOrd="1" destOrd="0" presId="urn:microsoft.com/office/officeart/2005/8/layout/hierarchy1"/>
+    <dgm:cxn modelId="{5A58029A-75AD-CF43-80FB-6C2C1524281A}" type="presParOf" srcId="{B1909D2B-65C2-3949-A675-38C2A99E65E5}" destId="{F0A48DE0-FB9C-4942-A334-99B946CF4068}" srcOrd="2" destOrd="0" presId="urn:microsoft.com/office/officeart/2005/8/layout/hierarchy1"/>
+    <dgm:cxn modelId="{6E0177D4-28E5-AE41-9041-BDB68057506C}" type="presParOf" srcId="{B1909D2B-65C2-3949-A675-38C2A99E65E5}" destId="{0F8CEA85-E511-9744-B1BC-2753F3874A08}" srcOrd="3" destOrd="0" presId="urn:microsoft.com/office/officeart/2005/8/layout/hierarchy1"/>
+    <dgm:cxn modelId="{DB0DBA50-B1CC-DC40-97AE-3681BD0EA873}" type="presParOf" srcId="{0F8CEA85-E511-9744-B1BC-2753F3874A08}" destId="{F3BD13EE-D1E2-4F43-A70C-1E0AACAF4DD3}" srcOrd="0" destOrd="0" presId="urn:microsoft.com/office/officeart/2005/8/layout/hierarchy1"/>
+    <dgm:cxn modelId="{6560B44B-8354-074F-94B7-38DCC1004039}" type="presParOf" srcId="{F3BD13EE-D1E2-4F43-A70C-1E0AACAF4DD3}" destId="{EA14BB45-A785-4144-9A19-278018D66CC7}" srcOrd="0" destOrd="0" presId="urn:microsoft.com/office/officeart/2005/8/layout/hierarchy1"/>
+    <dgm:cxn modelId="{FF5720D4-885E-BA43-A16F-2F53E86D5D47}" type="presParOf" srcId="{F3BD13EE-D1E2-4F43-A70C-1E0AACAF4DD3}" destId="{2A342ED3-E4AB-1C46-8103-202847B1289B}" srcOrd="1" destOrd="0" presId="urn:microsoft.com/office/officeart/2005/8/layout/hierarchy1"/>
+    <dgm:cxn modelId="{605A4C92-A383-0A48-ACC9-46387D346407}" type="presParOf" srcId="{0F8CEA85-E511-9744-B1BC-2753F3874A08}" destId="{76D2C7ED-D601-DA43-9A36-0DE8D5210BB6}" srcOrd="1" destOrd="0" presId="urn:microsoft.com/office/officeart/2005/8/layout/hierarchy1"/>
+    <dgm:cxn modelId="{EDEE1125-ECEC-5645-BBDA-2A5A08E2C526}" type="presParOf" srcId="{ADDECDFB-E686-434E-B76F-26C4231E51C6}" destId="{8743B5E1-9E58-DB41-B225-3937F57BD47E}" srcOrd="2" destOrd="0" presId="urn:microsoft.com/office/officeart/2005/8/layout/hierarchy1"/>
+    <dgm:cxn modelId="{B6AEFDAC-9EEC-6D4A-B971-2028B993C787}" type="presParOf" srcId="{ADDECDFB-E686-434E-B76F-26C4231E51C6}" destId="{57517774-B951-5749-A4DB-86FEAD5215E5}" srcOrd="3" destOrd="0" presId="urn:microsoft.com/office/officeart/2005/8/layout/hierarchy1"/>
+    <dgm:cxn modelId="{9B9B0811-45CE-3A4A-ABD3-AA54B48EF5A5}" type="presParOf" srcId="{57517774-B951-5749-A4DB-86FEAD5215E5}" destId="{3A4FD690-65A1-B34C-9C91-61C805AA8BE1}" srcOrd="0" destOrd="0" presId="urn:microsoft.com/office/officeart/2005/8/layout/hierarchy1"/>
+    <dgm:cxn modelId="{9B22FCDF-8185-7247-9937-088A2960AE73}" type="presParOf" srcId="{3A4FD690-65A1-B34C-9C91-61C805AA8BE1}" destId="{F1FE6B36-40B5-3046-8994-6623EA53D0E1}" srcOrd="0" destOrd="0" presId="urn:microsoft.com/office/officeart/2005/8/layout/hierarchy1"/>
+    <dgm:cxn modelId="{90113B6A-854D-5C4E-AE81-C9CFF6FBADB3}" type="presParOf" srcId="{3A4FD690-65A1-B34C-9C91-61C805AA8BE1}" destId="{17D60C5A-52BD-EE4B-B148-562261455075}" srcOrd="1" destOrd="0" presId="urn:microsoft.com/office/officeart/2005/8/layout/hierarchy1"/>
+    <dgm:cxn modelId="{979C8173-E6ED-B947-B9F9-47087FDA6327}" type="presParOf" srcId="{57517774-B951-5749-A4DB-86FEAD5215E5}" destId="{E6B23E01-2AC7-7B42-A63A-0E2EBB196208}" srcOrd="1" destOrd="0" presId="urn:microsoft.com/office/officeart/2005/8/layout/hierarchy1"/>
+  </dgm:cxnLst>
+  <dgm:bg/>
+  <dgm:whole/>
+  <dgm:extLst>
+    <a:ext uri="http://schemas.microsoft.com/office/drawing/2008/diagram">
+      <dsp:dataModelExt xmlns:dsp="http://schemas.microsoft.com/office/drawing/2008/diagram" relId="rId7" minVer="http://schemas.openxmlformats.org/drawingml/2006/diagram"/>
+    </a:ext>
+  </dgm:extLst>
+</dgm:dataModel>
+</file>
+
+<file path=ppt/diagrams/drawing1.xml><?xml version="1.0" encoding="utf-8"?>
+<dsp:drawing xmlns:dgm="http://schemas.openxmlformats.org/drawingml/2006/diagram" xmlns:dsp="http://schemas.microsoft.com/office/drawing/2008/diagram" xmlns:a="http://schemas.openxmlformats.org/drawingml/2006/main">
+  <dsp:spTree>
+    <dsp:nvGrpSpPr>
+      <dsp:cNvPr id="0" name=""/>
+      <dsp:cNvGrpSpPr/>
+    </dsp:nvGrpSpPr>
+    <dsp:grpSpPr/>
+    <dsp:sp modelId="{8743B5E1-9E58-DB41-B225-3937F57BD47E}">
+      <dsp:nvSpPr>
+        <dsp:cNvPr id="0" name=""/>
+        <dsp:cNvSpPr/>
+      </dsp:nvSpPr>
+      <dsp:spPr>
+        <a:xfrm>
+          <a:off x="3099924" y="979867"/>
+          <a:ext cx="940616" cy="447647"/>
+        </a:xfrm>
+        <a:custGeom>
+          <a:avLst/>
+          <a:gdLst/>
+          <a:ahLst/>
+          <a:cxnLst/>
+          <a:rect l="0" t="0" r="0" b="0"/>
+          <a:pathLst>
+            <a:path>
+              <a:moveTo>
+                <a:pt x="0" y="0"/>
+              </a:moveTo>
+              <a:lnTo>
+                <a:pt x="0" y="305058"/>
+              </a:lnTo>
+              <a:lnTo>
+                <a:pt x="940616" y="305058"/>
+              </a:lnTo>
+              <a:lnTo>
+                <a:pt x="940616" y="447647"/>
+              </a:lnTo>
+            </a:path>
+          </a:pathLst>
+        </a:custGeom>
+        <a:noFill/>
+        <a:ln w="12700" cap="flat" cmpd="sng" algn="ctr">
+          <a:solidFill>
+            <a:schemeClr val="accent1">
+              <a:shade val="60000"/>
+              <a:hueOff val="0"/>
+              <a:satOff val="0"/>
+              <a:lumOff val="0"/>
+              <a:alphaOff val="0"/>
+            </a:schemeClr>
+          </a:solidFill>
+          <a:prstDash val="solid"/>
+          <a:miter lim="800000"/>
+        </a:ln>
+        <a:effectLst/>
+      </dsp:spPr>
+      <dsp:style>
+        <a:lnRef idx="2">
+          <a:scrgbClr r="0" g="0" b="0"/>
+        </a:lnRef>
+        <a:fillRef idx="0">
+          <a:scrgbClr r="0" g="0" b="0"/>
+        </a:fillRef>
+        <a:effectRef idx="0">
+          <a:scrgbClr r="0" g="0" b="0"/>
+        </a:effectRef>
+        <a:fontRef idx="minor"/>
+      </dsp:style>
+    </dsp:sp>
+    <dsp:sp modelId="{F0A48DE0-FB9C-4942-A334-99B946CF4068}">
+      <dsp:nvSpPr>
+        <dsp:cNvPr id="0" name=""/>
+        <dsp:cNvSpPr/>
+      </dsp:nvSpPr>
+      <dsp:spPr>
+        <a:xfrm>
+          <a:off x="2159307" y="2404901"/>
+          <a:ext cx="940616" cy="447647"/>
+        </a:xfrm>
+        <a:custGeom>
+          <a:avLst/>
+          <a:gdLst/>
+          <a:ahLst/>
+          <a:cxnLst/>
+          <a:rect l="0" t="0" r="0" b="0"/>
+          <a:pathLst>
+            <a:path>
+              <a:moveTo>
+                <a:pt x="0" y="0"/>
+              </a:moveTo>
+              <a:lnTo>
+                <a:pt x="0" y="305058"/>
+              </a:lnTo>
+              <a:lnTo>
+                <a:pt x="940616" y="305058"/>
+              </a:lnTo>
+              <a:lnTo>
+                <a:pt x="940616" y="447647"/>
+              </a:lnTo>
+            </a:path>
+          </a:pathLst>
+        </a:custGeom>
+        <a:noFill/>
+        <a:ln w="12700" cap="flat" cmpd="sng" algn="ctr">
+          <a:solidFill>
+            <a:schemeClr val="accent1">
+              <a:shade val="80000"/>
+              <a:hueOff val="0"/>
+              <a:satOff val="0"/>
+              <a:lumOff val="0"/>
+              <a:alphaOff val="0"/>
+            </a:schemeClr>
+          </a:solidFill>
+          <a:prstDash val="solid"/>
+          <a:miter lim="800000"/>
+        </a:ln>
+        <a:effectLst/>
+      </dsp:spPr>
+      <dsp:style>
+        <a:lnRef idx="2">
+          <a:scrgbClr r="0" g="0" b="0"/>
+        </a:lnRef>
+        <a:fillRef idx="0">
+          <a:scrgbClr r="0" g="0" b="0"/>
+        </a:fillRef>
+        <a:effectRef idx="0">
+          <a:scrgbClr r="0" g="0" b="0"/>
+        </a:effectRef>
+        <a:fontRef idx="minor"/>
+      </dsp:style>
+    </dsp:sp>
+    <dsp:sp modelId="{547EBF5A-B0B7-4F45-BAB0-4E874250E24B}">
+      <dsp:nvSpPr>
+        <dsp:cNvPr id="0" name=""/>
+        <dsp:cNvSpPr/>
+      </dsp:nvSpPr>
+      <dsp:spPr>
+        <a:xfrm>
+          <a:off x="1218691" y="2404901"/>
+          <a:ext cx="940616" cy="447647"/>
+        </a:xfrm>
+        <a:custGeom>
+          <a:avLst/>
+          <a:gdLst/>
+          <a:ahLst/>
+          <a:cxnLst/>
+          <a:rect l="0" t="0" r="0" b="0"/>
+          <a:pathLst>
+            <a:path>
+              <a:moveTo>
+                <a:pt x="940616" y="0"/>
+              </a:moveTo>
+              <a:lnTo>
+                <a:pt x="940616" y="305058"/>
+              </a:lnTo>
+              <a:lnTo>
+                <a:pt x="0" y="305058"/>
+              </a:lnTo>
+              <a:lnTo>
+                <a:pt x="0" y="447647"/>
+              </a:lnTo>
+            </a:path>
+          </a:pathLst>
+        </a:custGeom>
+        <a:noFill/>
+        <a:ln w="12700" cap="flat" cmpd="sng" algn="ctr">
+          <a:solidFill>
+            <a:schemeClr val="accent1">
+              <a:shade val="80000"/>
+              <a:hueOff val="0"/>
+              <a:satOff val="0"/>
+              <a:lumOff val="0"/>
+              <a:alphaOff val="0"/>
+            </a:schemeClr>
+          </a:solidFill>
+          <a:prstDash val="solid"/>
+          <a:miter lim="800000"/>
+        </a:ln>
+        <a:effectLst/>
+      </dsp:spPr>
+      <dsp:style>
+        <a:lnRef idx="2">
+          <a:scrgbClr r="0" g="0" b="0"/>
+        </a:lnRef>
+        <a:fillRef idx="0">
+          <a:scrgbClr r="0" g="0" b="0"/>
+        </a:fillRef>
+        <a:effectRef idx="0">
+          <a:scrgbClr r="0" g="0" b="0"/>
+        </a:effectRef>
+        <a:fontRef idx="minor"/>
+      </dsp:style>
+    </dsp:sp>
+    <dsp:sp modelId="{6CE70598-95FE-B241-A786-8BDB40F7C6FB}">
+      <dsp:nvSpPr>
+        <dsp:cNvPr id="0" name=""/>
+        <dsp:cNvSpPr/>
+      </dsp:nvSpPr>
+      <dsp:spPr>
+        <a:xfrm>
+          <a:off x="2159307" y="979867"/>
+          <a:ext cx="940616" cy="447647"/>
+        </a:xfrm>
+        <a:custGeom>
+          <a:avLst/>
+          <a:gdLst/>
+          <a:ahLst/>
+          <a:cxnLst/>
+          <a:rect l="0" t="0" r="0" b="0"/>
+          <a:pathLst>
+            <a:path>
+              <a:moveTo>
+                <a:pt x="940616" y="0"/>
+              </a:moveTo>
+              <a:lnTo>
+                <a:pt x="940616" y="305058"/>
+              </a:lnTo>
+              <a:lnTo>
+                <a:pt x="0" y="305058"/>
+              </a:lnTo>
+              <a:lnTo>
+                <a:pt x="0" y="447647"/>
+              </a:lnTo>
+            </a:path>
+          </a:pathLst>
+        </a:custGeom>
+        <a:noFill/>
+        <a:ln w="12700" cap="flat" cmpd="sng" algn="ctr">
+          <a:solidFill>
+            <a:schemeClr val="accent1">
+              <a:shade val="60000"/>
+              <a:hueOff val="0"/>
+              <a:satOff val="0"/>
+              <a:lumOff val="0"/>
+              <a:alphaOff val="0"/>
+            </a:schemeClr>
+          </a:solidFill>
+          <a:prstDash val="solid"/>
+          <a:miter lim="800000"/>
+        </a:ln>
+        <a:effectLst/>
+      </dsp:spPr>
+      <dsp:style>
+        <a:lnRef idx="2">
+          <a:scrgbClr r="0" g="0" b="0"/>
+        </a:lnRef>
+        <a:fillRef idx="0">
+          <a:scrgbClr r="0" g="0" b="0"/>
+        </a:fillRef>
+        <a:effectRef idx="0">
+          <a:scrgbClr r="0" g="0" b="0"/>
+        </a:effectRef>
+        <a:fontRef idx="minor"/>
+      </dsp:style>
+    </dsp:sp>
+    <dsp:sp modelId="{F371A2DE-E2A1-2146-B291-8C1173000D22}">
+      <dsp:nvSpPr>
+        <dsp:cNvPr id="0" name=""/>
+        <dsp:cNvSpPr/>
+      </dsp:nvSpPr>
+      <dsp:spPr>
+        <a:xfrm>
+          <a:off x="2330328" y="2481"/>
+          <a:ext cx="1539190" cy="977385"/>
+        </a:xfrm>
+        <a:prstGeom prst="roundRect">
+          <a:avLst>
+            <a:gd name="adj" fmla="val 10000"/>
+          </a:avLst>
+        </a:prstGeom>
+        <a:solidFill>
+          <a:schemeClr val="accent1">
+            <a:hueOff val="0"/>
+            <a:satOff val="0"/>
+            <a:lumOff val="0"/>
+            <a:alphaOff val="0"/>
+          </a:schemeClr>
+        </a:solidFill>
+        <a:ln w="12700" cap="flat" cmpd="sng" algn="ctr">
+          <a:solidFill>
+            <a:schemeClr val="lt1">
+              <a:hueOff val="0"/>
+              <a:satOff val="0"/>
+              <a:lumOff val="0"/>
+              <a:alphaOff val="0"/>
+            </a:schemeClr>
+          </a:solidFill>
+          <a:prstDash val="solid"/>
+          <a:miter lim="800000"/>
+        </a:ln>
+        <a:effectLst/>
+      </dsp:spPr>
+      <dsp:style>
+        <a:lnRef idx="2">
+          <a:scrgbClr r="0" g="0" b="0"/>
+        </a:lnRef>
+        <a:fillRef idx="1">
+          <a:scrgbClr r="0" g="0" b="0"/>
+        </a:fillRef>
+        <a:effectRef idx="0">
+          <a:scrgbClr r="0" g="0" b="0"/>
+        </a:effectRef>
+        <a:fontRef idx="minor">
+          <a:schemeClr val="lt1"/>
+        </a:fontRef>
+      </dsp:style>
+    </dsp:sp>
+    <dsp:sp modelId="{C01F8056-1083-A245-BDAD-6D6CA91D8F04}">
+      <dsp:nvSpPr>
+        <dsp:cNvPr id="0" name=""/>
+        <dsp:cNvSpPr/>
+      </dsp:nvSpPr>
+      <dsp:spPr>
+        <a:xfrm>
+          <a:off x="2501350" y="164951"/>
+          <a:ext cx="1539190" cy="977385"/>
+        </a:xfrm>
+        <a:prstGeom prst="roundRect">
+          <a:avLst>
+            <a:gd name="adj" fmla="val 10000"/>
+          </a:avLst>
+        </a:prstGeom>
+        <a:solidFill>
+          <a:schemeClr val="lt1">
+            <a:alpha val="90000"/>
+            <a:hueOff val="0"/>
+            <a:satOff val="0"/>
+            <a:lumOff val="0"/>
+            <a:alphaOff val="0"/>
+          </a:schemeClr>
+        </a:solidFill>
+        <a:ln w="12700" cap="flat" cmpd="sng" algn="ctr">
+          <a:solidFill>
+            <a:schemeClr val="accent1">
+              <a:hueOff val="0"/>
+              <a:satOff val="0"/>
+              <a:lumOff val="0"/>
+              <a:alphaOff val="0"/>
+            </a:schemeClr>
+          </a:solidFill>
+          <a:prstDash val="solid"/>
+          <a:miter lim="800000"/>
+        </a:ln>
+        <a:effectLst/>
+      </dsp:spPr>
+      <dsp:style>
+        <a:lnRef idx="2">
+          <a:scrgbClr r="0" g="0" b="0"/>
+        </a:lnRef>
+        <a:fillRef idx="1">
+          <a:scrgbClr r="0" g="0" b="0"/>
+        </a:fillRef>
+        <a:effectRef idx="0">
+          <a:scrgbClr r="0" g="0" b="0"/>
+        </a:effectRef>
+        <a:fontRef idx="minor"/>
+      </dsp:style>
+      <dsp:txBody>
+        <a:bodyPr spcFirstLastPara="0" vert="horz" wrap="square" lIns="160020" tIns="160020" rIns="160020" bIns="160020" numCol="1" spcCol="1270" anchor="ctr" anchorCtr="0">
+          <a:noAutofit/>
+        </a:bodyPr>
+        <a:lstStyle/>
+        <a:p>
+          <a:pPr marL="0" lvl="0" indent="0" algn="ctr" defTabSz="1866900">
+            <a:lnSpc>
+              <a:spcPct val="90000"/>
+            </a:lnSpc>
+            <a:spcBef>
+              <a:spcPct val="0"/>
+            </a:spcBef>
+            <a:spcAft>
+              <a:spcPct val="35000"/>
+            </a:spcAft>
+            <a:buNone/>
+          </a:pPr>
+          <a:r>
+            <a:rPr lang="en-GB" sz="4200" kern="1200" dirty="0"/>
+            <a:t>root</a:t>
+          </a:r>
+        </a:p>
+      </dsp:txBody>
+      <dsp:txXfrm>
+        <a:off x="2529977" y="193578"/>
+        <a:ext cx="1481936" cy="920131"/>
+      </dsp:txXfrm>
+    </dsp:sp>
+    <dsp:sp modelId="{B6D9CF39-0964-2048-AC6F-79AA7FBABDAA}">
+      <dsp:nvSpPr>
+        <dsp:cNvPr id="0" name=""/>
+        <dsp:cNvSpPr/>
+      </dsp:nvSpPr>
+      <dsp:spPr>
+        <a:xfrm>
+          <a:off x="1389712" y="1427515"/>
+          <a:ext cx="1539190" cy="977385"/>
+        </a:xfrm>
+        <a:prstGeom prst="roundRect">
+          <a:avLst>
+            <a:gd name="adj" fmla="val 10000"/>
+          </a:avLst>
+        </a:prstGeom>
+        <a:solidFill>
+          <a:schemeClr val="accent1">
+            <a:hueOff val="0"/>
+            <a:satOff val="0"/>
+            <a:lumOff val="0"/>
+            <a:alphaOff val="0"/>
+          </a:schemeClr>
+        </a:solidFill>
+        <a:ln w="12700" cap="flat" cmpd="sng" algn="ctr">
+          <a:solidFill>
+            <a:schemeClr val="lt1">
+              <a:hueOff val="0"/>
+              <a:satOff val="0"/>
+              <a:lumOff val="0"/>
+              <a:alphaOff val="0"/>
+            </a:schemeClr>
+          </a:solidFill>
+          <a:prstDash val="solid"/>
+          <a:miter lim="800000"/>
+        </a:ln>
+        <a:effectLst/>
+      </dsp:spPr>
+      <dsp:style>
+        <a:lnRef idx="2">
+          <a:scrgbClr r="0" g="0" b="0"/>
+        </a:lnRef>
+        <a:fillRef idx="1">
+          <a:scrgbClr r="0" g="0" b="0"/>
+        </a:fillRef>
+        <a:effectRef idx="0">
+          <a:scrgbClr r="0" g="0" b="0"/>
+        </a:effectRef>
+        <a:fontRef idx="minor">
+          <a:schemeClr val="lt1"/>
+        </a:fontRef>
+      </dsp:style>
+    </dsp:sp>
+    <dsp:sp modelId="{2973D54F-B7E5-8943-BEE2-999C3625C9FB}">
+      <dsp:nvSpPr>
+        <dsp:cNvPr id="0" name=""/>
+        <dsp:cNvSpPr/>
+      </dsp:nvSpPr>
+      <dsp:spPr>
+        <a:xfrm>
+          <a:off x="1560733" y="1589985"/>
+          <a:ext cx="1539190" cy="977385"/>
+        </a:xfrm>
+        <a:prstGeom prst="roundRect">
+          <a:avLst>
+            <a:gd name="adj" fmla="val 10000"/>
+          </a:avLst>
+        </a:prstGeom>
+        <a:solidFill>
+          <a:schemeClr val="lt1">
+            <a:alpha val="90000"/>
+            <a:hueOff val="0"/>
+            <a:satOff val="0"/>
+            <a:lumOff val="0"/>
+            <a:alphaOff val="0"/>
+          </a:schemeClr>
+        </a:solidFill>
+        <a:ln w="12700" cap="flat" cmpd="sng" algn="ctr">
+          <a:solidFill>
+            <a:schemeClr val="accent1">
+              <a:hueOff val="0"/>
+              <a:satOff val="0"/>
+              <a:lumOff val="0"/>
+              <a:alphaOff val="0"/>
+            </a:schemeClr>
+          </a:solidFill>
+          <a:prstDash val="solid"/>
+          <a:miter lim="800000"/>
+        </a:ln>
+        <a:effectLst/>
+      </dsp:spPr>
+      <dsp:style>
+        <a:lnRef idx="2">
+          <a:scrgbClr r="0" g="0" b="0"/>
+        </a:lnRef>
+        <a:fillRef idx="1">
+          <a:scrgbClr r="0" g="0" b="0"/>
+        </a:fillRef>
+        <a:effectRef idx="0">
+          <a:scrgbClr r="0" g="0" b="0"/>
+        </a:effectRef>
+        <a:fontRef idx="minor"/>
+      </dsp:style>
+      <dsp:txBody>
+        <a:bodyPr spcFirstLastPara="0" vert="horz" wrap="square" lIns="160020" tIns="160020" rIns="160020" bIns="160020" numCol="1" spcCol="1270" anchor="ctr" anchorCtr="0">
+          <a:noAutofit/>
+        </a:bodyPr>
+        <a:lstStyle/>
+        <a:p>
+          <a:pPr marL="0" lvl="0" indent="0" algn="ctr" defTabSz="1866900">
+            <a:lnSpc>
+              <a:spcPct val="90000"/>
+            </a:lnSpc>
+            <a:spcBef>
+              <a:spcPct val="0"/>
+            </a:spcBef>
+            <a:spcAft>
+              <a:spcPct val="35000"/>
+            </a:spcAft>
+            <a:buNone/>
+          </a:pPr>
+          <a:r>
+            <a:rPr lang="en-GB" sz="4200" kern="1200" dirty="0" err="1"/>
+            <a:t>PoP</a:t>
+          </a:r>
+          <a:endParaRPr lang="en-GB" sz="4200" kern="1200" dirty="0"/>
+        </a:p>
+      </dsp:txBody>
+      <dsp:txXfrm>
+        <a:off x="1589360" y="1618612"/>
+        <a:ext cx="1481936" cy="920131"/>
+      </dsp:txXfrm>
+    </dsp:sp>
+    <dsp:sp modelId="{148693FC-A487-8A4B-8BF4-6B4DD89A580F}">
+      <dsp:nvSpPr>
+        <dsp:cNvPr id="0" name=""/>
+        <dsp:cNvSpPr/>
+      </dsp:nvSpPr>
+      <dsp:spPr>
+        <a:xfrm>
+          <a:off x="449096" y="2852549"/>
+          <a:ext cx="1539190" cy="977385"/>
+        </a:xfrm>
+        <a:prstGeom prst="roundRect">
+          <a:avLst>
+            <a:gd name="adj" fmla="val 10000"/>
+          </a:avLst>
+        </a:prstGeom>
+        <a:solidFill>
+          <a:schemeClr val="accent1">
+            <a:hueOff val="0"/>
+            <a:satOff val="0"/>
+            <a:lumOff val="0"/>
+            <a:alphaOff val="0"/>
+          </a:schemeClr>
+        </a:solidFill>
+        <a:ln w="12700" cap="flat" cmpd="sng" algn="ctr">
+          <a:solidFill>
+            <a:schemeClr val="lt1">
+              <a:hueOff val="0"/>
+              <a:satOff val="0"/>
+              <a:lumOff val="0"/>
+              <a:alphaOff val="0"/>
+            </a:schemeClr>
+          </a:solidFill>
+          <a:prstDash val="solid"/>
+          <a:miter lim="800000"/>
+        </a:ln>
+        <a:effectLst/>
+      </dsp:spPr>
+      <dsp:style>
+        <a:lnRef idx="2">
+          <a:scrgbClr r="0" g="0" b="0"/>
+        </a:lnRef>
+        <a:fillRef idx="1">
+          <a:scrgbClr r="0" g="0" b="0"/>
+        </a:fillRef>
+        <a:effectRef idx="0">
+          <a:scrgbClr r="0" g="0" b="0"/>
+        </a:effectRef>
+        <a:fontRef idx="minor">
+          <a:schemeClr val="lt1"/>
+        </a:fontRef>
+      </dsp:style>
+    </dsp:sp>
+    <dsp:sp modelId="{A8F1EA25-BC50-474C-B3A2-AAE5024B4056}">
+      <dsp:nvSpPr>
+        <dsp:cNvPr id="0" name=""/>
+        <dsp:cNvSpPr/>
+      </dsp:nvSpPr>
+      <dsp:spPr>
+        <a:xfrm>
+          <a:off x="620117" y="3015019"/>
+          <a:ext cx="1539190" cy="977385"/>
+        </a:xfrm>
+        <a:prstGeom prst="roundRect">
+          <a:avLst>
+            <a:gd name="adj" fmla="val 10000"/>
+          </a:avLst>
+        </a:prstGeom>
+        <a:solidFill>
+          <a:schemeClr val="lt1">
+            <a:alpha val="90000"/>
+            <a:hueOff val="0"/>
+            <a:satOff val="0"/>
+            <a:lumOff val="0"/>
+            <a:alphaOff val="0"/>
+          </a:schemeClr>
+        </a:solidFill>
+        <a:ln w="12700" cap="flat" cmpd="sng" algn="ctr">
+          <a:solidFill>
+            <a:schemeClr val="accent1">
+              <a:hueOff val="0"/>
+              <a:satOff val="0"/>
+              <a:lumOff val="0"/>
+              <a:alphaOff val="0"/>
+            </a:schemeClr>
+          </a:solidFill>
+          <a:prstDash val="solid"/>
+          <a:miter lim="800000"/>
+        </a:ln>
+        <a:effectLst/>
+      </dsp:spPr>
+      <dsp:style>
+        <a:lnRef idx="2">
+          <a:scrgbClr r="0" g="0" b="0"/>
+        </a:lnRef>
+        <a:fillRef idx="1">
+          <a:scrgbClr r="0" g="0" b="0"/>
+        </a:fillRef>
+        <a:effectRef idx="0">
+          <a:scrgbClr r="0" g="0" b="0"/>
+        </a:effectRef>
+        <a:fontRef idx="minor"/>
+      </dsp:style>
+      <dsp:txBody>
+        <a:bodyPr spcFirstLastPara="0" vert="horz" wrap="square" lIns="160020" tIns="160020" rIns="160020" bIns="160020" numCol="1" spcCol="1270" anchor="ctr" anchorCtr="0">
+          <a:noAutofit/>
+        </a:bodyPr>
+        <a:lstStyle/>
+        <a:p>
+          <a:pPr marL="0" lvl="0" indent="0" algn="ctr" defTabSz="1866900">
+            <a:lnSpc>
+              <a:spcPct val="90000"/>
+            </a:lnSpc>
+            <a:spcBef>
+              <a:spcPct val="0"/>
+            </a:spcBef>
+            <a:spcAft>
+              <a:spcPct val="35000"/>
+            </a:spcAft>
+            <a:buNone/>
+          </a:pPr>
+          <a:r>
+            <a:rPr lang="en-GB" sz="4200" kern="1200" dirty="0"/>
+            <a:t>1g</a:t>
+          </a:r>
+        </a:p>
+      </dsp:txBody>
+      <dsp:txXfrm>
+        <a:off x="648744" y="3043646"/>
+        <a:ext cx="1481936" cy="920131"/>
+      </dsp:txXfrm>
+    </dsp:sp>
+    <dsp:sp modelId="{EA14BB45-A785-4144-9A19-278018D66CC7}">
+      <dsp:nvSpPr>
+        <dsp:cNvPr id="0" name=""/>
+        <dsp:cNvSpPr/>
+      </dsp:nvSpPr>
+      <dsp:spPr>
+        <a:xfrm>
+          <a:off x="2330328" y="2852549"/>
+          <a:ext cx="1539190" cy="977385"/>
+        </a:xfrm>
+        <a:prstGeom prst="roundRect">
+          <a:avLst>
+            <a:gd name="adj" fmla="val 10000"/>
+          </a:avLst>
+        </a:prstGeom>
+        <a:solidFill>
+          <a:schemeClr val="accent1">
+            <a:hueOff val="0"/>
+            <a:satOff val="0"/>
+            <a:lumOff val="0"/>
+            <a:alphaOff val="0"/>
+          </a:schemeClr>
+        </a:solidFill>
+        <a:ln w="12700" cap="flat" cmpd="sng" algn="ctr">
+          <a:solidFill>
+            <a:schemeClr val="lt1">
+              <a:hueOff val="0"/>
+              <a:satOff val="0"/>
+              <a:lumOff val="0"/>
+              <a:alphaOff val="0"/>
+            </a:schemeClr>
+          </a:solidFill>
+          <a:prstDash val="solid"/>
+          <a:miter lim="800000"/>
+        </a:ln>
+        <a:effectLst/>
+      </dsp:spPr>
+      <dsp:style>
+        <a:lnRef idx="2">
+          <a:scrgbClr r="0" g="0" b="0"/>
+        </a:lnRef>
+        <a:fillRef idx="1">
+          <a:scrgbClr r="0" g="0" b="0"/>
+        </a:fillRef>
+        <a:effectRef idx="0">
+          <a:scrgbClr r="0" g="0" b="0"/>
+        </a:effectRef>
+        <a:fontRef idx="minor">
+          <a:schemeClr val="lt1"/>
+        </a:fontRef>
+      </dsp:style>
+    </dsp:sp>
+    <dsp:sp modelId="{2A342ED3-E4AB-1C46-8103-202847B1289B}">
+      <dsp:nvSpPr>
+        <dsp:cNvPr id="0" name=""/>
+        <dsp:cNvSpPr/>
+      </dsp:nvSpPr>
+      <dsp:spPr>
+        <a:xfrm>
+          <a:off x="2501350" y="3015019"/>
+          <a:ext cx="1539190" cy="977385"/>
+        </a:xfrm>
+        <a:prstGeom prst="roundRect">
+          <a:avLst>
+            <a:gd name="adj" fmla="val 10000"/>
+          </a:avLst>
+        </a:prstGeom>
+        <a:solidFill>
+          <a:schemeClr val="lt1">
+            <a:alpha val="90000"/>
+            <a:hueOff val="0"/>
+            <a:satOff val="0"/>
+            <a:lumOff val="0"/>
+            <a:alphaOff val="0"/>
+          </a:schemeClr>
+        </a:solidFill>
+        <a:ln w="12700" cap="flat" cmpd="sng" algn="ctr">
+          <a:solidFill>
+            <a:schemeClr val="accent1">
+              <a:hueOff val="0"/>
+              <a:satOff val="0"/>
+              <a:lumOff val="0"/>
+              <a:alphaOff val="0"/>
+            </a:schemeClr>
+          </a:solidFill>
+          <a:prstDash val="solid"/>
+          <a:miter lim="800000"/>
+        </a:ln>
+        <a:effectLst/>
+      </dsp:spPr>
+      <dsp:style>
+        <a:lnRef idx="2">
+          <a:scrgbClr r="0" g="0" b="0"/>
+        </a:lnRef>
+        <a:fillRef idx="1">
+          <a:scrgbClr r="0" g="0" b="0"/>
+        </a:fillRef>
+        <a:effectRef idx="0">
+          <a:scrgbClr r="0" g="0" b="0"/>
+        </a:effectRef>
+        <a:fontRef idx="minor"/>
+      </dsp:style>
+      <dsp:txBody>
+        <a:bodyPr spcFirstLastPara="0" vert="horz" wrap="square" lIns="160020" tIns="160020" rIns="160020" bIns="160020" numCol="1" spcCol="1270" anchor="ctr" anchorCtr="0">
+          <a:noAutofit/>
+        </a:bodyPr>
+        <a:lstStyle/>
+        <a:p>
+          <a:pPr marL="0" lvl="0" indent="0" algn="ctr" defTabSz="1866900">
+            <a:lnSpc>
+              <a:spcPct val="90000"/>
+            </a:lnSpc>
+            <a:spcBef>
+              <a:spcPct val="0"/>
+            </a:spcBef>
+            <a:spcAft>
+              <a:spcPct val="35000"/>
+            </a:spcAft>
+            <a:buNone/>
+          </a:pPr>
+          <a:r>
+            <a:rPr lang="en-GB" sz="4200" kern="1200" dirty="0"/>
+            <a:t>2i</a:t>
+          </a:r>
+        </a:p>
+      </dsp:txBody>
+      <dsp:txXfrm>
+        <a:off x="2529977" y="3043646"/>
+        <a:ext cx="1481936" cy="920131"/>
+      </dsp:txXfrm>
+    </dsp:sp>
+    <dsp:sp modelId="{F1FE6B36-40B5-3046-8994-6623EA53D0E1}">
+      <dsp:nvSpPr>
+        <dsp:cNvPr id="0" name=""/>
+        <dsp:cNvSpPr/>
+      </dsp:nvSpPr>
+      <dsp:spPr>
+        <a:xfrm>
+          <a:off x="3270945" y="1427515"/>
+          <a:ext cx="1539190" cy="977385"/>
+        </a:xfrm>
+        <a:prstGeom prst="roundRect">
+          <a:avLst>
+            <a:gd name="adj" fmla="val 10000"/>
+          </a:avLst>
+        </a:prstGeom>
+        <a:solidFill>
+          <a:schemeClr val="accent1">
+            <a:hueOff val="0"/>
+            <a:satOff val="0"/>
+            <a:lumOff val="0"/>
+            <a:alphaOff val="0"/>
+          </a:schemeClr>
+        </a:solidFill>
+        <a:ln w="12700" cap="flat" cmpd="sng" algn="ctr">
+          <a:solidFill>
+            <a:schemeClr val="lt1">
+              <a:hueOff val="0"/>
+              <a:satOff val="0"/>
+              <a:lumOff val="0"/>
+              <a:alphaOff val="0"/>
+            </a:schemeClr>
+          </a:solidFill>
+          <a:prstDash val="solid"/>
+          <a:miter lim="800000"/>
+        </a:ln>
+        <a:effectLst/>
+      </dsp:spPr>
+      <dsp:style>
+        <a:lnRef idx="2">
+          <a:scrgbClr r="0" g="0" b="0"/>
+        </a:lnRef>
+        <a:fillRef idx="1">
+          <a:scrgbClr r="0" g="0" b="0"/>
+        </a:fillRef>
+        <a:effectRef idx="0">
+          <a:scrgbClr r="0" g="0" b="0"/>
+        </a:effectRef>
+        <a:fontRef idx="minor">
+          <a:schemeClr val="lt1"/>
+        </a:fontRef>
+      </dsp:style>
+    </dsp:sp>
+    <dsp:sp modelId="{17D60C5A-52BD-EE4B-B148-562261455075}">
+      <dsp:nvSpPr>
+        <dsp:cNvPr id="0" name=""/>
+        <dsp:cNvSpPr/>
+      </dsp:nvSpPr>
+      <dsp:spPr>
+        <a:xfrm>
+          <a:off x="3441966" y="1589985"/>
+          <a:ext cx="1539190" cy="977385"/>
+        </a:xfrm>
+        <a:prstGeom prst="roundRect">
+          <a:avLst>
+            <a:gd name="adj" fmla="val 10000"/>
+          </a:avLst>
+        </a:prstGeom>
+        <a:solidFill>
+          <a:schemeClr val="lt1">
+            <a:alpha val="90000"/>
+            <a:hueOff val="0"/>
+            <a:satOff val="0"/>
+            <a:lumOff val="0"/>
+            <a:alphaOff val="0"/>
+          </a:schemeClr>
+        </a:solidFill>
+        <a:ln w="12700" cap="flat" cmpd="sng" algn="ctr">
+          <a:solidFill>
+            <a:schemeClr val="accent1">
+              <a:hueOff val="0"/>
+              <a:satOff val="0"/>
+              <a:lumOff val="0"/>
+              <a:alphaOff val="0"/>
+            </a:schemeClr>
+          </a:solidFill>
+          <a:prstDash val="solid"/>
+          <a:miter lim="800000"/>
+        </a:ln>
+        <a:effectLst/>
+      </dsp:spPr>
+      <dsp:style>
+        <a:lnRef idx="2">
+          <a:scrgbClr r="0" g="0" b="0"/>
+        </a:lnRef>
+        <a:fillRef idx="1">
+          <a:scrgbClr r="0" g="0" b="0"/>
+        </a:fillRef>
+        <a:effectRef idx="0">
+          <a:scrgbClr r="0" g="0" b="0"/>
+        </a:effectRef>
+        <a:fontRef idx="minor"/>
+      </dsp:style>
+      <dsp:txBody>
+        <a:bodyPr spcFirstLastPara="0" vert="horz" wrap="square" lIns="160020" tIns="160020" rIns="160020" bIns="160020" numCol="1" spcCol="1270" anchor="ctr" anchorCtr="0">
+          <a:noAutofit/>
+        </a:bodyPr>
+        <a:lstStyle/>
+        <a:p>
+          <a:pPr marL="0" lvl="0" indent="0" algn="ctr" defTabSz="1866900">
+            <a:lnSpc>
+              <a:spcPct val="90000"/>
+            </a:lnSpc>
+            <a:spcBef>
+              <a:spcPct val="0"/>
+            </a:spcBef>
+            <a:spcAft>
+              <a:spcPct val="35000"/>
+            </a:spcAft>
+            <a:buNone/>
+          </a:pPr>
+          <a:r>
+            <a:rPr lang="en-GB" sz="4200" kern="1200" dirty="0"/>
+            <a:t>...</a:t>
+          </a:r>
+        </a:p>
+      </dsp:txBody>
+      <dsp:txXfrm>
+        <a:off x="3470593" y="1618612"/>
+        <a:ext cx="1481936" cy="920131"/>
+      </dsp:txXfrm>
+    </dsp:sp>
+  </dsp:spTree>
+</dsp:drawing>
+</file>
+
+<file path=ppt/diagrams/layout1.xml><?xml version="1.0" encoding="utf-8"?>
+<dgm:layoutDef xmlns:dgm="http://schemas.openxmlformats.org/drawingml/2006/diagram" xmlns:a="http://schemas.openxmlformats.org/drawingml/2006/main" uniqueId="urn:microsoft.com/office/officeart/2005/8/layout/hierarchy1">
+  <dgm:title val=""/>
+  <dgm:desc val=""/>
+  <dgm:catLst>
+    <dgm:cat type="hierarchy" pri="2000"/>
+  </dgm:catLst>
+  <dgm:sampData>
+    <dgm:dataModel>
+      <dgm:ptLst>
+        <dgm:pt modelId="0" type="doc"/>
+        <dgm:pt modelId="1">
+          <dgm:prSet phldr="1"/>
+        </dgm:pt>
+        <dgm:pt modelId="2">
+          <dgm:prSet phldr="1"/>
+        </dgm:pt>
+        <dgm:pt modelId="21">
+          <dgm:prSet phldr="1"/>
+        </dgm:pt>
+        <dgm:pt modelId="22">
+          <dgm:prSet phldr="1"/>
+        </dgm:pt>
+        <dgm:pt modelId="3">
+          <dgm:prSet phldr="1"/>
+        </dgm:pt>
+        <dgm:pt modelId="31">
+          <dgm:prSet phldr="1"/>
+        </dgm:pt>
+      </dgm:ptLst>
+      <dgm:cxnLst>
+        <dgm:cxn modelId="4" srcId="0" destId="1" srcOrd="0" destOrd="0"/>
+        <dgm:cxn modelId="5" srcId="1" destId="2" srcOrd="0" destOrd="0"/>
+        <dgm:cxn modelId="6" srcId="1" destId="3" srcOrd="1" destOrd="0"/>
+        <dgm:cxn modelId="23" srcId="2" destId="21" srcOrd="0" destOrd="0"/>
+        <dgm:cxn modelId="24" srcId="2" destId="22" srcOrd="1" destOrd="0"/>
+        <dgm:cxn modelId="33" srcId="3" destId="31" srcOrd="0" destOrd="0"/>
+      </dgm:cxnLst>
+      <dgm:bg/>
+      <dgm:whole/>
+    </dgm:dataModel>
+  </dgm:sampData>
+  <dgm:styleData>
+    <dgm:dataModel>
+      <dgm:ptLst>
+        <dgm:pt modelId="0" type="doc"/>
+        <dgm:pt modelId="1"/>
+        <dgm:pt modelId="11"/>
+        <dgm:pt modelId="12"/>
+      </dgm:ptLst>
+      <dgm:cxnLst>
+        <dgm:cxn modelId="2" srcId="0" destId="1" srcOrd="0" destOrd="0"/>
+        <dgm:cxn modelId="13" srcId="1" destId="11" srcOrd="0" destOrd="0"/>
+        <dgm:cxn modelId="14" srcId="1" destId="12" srcOrd="1" destOrd="0"/>
+      </dgm:cxnLst>
+      <dgm:bg/>
+      <dgm:whole/>
+    </dgm:dataModel>
+  </dgm:styleData>
+  <dgm:clrData>
+    <dgm:dataModel>
+      <dgm:ptLst>
+        <dgm:pt modelId="0" type="doc"/>
+        <dgm:pt modelId="1"/>
+        <dgm:pt modelId="2"/>
+        <dgm:pt modelId="21"/>
+        <dgm:pt modelId="211"/>
+        <dgm:pt modelId="3"/>
+        <dgm:pt modelId="31"/>
+        <dgm:pt modelId="311"/>
+      </dgm:ptLst>
+      <dgm:cxnLst>
+        <dgm:cxn modelId="4" srcId="0" destId="1" srcOrd="0" destOrd="0"/>
+        <dgm:cxn modelId="5" srcId="1" destId="2" srcOrd="0" destOrd="0"/>
+        <dgm:cxn modelId="6" srcId="1" destId="3" srcOrd="1" destOrd="0"/>
+        <dgm:cxn modelId="23" srcId="2" destId="21" srcOrd="0" destOrd="0"/>
+        <dgm:cxn modelId="24" srcId="21" destId="211" srcOrd="0" destOrd="0"/>
+        <dgm:cxn modelId="33" srcId="3" destId="31" srcOrd="0" destOrd="0"/>
+        <dgm:cxn modelId="34" srcId="31" destId="311" srcOrd="0" destOrd="0"/>
+      </dgm:cxnLst>
+      <dgm:bg/>
+      <dgm:whole/>
+    </dgm:dataModel>
+  </dgm:clrData>
+  <dgm:layoutNode name="hierChild1">
+    <dgm:varLst>
+      <dgm:chPref val="1"/>
+      <dgm:dir/>
+      <dgm:animOne val="branch"/>
+      <dgm:animLvl val="lvl"/>
+      <dgm:resizeHandles/>
+    </dgm:varLst>
+    <dgm:choose name="Name0">
+      <dgm:if name="Name1" func="var" arg="dir" op="equ" val="norm">
+        <dgm:alg type="hierChild">
+          <dgm:param type="linDir" val="fromL"/>
+        </dgm:alg>
+      </dgm:if>
+      <dgm:else name="Name2">
+        <dgm:alg type="hierChild">
+          <dgm:param type="linDir" val="fromR"/>
+        </dgm:alg>
+      </dgm:else>
+    </dgm:choose>
+    <dgm:shape xmlns:r="http://schemas.openxmlformats.org/officeDocument/2006/relationships" r:blip="">
+      <dgm:adjLst/>
+    </dgm:shape>
+    <dgm:presOf/>
+    <dgm:constrLst>
+      <dgm:constr type="primFontSz" for="des" ptType="node" op="equ" val="65"/>
+      <dgm:constr type="w" for="des" forName="composite" refType="w"/>
+      <dgm:constr type="h" for="des" forName="composite" refType="w" refFor="des" refForName="composite" fact="0.667"/>
+      <dgm:constr type="w" for="des" forName="composite2" refType="w" refFor="des" refForName="composite"/>
+      <dgm:constr type="h" for="des" forName="composite2" refType="h" refFor="des" refForName="composite"/>
+      <dgm:constr type="w" for="des" forName="composite3" refType="w" refFor="des" refForName="composite"/>
+      <dgm:constr type="h" for="des" forName="composite3" refType="h" refFor="des" refForName="composite"/>
+      <dgm:constr type="w" for="des" forName="composite4" refType="w" refFor="des" refForName="composite"/>
+      <dgm:constr type="h" for="des" forName="composite4" refType="h" refFor="des" refForName="composite"/>
+      <dgm:constr type="w" for="des" forName="composite5" refType="w" refFor="des" refForName="composite"/>
+      <dgm:constr type="h" for="des" forName="composite5" refType="h" refFor="des" refForName="composite"/>
+      <dgm:constr type="sibSp" refType="w" refFor="des" refForName="composite" fact="0.1"/>
+      <dgm:constr type="sibSp" for="des" forName="hierChild2" refType="sibSp"/>
+      <dgm:constr type="sibSp" for="des" forName="hierChild3" refType="sibSp"/>
+      <dgm:constr type="sibSp" for="des" forName="hierChild4" refType="sibSp"/>
+      <dgm:constr type="sibSp" for="des" forName="hierChild5" refType="sibSp"/>
+      <dgm:constr type="sibSp" for="des" forName="hierChild6" refType="sibSp"/>
+      <dgm:constr type="sp" for="des" forName="hierRoot1" refType="h" refFor="des" refForName="composite" fact="0.25"/>
+      <dgm:constr type="sp" for="des" forName="hierRoot2" refType="sp" refFor="des" refForName="hierRoot1"/>
+      <dgm:constr type="sp" for="des" forName="hierRoot3" refType="sp" refFor="des" refForName="hierRoot1"/>
+      <dgm:constr type="sp" for="des" forName="hierRoot4" refType="sp" refFor="des" refForName="hierRoot1"/>
+      <dgm:constr type="sp" for="des" forName="hierRoot5" refType="sp" refFor="des" refForName="hierRoot1"/>
+    </dgm:constrLst>
+    <dgm:ruleLst/>
+    <dgm:forEach name="Name3" axis="ch">
+      <dgm:forEach name="Name4" axis="self" ptType="node">
+        <dgm:layoutNode name="hierRoot1">
+          <dgm:alg type="hierRoot"/>
+          <dgm:shape xmlns:r="http://schemas.openxmlformats.org/officeDocument/2006/relationships" r:blip="">
+            <dgm:adjLst/>
+          </dgm:shape>
+          <dgm:presOf/>
+          <dgm:constrLst>
+            <dgm:constr type="bendDist" for="des" ptType="parTrans" refType="sp" fact="0.5"/>
+          </dgm:constrLst>
+          <dgm:ruleLst/>
+          <dgm:layoutNode name="composite">
+            <dgm:alg type="composite"/>
+            <dgm:shape xmlns:r="http://schemas.openxmlformats.org/officeDocument/2006/relationships" r:blip="">
+              <dgm:adjLst/>
+            </dgm:shape>
+            <dgm:presOf/>
+            <dgm:constrLst>
+              <dgm:constr type="w" for="ch" forName="background" refType="w" fact="0.9"/>
+              <dgm:constr type="h" for="ch" forName="background" refType="w" refFor="ch" refForName="background" fact="0.635"/>
+              <dgm:constr type="t" for="ch" forName="background"/>
+              <dgm:constr type="l" for="ch" forName="background"/>
+              <dgm:constr type="w" for="ch" forName="text" refType="w" fact="0.9"/>
+              <dgm:constr type="h" for="ch" forName="text" refType="w" refFor="ch" refForName="text" fact="0.635"/>
+              <dgm:constr type="t" for="ch" forName="text" refType="w" fact="0.095"/>
+              <dgm:constr type="l" for="ch" forName="text" refType="w" fact="0.1"/>
+            </dgm:constrLst>
+            <dgm:ruleLst/>
+            <dgm:layoutNode name="background" styleLbl="node0" moveWith="text">
+              <dgm:alg type="sp"/>
+              <dgm:shape xmlns:r="http://schemas.openxmlformats.org/officeDocument/2006/relationships" type="roundRect" r:blip="">
+                <dgm:adjLst>
+                  <dgm:adj idx="1" val="0.1"/>
+                </dgm:adjLst>
+              </dgm:shape>
+              <dgm:presOf/>
+              <dgm:constrLst/>
+              <dgm:ruleLst/>
+            </dgm:layoutNode>
+            <dgm:layoutNode name="text" styleLbl="fgAcc0">
+              <dgm:varLst>
+                <dgm:chPref val="3"/>
+              </dgm:varLst>
+              <dgm:alg type="tx"/>
+              <dgm:shape xmlns:r="http://schemas.openxmlformats.org/officeDocument/2006/relationships" type="roundRect" r:blip="">
+                <dgm:adjLst>
+                  <dgm:adj idx="1" val="0.1"/>
+                </dgm:adjLst>
+              </dgm:shape>
+              <dgm:presOf axis="self"/>
+              <dgm:constrLst>
+                <dgm:constr type="tMarg" refType="primFontSz" fact="0.3"/>
+                <dgm:constr type="bMarg" refType="primFontSz" fact="0.3"/>
+                <dgm:constr type="lMarg" refType="primFontSz" fact="0.3"/>
+                <dgm:constr type="rMarg" refType="primFontSz" fact="0.3"/>
+              </dgm:constrLst>
+              <dgm:ruleLst>
+                <dgm:rule type="primFontSz" val="5" fact="NaN" max="NaN"/>
+              </dgm:ruleLst>
+            </dgm:layoutNode>
+          </dgm:layoutNode>
+          <dgm:layoutNode name="hierChild2">
+            <dgm:choose name="Name5">
+              <dgm:if name="Name6" func="var" arg="dir" op="equ" val="norm">
+                <dgm:alg type="hierChild">
+                  <dgm:param type="linDir" val="fromL"/>
+                </dgm:alg>
+              </dgm:if>
+              <dgm:else name="Name7">
+                <dgm:alg type="hierChild">
+                  <dgm:param type="linDir" val="fromR"/>
+                </dgm:alg>
+              </dgm:else>
+            </dgm:choose>
+            <dgm:shape xmlns:r="http://schemas.openxmlformats.org/officeDocument/2006/relationships" r:blip="">
+              <dgm:adjLst/>
+            </dgm:shape>
+            <dgm:presOf/>
+            <dgm:constrLst/>
+            <dgm:ruleLst/>
+            <dgm:forEach name="Name8" axis="ch">
+              <dgm:forEach name="Name9" axis="self" ptType="parTrans" cnt="1">
+                <dgm:layoutNode name="Name10">
+                  <dgm:alg type="conn">
+                    <dgm:param type="dim" val="1D"/>
+                    <dgm:param type="endSty" val="noArr"/>
+                    <dgm:param type="connRout" val="bend"/>
+                    <dgm:param type="bendPt" val="end"/>
+                    <dgm:param type="begPts" val="bCtr"/>
+                    <dgm:param type="endPts" val="tCtr"/>
+                    <dgm:param type="srcNode" val="background"/>
+                    <dgm:param type="dstNode" val="background2"/>
+                  </dgm:alg>
+                  <dgm:shape xmlns:r="http://schemas.openxmlformats.org/officeDocument/2006/relationships" type="conn" r:blip="" zOrderOff="-999">
+                    <dgm:adjLst/>
+                  </dgm:shape>
+                  <dgm:presOf axis="self"/>
+                  <dgm:constrLst>
+                    <dgm:constr type="begPad"/>
+                    <dgm:constr type="endPad"/>
+                  </dgm:constrLst>
+                  <dgm:ruleLst/>
+                </dgm:layoutNode>
+              </dgm:forEach>
+              <dgm:forEach name="Name11" axis="self" ptType="node">
+                <dgm:layoutNode name="hierRoot2">
+                  <dgm:alg type="hierRoot"/>
+                  <dgm:shape xmlns:r="http://schemas.openxmlformats.org/officeDocument/2006/relationships" r:blip="">
+                    <dgm:adjLst/>
+                  </dgm:shape>
+                  <dgm:presOf/>
+                  <dgm:constrLst>
+                    <dgm:constr type="bendDist" for="des" ptType="parTrans" refType="sp" fact="0.5"/>
+                  </dgm:constrLst>
+                  <dgm:ruleLst/>
+                  <dgm:layoutNode name="composite2">
+                    <dgm:alg type="composite"/>
+                    <dgm:shape xmlns:r="http://schemas.openxmlformats.org/officeDocument/2006/relationships" r:blip="">
+                      <dgm:adjLst/>
+                    </dgm:shape>
+                    <dgm:presOf/>
+                    <dgm:constrLst>
+                      <dgm:constr type="w" for="ch" forName="background2" refType="w" fact="0.9"/>
+                      <dgm:constr type="h" for="ch" forName="background2" refType="w" refFor="ch" refForName="background2" fact="0.635"/>
+                      <dgm:constr type="t" for="ch" forName="background2"/>
+                      <dgm:constr type="l" for="ch" forName="background2"/>
+                      <dgm:constr type="w" for="ch" forName="text2" refType="w" fact="0.9"/>
+                      <dgm:constr type="h" for="ch" forName="text2" refType="w" refFor="ch" refForName="text2" fact="0.635"/>
+                      <dgm:constr type="t" for="ch" forName="text2" refType="w" fact="0.095"/>
+                      <dgm:constr type="l" for="ch" forName="text2" refType="w" fact="0.1"/>
+                    </dgm:constrLst>
+                    <dgm:ruleLst/>
+                    <dgm:layoutNode name="background2" moveWith="text2">
+                      <dgm:alg type="sp"/>
+                      <dgm:shape xmlns:r="http://schemas.openxmlformats.org/officeDocument/2006/relationships" type="roundRect" r:blip="">
+                        <dgm:adjLst>
+                          <dgm:adj idx="1" val="0.1"/>
+                        </dgm:adjLst>
+                      </dgm:shape>
+                      <dgm:presOf/>
+                      <dgm:constrLst/>
+                      <dgm:ruleLst/>
+                    </dgm:layoutNode>
+                    <dgm:layoutNode name="text2" styleLbl="fgAcc2">
+                      <dgm:varLst>
+                        <dgm:chPref val="3"/>
+                      </dgm:varLst>
+                      <dgm:alg type="tx"/>
+                      <dgm:shape xmlns:r="http://schemas.openxmlformats.org/officeDocument/2006/relationships" type="roundRect" r:blip="">
+                        <dgm:adjLst>
+                          <dgm:adj idx="1" val="0.1"/>
+                        </dgm:adjLst>
+                      </dgm:shape>
+                      <dgm:presOf axis="self"/>
+                      <dgm:constrLst>
+                        <dgm:constr type="tMarg" refType="primFontSz" fact="0.3"/>
+                        <dgm:constr type="bMarg" refType="primFontSz" fact="0.3"/>
+                        <dgm:constr type="lMarg" refType="primFontSz" fact="0.3"/>
+                        <dgm:constr type="rMarg" refType="primFontSz" fact="0.3"/>
+                      </dgm:constrLst>
+                      <dgm:ruleLst>
+                        <dgm:rule type="primFontSz" val="5" fact="NaN" max="NaN"/>
+                      </dgm:ruleLst>
+                    </dgm:layoutNode>
+                  </dgm:layoutNode>
+                  <dgm:layoutNode name="hierChild3">
+                    <dgm:choose name="Name12">
+                      <dgm:if name="Name13" func="var" arg="dir" op="equ" val="norm">
+                        <dgm:alg type="hierChild">
+                          <dgm:param type="linDir" val="fromL"/>
+                        </dgm:alg>
+                      </dgm:if>
+                      <dgm:else name="Name14">
+                        <dgm:alg type="hierChild">
+                          <dgm:param type="linDir" val="fromR"/>
+                        </dgm:alg>
+                      </dgm:else>
+                    </dgm:choose>
+                    <dgm:shape xmlns:r="http://schemas.openxmlformats.org/officeDocument/2006/relationships" r:blip="">
+                      <dgm:adjLst/>
+                    </dgm:shape>
+                    <dgm:presOf/>
+                    <dgm:constrLst/>
+                    <dgm:ruleLst/>
+                    <dgm:forEach name="Name15" axis="ch">
+                      <dgm:forEach name="Name16" axis="self" ptType="parTrans" cnt="1">
+                        <dgm:layoutNode name="Name17">
+                          <dgm:alg type="conn">
+                            <dgm:param type="dim" val="1D"/>
+                            <dgm:param type="endSty" val="noArr"/>
+                            <dgm:param type="connRout" val="bend"/>
+                            <dgm:param type="bendPt" val="end"/>
+                            <dgm:param type="begPts" val="bCtr"/>
+                            <dgm:param type="endPts" val="tCtr"/>
+                            <dgm:param type="srcNode" val="background2"/>
+                            <dgm:param type="dstNode" val="background3"/>
+                          </dgm:alg>
+                          <dgm:shape xmlns:r="http://schemas.openxmlformats.org/officeDocument/2006/relationships" type="conn" r:blip="" zOrderOff="-999">
+                            <dgm:adjLst/>
+                          </dgm:shape>
+                          <dgm:presOf axis="self"/>
+                          <dgm:constrLst>
+                            <dgm:constr type="begPad"/>
+                            <dgm:constr type="endPad"/>
+                          </dgm:constrLst>
+                          <dgm:ruleLst/>
+                        </dgm:layoutNode>
+                      </dgm:forEach>
+                      <dgm:forEach name="Name18" axis="self" ptType="node">
+                        <dgm:layoutNode name="hierRoot3">
+                          <dgm:alg type="hierRoot"/>
+                          <dgm:shape xmlns:r="http://schemas.openxmlformats.org/officeDocument/2006/relationships" r:blip="">
+                            <dgm:adjLst/>
+                          </dgm:shape>
+                          <dgm:presOf/>
+                          <dgm:constrLst>
+                            <dgm:constr type="bendDist" for="des" ptType="parTrans" refType="sp" fact="0.5"/>
+                          </dgm:constrLst>
+                          <dgm:ruleLst/>
+                          <dgm:layoutNode name="composite3">
+                            <dgm:alg type="composite"/>
+                            <dgm:shape xmlns:r="http://schemas.openxmlformats.org/officeDocument/2006/relationships" r:blip="">
+                              <dgm:adjLst/>
+                            </dgm:shape>
+                            <dgm:presOf/>
+                            <dgm:constrLst>
+                              <dgm:constr type="w" for="ch" forName="background3" refType="w" fact="0.9"/>
+                              <dgm:constr type="h" for="ch" forName="background3" refType="w" refFor="ch" refForName="background3" fact="0.635"/>
+                              <dgm:constr type="t" for="ch" forName="background3"/>
+                              <dgm:constr type="l" for="ch" forName="background3"/>
+                              <dgm:constr type="w" for="ch" forName="text3" refType="w" fact="0.9"/>
+                              <dgm:constr type="h" for="ch" forName="text3" refType="w" refFor="ch" refForName="text3" fact="0.635"/>
+                              <dgm:constr type="t" for="ch" forName="text3" refType="w" fact="0.095"/>
+                              <dgm:constr type="l" for="ch" forName="text3" refType="w" fact="0.1"/>
+                            </dgm:constrLst>
+                            <dgm:ruleLst/>
+                            <dgm:layoutNode name="background3" moveWith="text3">
+                              <dgm:alg type="sp"/>
+                              <dgm:shape xmlns:r="http://schemas.openxmlformats.org/officeDocument/2006/relationships" type="roundRect" r:blip="">
+                                <dgm:adjLst>
+                                  <dgm:adj idx="1" val="0.1"/>
+                                </dgm:adjLst>
+                              </dgm:shape>
+                              <dgm:presOf/>
+                              <dgm:constrLst/>
+                              <dgm:ruleLst/>
+                            </dgm:layoutNode>
+                            <dgm:layoutNode name="text3" styleLbl="fgAcc3">
+                              <dgm:varLst>
+                                <dgm:chPref val="3"/>
+                              </dgm:varLst>
+                              <dgm:alg type="tx"/>
+                              <dgm:shape xmlns:r="http://schemas.openxmlformats.org/officeDocument/2006/relationships" type="roundRect" r:blip="">
+                                <dgm:adjLst>
+                                  <dgm:adj idx="1" val="0.1"/>
+                                </dgm:adjLst>
+                              </dgm:shape>
+                              <dgm:presOf axis="self"/>
+                              <dgm:constrLst>
+                                <dgm:constr type="tMarg" refType="primFontSz" fact="0.3"/>
+                                <dgm:constr type="bMarg" refType="primFontSz" fact="0.3"/>
+                                <dgm:constr type="lMarg" refType="primFontSz" fact="0.3"/>
+                                <dgm:constr type="rMarg" refType="primFontSz" fact="0.3"/>
+                              </dgm:constrLst>
+                              <dgm:ruleLst>
+                                <dgm:rule type="primFontSz" val="5" fact="NaN" max="NaN"/>
+                              </dgm:ruleLst>
+                            </dgm:layoutNode>
+                          </dgm:layoutNode>
+                          <dgm:layoutNode name="hierChild4">
+                            <dgm:choose name="Name19">
+                              <dgm:if name="Name20" func="var" arg="dir" op="equ" val="norm">
+                                <dgm:alg type="hierChild">
+                                  <dgm:param type="linDir" val="fromL"/>
+                                </dgm:alg>
+                              </dgm:if>
+                              <dgm:else name="Name21">
+                                <dgm:alg type="hierChild">
+                                  <dgm:param type="linDir" val="fromR"/>
+                                </dgm:alg>
+                              </dgm:else>
+                            </dgm:choose>
+                            <dgm:shape xmlns:r="http://schemas.openxmlformats.org/officeDocument/2006/relationships" r:blip="">
+                              <dgm:adjLst/>
+                            </dgm:shape>
+                            <dgm:presOf/>
+                            <dgm:constrLst/>
+                            <dgm:ruleLst/>
+                            <dgm:forEach name="repeat" axis="ch">
+                              <dgm:forEach name="Name22" axis="self" ptType="parTrans" cnt="1">
+                                <dgm:layoutNode name="Name23">
+                                  <dgm:choose name="Name24">
+                                    <dgm:if name="Name25" axis="self" func="depth" op="lte" val="4">
+                                      <dgm:alg type="conn">
+                                        <dgm:param type="dim" val="1D"/>
+                                        <dgm:param type="endSty" val="noArr"/>
+                                        <dgm:param type="connRout" val="bend"/>
+                                        <dgm:param type="bendPt" val="end"/>
+                                        <dgm:param type="begPts" val="bCtr"/>
+                                        <dgm:param type="endPts" val="tCtr"/>
+                                        <dgm:param type="srcNode" val="background3"/>
+                                        <dgm:param type="dstNode" val="background4"/>
+                                      </dgm:alg>
+                                    </dgm:if>
+                                    <dgm:else name="Name26">
+                                      <dgm:alg type="conn">
+                                        <dgm:param type="dim" val="1D"/>
+                                        <dgm:param type="endSty" val="noArr"/>
+                                        <dgm:param type="connRout" val="bend"/>
+                                        <dgm:param type="bendPt" val="end"/>
+                                        <dgm:param type="begPts" val="bCtr"/>
+                                        <dgm:param type="endPts" val="tCtr"/>
+                                        <dgm:param type="srcNode" val="background4"/>
+                                        <dgm:param type="dstNode" val="background4"/>
+                                      </dgm:alg>
+                                    </dgm:else>
+                                  </dgm:choose>
+                                  <dgm:shape xmlns:r="http://schemas.openxmlformats.org/officeDocument/2006/relationships" type="conn" r:blip="" zOrderOff="-999">
+                                    <dgm:adjLst/>
+                                  </dgm:shape>
+                                  <dgm:presOf axis="self"/>
+                                  <dgm:constrLst>
+                                    <dgm:constr type="begPad"/>
+                                    <dgm:constr type="endPad"/>
+                                  </dgm:constrLst>
+                                  <dgm:ruleLst/>
+                                </dgm:layoutNode>
+                              </dgm:forEach>
+                              <dgm:forEach name="Name27" axis="self" ptType="node">
+                                <dgm:layoutNode name="hierRoot4">
+                                  <dgm:alg type="hierRoot"/>
+                                  <dgm:shape xmlns:r="http://schemas.openxmlformats.org/officeDocument/2006/relationships" r:blip="">
+                                    <dgm:adjLst/>
+                                  </dgm:shape>
+                                  <dgm:presOf/>
+                                  <dgm:constrLst>
+                                    <dgm:constr type="bendDist" for="des" ptType="parTrans" refType="sp" fact="0.5"/>
+                                  </dgm:constrLst>
+                                  <dgm:ruleLst/>
+                                  <dgm:layoutNode name="composite4">
+                                    <dgm:alg type="composite"/>
+                                    <dgm:shape xmlns:r="http://schemas.openxmlformats.org/officeDocument/2006/relationships" r:blip="">
+                                      <dgm:adjLst/>
+                                    </dgm:shape>
+                                    <dgm:presOf/>
+                                    <dgm:constrLst>
+                                      <dgm:constr type="w" for="ch" forName="background4" refType="w" fact="0.9"/>
+                                      <dgm:constr type="h" for="ch" forName="background4" refType="w" refFor="ch" refForName="background4" fact="0.635"/>
+                                      <dgm:constr type="t" for="ch" forName="background4"/>
+                                      <dgm:constr type="l" for="ch" forName="background4"/>
+                                      <dgm:constr type="w" for="ch" forName="text4" refType="w" fact="0.9"/>
+                                      <dgm:constr type="h" for="ch" forName="text4" refType="w" refFor="ch" refForName="text4" fact="0.635"/>
+                                      <dgm:constr type="t" for="ch" forName="text4" refType="w" fact="0.095"/>
+                                      <dgm:constr type="l" for="ch" forName="text4" refType="w" fact="0.1"/>
+                                    </dgm:constrLst>
+                                    <dgm:ruleLst/>
+                                    <dgm:layoutNode name="background4" moveWith="text4">
+                                      <dgm:alg type="sp"/>
+                                      <dgm:shape xmlns:r="http://schemas.openxmlformats.org/officeDocument/2006/relationships" type="roundRect" r:blip="">
+                                        <dgm:adjLst>
+                                          <dgm:adj idx="1" val="0.1"/>
+                                        </dgm:adjLst>
+                                      </dgm:shape>
+                                      <dgm:presOf/>
+                                      <dgm:constrLst/>
+                                      <dgm:ruleLst/>
+                                    </dgm:layoutNode>
+                                    <dgm:layoutNode name="text4" styleLbl="fgAcc4">
+                                      <dgm:varLst>
+                                        <dgm:chPref val="3"/>
+                                      </dgm:varLst>
+                                      <dgm:alg type="tx"/>
+                                      <dgm:shape xmlns:r="http://schemas.openxmlformats.org/officeDocument/2006/relationships" type="roundRect" r:blip="">
+                                        <dgm:adjLst>
+                                          <dgm:adj idx="1" val="0.1"/>
+                                        </dgm:adjLst>
+                                      </dgm:shape>
+                                      <dgm:presOf axis="self"/>
+                                      <dgm:constrLst>
+                                        <dgm:constr type="tMarg" refType="primFontSz" fact="0.3"/>
+                                        <dgm:constr type="bMarg" refType="primFontSz" fact="0.3"/>
+                                        <dgm:constr type="lMarg" refType="primFontSz" fact="0.3"/>
+                                        <dgm:constr type="rMarg" refType="primFontSz" fact="0.3"/>
+                                      </dgm:constrLst>
+                                      <dgm:ruleLst>
+                                        <dgm:rule type="primFontSz" val="5" fact="NaN" max="NaN"/>
+                                      </dgm:ruleLst>
+                                    </dgm:layoutNode>
+                                  </dgm:layoutNode>
+                                  <dgm:layoutNode name="hierChild5">
+                                    <dgm:choose name="Name28">
+                                      <dgm:if name="Name29" func="var" arg="dir" op="equ" val="norm">
+                                        <dgm:alg type="hierChild">
+                                          <dgm:param type="linDir" val="fromL"/>
+                                        </dgm:alg>
+                                      </dgm:if>
+                                      <dgm:else name="Name30">
+                                        <dgm:alg type="hierChild">
+                                          <dgm:param type="linDir" val="fromR"/>
+                                        </dgm:alg>
+                                      </dgm:else>
+                                    </dgm:choose>
+                                    <dgm:shape xmlns:r="http://schemas.openxmlformats.org/officeDocument/2006/relationships" r:blip="">
+                                      <dgm:adjLst/>
+                                    </dgm:shape>
+                                    <dgm:presOf/>
+                                    <dgm:constrLst/>
+                                    <dgm:ruleLst/>
+                                    <dgm:forEach name="Name31" ref="repeat"/>
+                                  </dgm:layoutNode>
+                                </dgm:layoutNode>
+                              </dgm:forEach>
+                            </dgm:forEach>
+                          </dgm:layoutNode>
+                        </dgm:layoutNode>
+                      </dgm:forEach>
+                    </dgm:forEach>
+                  </dgm:layoutNode>
+                </dgm:layoutNode>
+              </dgm:forEach>
+            </dgm:forEach>
+          </dgm:layoutNode>
+        </dgm:layoutNode>
+      </dgm:forEach>
+    </dgm:forEach>
+  </dgm:layoutNode>
+</dgm:layoutDef>
+</file>
+
+<file path=ppt/diagrams/quickStyle1.xml><?xml version="1.0" encoding="utf-8"?>
+<dgm:styleDef xmlns:dgm="http://schemas.openxmlformats.org/drawingml/2006/diagram" xmlns:a="http://schemas.openxmlformats.org/drawingml/2006/main" uniqueId="urn:microsoft.com/office/officeart/2005/8/quickstyle/simple1">
+  <dgm:title val=""/>
+  <dgm:desc val=""/>
+  <dgm:catLst>
+    <dgm:cat type="simple" pri="10100"/>
+  </dgm:catLst>
+  <dgm:scene3d>
+    <a:camera prst="orthographicFront"/>
+    <a:lightRig rig="threePt" dir="t"/>
+  </dgm:scene3d>
+  <dgm:styleLbl name="node0">
+    <dgm:scene3d>
+      <a:camera prst="orthographicFront"/>
+      <a:lightRig rig="threePt" dir="t"/>
+    </dgm:scene3d>
+    <dgm:sp3d/>
+    <dgm:txPr/>
+    <dgm:style>
+      <a:lnRef idx="2">
+        <a:scrgbClr r="0" g="0" b="0"/>
+      </a:lnRef>
+      <a:fillRef idx="1">
+        <a:scrgbClr r="0" g="0" b="0"/>
+      </a:fillRef>
+      <a:effectRef idx="0">
+        <a:scrgbClr r="0" g="0" b="0"/>
+      </a:effectRef>
+      <a:fontRef idx="minor">
+        <a:schemeClr val="lt1"/>
+      </a:fontRef>
+    </dgm:style>
+  </dgm:styleLbl>
+  <dgm:styleLbl name="lnNode1">
+    <dgm:scene3d>
+      <a:camera prst="orthographicFront"/>
+      <a:lightRig rig="threePt" dir="t"/>
+    </dgm:scene3d>
+    <dgm:sp3d/>
+    <dgm:txPr/>
+    <dgm:style>
+      <a:lnRef idx="2">
+        <a:scrgbClr r="0" g="0" b="0"/>
+      </a:lnRef>
+      <a:fillRef idx="1">
+        <a:scrgbClr r="0" g="0" b="0"/>
+      </a:fillRef>
+      <a:effectRef idx="0">
+        <a:scrgbClr r="0" g="0" b="0"/>
+      </a:effectRef>
+      <a:fontRef idx="minor">
+        <a:schemeClr val="lt1"/>
+      </a:fontRef>
+    </dgm:style>
+  </dgm:styleLbl>
+  <dgm:styleLbl name="vennNode1">
+    <dgm:scene3d>
+      <a:camera prst="orthographicFront"/>
+      <a:lightRig rig="threePt" dir="t"/>
+    </dgm:scene3d>
+    <dgm:sp3d/>
+    <dgm:txPr/>
+    <dgm:style>
+      <a:lnRef idx="2">
+        <a:scrgbClr r="0" g="0" b="0"/>
+      </a:lnRef>
+      <a:fillRef idx="1">
+        <a:scrgbClr r="0" g="0" b="0"/>
+      </a:fillRef>
+      <a:effectRef idx="0">
+        <a:scrgbClr r="0" g="0" b="0"/>
+      </a:effectRef>
+      <a:fontRef idx="minor">
+        <a:schemeClr val="tx1"/>
+      </a:fontRef>
+    </dgm:style>
+  </dgm:styleLbl>
+  <dgm:styleLbl name="alignNode1">
+    <dgm:scene3d>
+      <a:camera prst="orthographicFront"/>
+      <a:lightRig rig="threePt" dir="t"/>
+    </dgm:scene3d>
+    <dgm:sp3d/>
+    <dgm:txPr/>
+    <dgm:style>
+      <a:lnRef idx="2">
+        <a:scrgbClr r="0" g="0" b="0"/>
+      </a:lnRef>
+      <a:fillRef idx="1">
+        <a:scrgbClr r="0" g="0" b="0"/>
+      </a:fillRef>
+      <a:effectRef idx="0">
+        <a:scrgbClr r="0" g="0" b="0"/>
+      </a:effectRef>
+      <a:fontRef idx="minor">
+        <a:schemeClr val="lt1"/>
+      </a:fontRef>
+    </dgm:style>
+  </dgm:styleLbl>
+  <dgm:styleLbl name="node1">
+    <dgm:scene3d>
+      <a:camera prst="orthographicFront"/>
+      <a:lightRig rig="threePt" dir="t"/>
+    </dgm:scene3d>
+    <dgm:sp3d/>
+    <dgm:txPr/>
+    <dgm:style>
+      <a:lnRef idx="2">
+        <a:scrgbClr r="0" g="0" b="0"/>
+      </a:lnRef>
+      <a:fillRef idx="1">
+        <a:scrgbClr r="0" g="0" b="0"/>
+      </a:fillRef>
+      <a:effectRef idx="0">
+        <a:scrgbClr r="0" g="0" b="0"/>
+      </a:effectRef>
+      <a:fontRef idx="minor">
+        <a:schemeClr val="lt1"/>
+      </a:fontRef>
+    </dgm:style>
+  </dgm:styleLbl>
+  <dgm:styleLbl name="node2">
+    <dgm:scene3d>
+      <a:camera prst="orthographicFront"/>
+      <a:lightRig rig="threePt" dir="t"/>
+    </dgm:scene3d>
+    <dgm:sp3d/>
+    <dgm:txPr/>
+    <dgm:style>
+      <a:lnRef idx="2">
+        <a:scrgbClr r="0" g="0" b="0"/>
+      </a:lnRef>
+      <a:fillRef idx="1">
+        <a:scrgbClr r="0" g="0" b="0"/>
+      </a:fillRef>
+      <a:effectRef idx="0">
+        <a:scrgbClr r="0" g="0" b="0"/>
+      </a:effectRef>
+      <a:fontRef idx="minor">
+        <a:schemeClr val="lt1"/>
+      </a:fontRef>
+    </dgm:style>
+  </dgm:styleLbl>
+  <dgm:styleLbl name="node3">
+    <dgm:scene3d>
+      <a:camera prst="orthographicFront"/>
+      <a:lightRig rig="threePt" dir="t"/>
+    </dgm:scene3d>
+    <dgm:sp3d/>
+    <dgm:txPr/>
+    <dgm:style>
+      <a:lnRef idx="2">
+        <a:scrgbClr r="0" g="0" b="0"/>
+      </a:lnRef>
+      <a:fillRef idx="1">
+        <a:scrgbClr r="0" g="0" b="0"/>
+      </a:fillRef>
+      <a:effectRef idx="0">
+        <a:scrgbClr r="0" g="0" b="0"/>
+      </a:effectRef>
+      <a:fontRef idx="minor">
+        <a:schemeClr val="lt1"/>
+      </a:fontRef>
+    </dgm:style>
+  </dgm:styleLbl>
+  <dgm:styleLbl name="node4">
+    <dgm:scene3d>
+      <a:camera prst="orthographicFront"/>
+      <a:lightRig rig="threePt" dir="t"/>
+    </dgm:scene3d>
+    <dgm:sp3d/>
+    <dgm:txPr/>
+    <dgm:style>
+      <a:lnRef idx="2">
+        <a:scrgbClr r="0" g="0" b="0"/>
+      </a:lnRef>
+      <a:fillRef idx="1">
+        <a:scrgbClr r="0" g="0" b="0"/>
+      </a:fillRef>
+      <a:effectRef idx="0">
+        <a:scrgbClr r="0" g="0" b="0"/>
+      </a:effectRef>
+      <a:fontRef idx="minor">
+        <a:schemeClr val="lt1"/>
+      </a:fontRef>
+    </dgm:style>
+  </dgm:styleLbl>
+  <dgm:styleLbl name="fgImgPlace1">
+    <dgm:scene3d>
+      <a:camera prst="orthographicFront"/>
+      <a:lightRig rig="threePt" dir="t"/>
+    </dgm:scene3d>
+    <dgm:sp3d/>
+    <dgm:txPr/>
+    <dgm:style>
+      <a:lnRef idx="2">
+        <a:scrgbClr r="0" g="0" b="0"/>
+      </a:lnRef>
+      <a:fillRef idx="1">
+        <a:scrgbClr r="0" g="0" b="0"/>
+      </a:fillRef>
+      <a:effectRef idx="0">
+        <a:scrgbClr r="0" g="0" b="0"/>
+      </a:effectRef>
+      <a:fontRef idx="minor"/>
+    </dgm:style>
+  </dgm:styleLbl>
+  <dgm:styleLbl name="alignImgPlace1">
+    <dgm:scene3d>
+      <a:camera prst="orthographicFront"/>
+      <a:lightRig rig="threePt" dir="t"/>
+    </dgm:scene3d>
+    <dgm:sp3d/>
+    <dgm:txPr/>
+    <dgm:style>
+      <a:lnRef idx="2">
+        <a:scrgbClr r="0" g="0" b="0"/>
+      </a:lnRef>
+      <a:fillRef idx="1">
+        <a:scrgbClr r="0" g="0" b="0"/>
+      </a:fillRef>
+      <a:effectRef idx="0">
+        <a:scrgbClr r="0" g="0" b="0"/>
+      </a:effectRef>
+      <a:fontRef idx="minor"/>
+    </dgm:style>
+  </dgm:styleLbl>
+  <dgm:styleLbl name="bgImgPlace1">
+    <dgm:scene3d>
+      <a:camera prst="orthographicFront"/>
+      <a:lightRig rig="threePt" dir="t"/>
+    </dgm:scene3d>
+    <dgm:sp3d/>
+    <dgm:txPr/>
+    <dgm:style>
+      <a:lnRef idx="2">
+        <a:scrgbClr r="0" g="0" b="0"/>
+      </a:lnRef>
+      <a:fillRef idx="1">
+        <a:scrgbClr r="0" g="0" b="0"/>
+      </a:fillRef>
+      <a:effectRef idx="0">
+        <a:scrgbClr r="0" g="0" b="0"/>
+      </a:effectRef>
+      <a:fontRef idx="minor"/>
+    </dgm:style>
+  </dgm:styleLbl>
+  <dgm:styleLbl name="sibTrans2D1">
+    <dgm:scene3d>
+      <a:camera prst="orthographicFront"/>
+      <a:lightRig rig="threePt" dir="t"/>
+    </dgm:scene3d>
+    <dgm:sp3d/>
+    <dgm:txPr/>
+    <dgm:style>
+      <a:lnRef idx="0">
+        <a:scrgbClr r="0" g="0" b="0"/>
+      </a:lnRef>
+      <a:fillRef idx="1">
+        <a:scrgbClr r="0" g="0" b="0"/>
+      </a:fillRef>
+      <a:effectRef idx="0">
+        <a:scrgbClr r="0" g="0" b="0"/>
+      </a:effectRef>
+      <a:fontRef idx="minor">
+        <a:schemeClr val="lt1"/>
+      </a:fontRef>
+    </dgm:style>
+  </dgm:styleLbl>
+  <dgm:styleLbl name="fgSibTrans2D1">
+    <dgm:scene3d>
+      <a:camera prst="orthographicFront"/>
+      <a:lightRig rig="threePt" dir="t"/>
+    </dgm:scene3d>
+    <dgm:sp3d/>
+    <dgm:txPr/>
+    <dgm:style>
+      <a:lnRef idx="0">
+        <a:scrgbClr r="0" g="0" b="0"/>
+      </a:lnRef>
+      <a:fillRef idx="1">
+        <a:scrgbClr r="0" g="0" b="0"/>
+      </a:fillRef>
+      <a:effectRef idx="0">
+        <a:scrgbClr r="0" g="0" b="0"/>
+      </a:effectRef>
+      <a:fontRef idx="minor">
+        <a:schemeClr val="lt1"/>
+      </a:fontRef>
+    </dgm:style>
+  </dgm:styleLbl>
+  <dgm:styleLbl name="bgSibTrans2D1">
+    <dgm:scene3d>
+      <a:camera prst="orthographicFront"/>
+      <a:lightRig rig="threePt" dir="t"/>
+    </dgm:scene3d>
+    <dgm:sp3d/>
+    <dgm:txPr/>
+    <dgm:style>
+      <a:lnRef idx="0">
+        <a:scrgbClr r="0" g="0" b="0"/>
+      </a:lnRef>
+      <a:fillRef idx="1">
+        <a:scrgbClr r="0" g="0" b="0"/>
+      </a:fillRef>
+      <a:effectRef idx="0">
+        <a:scrgbClr r="0" g="0" b="0"/>
+      </a:effectRef>
+      <a:fontRef idx="minor">
+        <a:schemeClr val="lt1"/>
+      </a:fontRef>
+    </dgm:style>
+  </dgm:styleLbl>
+  <dgm:styleLbl name="sibTrans1D1">
+    <dgm:scene3d>
+      <a:camera prst="orthographicFront"/>
+      <a:lightRig rig="threePt" dir="t"/>
+    </dgm:scene3d>
+    <dgm:sp3d/>
+    <dgm:txPr/>
+    <dgm:style>
+      <a:lnRef idx="1">
+        <a:scrgbClr r="0" g="0" b="0"/>
+      </a:lnRef>
+      <a:fillRef idx="0">
+        <a:scrgbClr r="0" g="0" b="0"/>
+      </a:fillRef>
+      <a:effectRef idx="0">
+        <a:scrgbClr r="0" g="0" b="0"/>
+      </a:effectRef>
+      <a:fontRef idx="minor"/>
+    </dgm:style>
+  </dgm:styleLbl>
+  <dgm:styleLbl name="callout">
+    <dgm:scene3d>
+      <a:camera prst="orthographicFront"/>
+      <a:lightRig rig="threePt" dir="t"/>
+    </dgm:scene3d>
+    <dgm:sp3d/>
+    <dgm:txPr/>
+    <dgm:style>
+      <a:lnRef idx="2">
+        <a:scrgbClr r="0" g="0" b="0"/>
+      </a:lnRef>
+      <a:fillRef idx="1">
+        <a:scrgbClr r="0" g="0" b="0"/>
+      </a:fillRef>
+      <a:effectRef idx="0">
+        <a:scrgbClr r="0" g="0" b="0"/>
+      </a:effectRef>
+      <a:fontRef idx="minor"/>
+    </dgm:style>
+  </dgm:styleLbl>
+  <dgm:styleLbl name="asst0">
+    <dgm:scene3d>
+      <a:camera prst="orthographicFront"/>
+      <a:lightRig rig="threePt" dir="t"/>
+    </dgm:scene3d>
+    <dgm:sp3d/>
+    <dgm:txPr/>
+    <dgm:style>
+      <a:lnRef idx="2">
+        <a:scrgbClr r="0" g="0" b="0"/>
+      </a:lnRef>
+      <a:fillRef idx="1">
+        <a:scrgbClr r="0" g="0" b="0"/>
+      </a:fillRef>
+      <a:effectRef idx="0">
+        <a:scrgbClr r="0" g="0" b="0"/>
+      </a:effectRef>
+      <a:fontRef idx="minor">
+        <a:schemeClr val="lt1"/>
+      </a:fontRef>
+    </dgm:style>
+  </dgm:styleLbl>
+  <dgm:styleLbl name="asst1">
+    <dgm:scene3d>
+      <a:camera prst="orthographicFront"/>
+      <a:lightRig rig="threePt" dir="t"/>
+    </dgm:scene3d>
+    <dgm:sp3d/>
+    <dgm:txPr/>
+    <dgm:style>
+      <a:lnRef idx="2">
+        <a:scrgbClr r="0" g="0" b="0"/>
+      </a:lnRef>
+      <a:fillRef idx="1">
+        <a:scrgbClr r="0" g="0" b="0"/>
+      </a:fillRef>
+      <a:effectRef idx="0">
+        <a:scrgbClr r="0" g="0" b="0"/>
+      </a:effectRef>
+      <a:fontRef idx="minor">
+        <a:schemeClr val="lt1"/>
+      </a:fontRef>
+    </dgm:style>
+  </dgm:styleLbl>
+  <dgm:styleLbl name="asst2">
+    <dgm:scene3d>
+      <a:camera prst="orthographicFront"/>
+      <a:lightRig rig="threePt" dir="t"/>
+    </dgm:scene3d>
+    <dgm:sp3d/>
+    <dgm:txPr/>
+    <dgm:style>
+      <a:lnRef idx="2">
+        <a:scrgbClr r="0" g="0" b="0"/>
+      </a:lnRef>
+      <a:fillRef idx="1">
+        <a:scrgbClr r="0" g="0" b="0"/>
+      </a:fillRef>
+      <a:effectRef idx="0">
+        <a:scrgbClr r="0" g="0" b="0"/>
+      </a:effectRef>
+      <a:fontRef idx="minor">
+        <a:schemeClr val="lt1"/>
+      </a:fontRef>
+    </dgm:style>
+  </dgm:styleLbl>
+  <dgm:styleLbl name="asst3">
+    <dgm:scene3d>
+      <a:camera prst="orthographicFront"/>
+      <a:lightRig rig="threePt" dir="t"/>
+    </dgm:scene3d>
+    <dgm:sp3d/>
+    <dgm:txPr/>
+    <dgm:style>
+      <a:lnRef idx="2">
+        <a:scrgbClr r="0" g="0" b="0"/>
+      </a:lnRef>
+      <a:fillRef idx="1">
+        <a:scrgbClr r="0" g="0" b="0"/>
+      </a:fillRef>
+      <a:effectRef idx="0">
+        <a:scrgbClr r="0" g="0" b="0"/>
+      </a:effectRef>
+      <a:fontRef idx="minor">
+        <a:schemeClr val="lt1"/>
+      </a:fontRef>
+    </dgm:style>
+  </dgm:styleLbl>
+  <dgm:styleLbl name="asst4">
+    <dgm:scene3d>
+      <a:camera prst="orthographicFront"/>
+      <a:lightRig rig="threePt" dir="t"/>
+    </dgm:scene3d>
+    <dgm:sp3d/>
+    <dgm:txPr/>
+    <dgm:style>
+      <a:lnRef idx="2">
+        <a:scrgbClr r="0" g="0" b="0"/>
+      </a:lnRef>
+      <a:fillRef idx="1">
+        <a:scrgbClr r="0" g="0" b="0"/>
+      </a:fillRef>
+      <a:effectRef idx="0">
+        <a:scrgbClr r="0" g="0" b="0"/>
+      </a:effectRef>
+      <a:fontRef idx="minor">
+        <a:schemeClr val="lt1"/>
+      </a:fontRef>
+    </dgm:style>
+  </dgm:styleLbl>
+  <dgm:styleLbl name="parChTrans2D1">
+    <dgm:scene3d>
+      <a:camera prst="orthographicFront"/>
+      <a:lightRig rig="threePt" dir="t"/>
+    </dgm:scene3d>
+    <dgm:sp3d/>
+    <dgm:txPr/>
+    <dgm:style>
+      <a:lnRef idx="2">
+        <a:scrgbClr r="0" g="0" b="0"/>
+      </a:lnRef>
+      <a:fillRef idx="1">
+        <a:scrgbClr r="0" g="0" b="0"/>
+      </a:fillRef>
+      <a:effectRef idx="0">
+        <a:scrgbClr r="0" g="0" b="0"/>
+      </a:effectRef>
+      <a:fontRef idx="minor">
+        <a:schemeClr val="lt1"/>
+      </a:fontRef>
+    </dgm:style>
+  </dgm:styleLbl>
+  <dgm:styleLbl name="parChTrans2D2">
+    <dgm:scene3d>
+      <a:camera prst="orthographicFront"/>
+      <a:lightRig rig="threePt" dir="t"/>
+    </dgm:scene3d>
+    <dgm:sp3d/>
+    <dgm:txPr/>
+    <dgm:style>
+      <a:lnRef idx="2">
+        <a:scrgbClr r="0" g="0" b="0"/>
+      </a:lnRef>
+      <a:fillRef idx="1">
+        <a:scrgbClr r="0" g="0" b="0"/>
+      </a:fillRef>
+      <a:effectRef idx="0">
+        <a:scrgbClr r="0" g="0" b="0"/>
+      </a:effectRef>
+      <a:fontRef idx="minor">
+        <a:schemeClr val="lt1"/>
+      </a:fontRef>
+    </dgm:style>
+  </dgm:styleLbl>
+  <dgm:styleLbl name="parChTrans2D3">
+    <dgm:scene3d>
+      <a:camera prst="orthographicFront"/>
+      <a:lightRig rig="threePt" dir="t"/>
+    </dgm:scene3d>
+    <dgm:sp3d/>
+    <dgm:txPr/>
+    <dgm:style>
+      <a:lnRef idx="2">
+        <a:scrgbClr r="0" g="0" b="0"/>
+      </a:lnRef>
+      <a:fillRef idx="1">
+        <a:scrgbClr r="0" g="0" b="0"/>
+      </a:fillRef>
+      <a:effectRef idx="0">
+        <a:scrgbClr r="0" g="0" b="0"/>
+      </a:effectRef>
+      <a:fontRef idx="minor">
+        <a:schemeClr val="lt1"/>
+      </a:fontRef>
+    </dgm:style>
+  </dgm:styleLbl>
+  <dgm:styleLbl name="parChTrans2D4">
+    <dgm:scene3d>
+      <a:camera prst="orthographicFront"/>
+      <a:lightRig rig="threePt" dir="t"/>
+    </dgm:scene3d>
+    <dgm:sp3d/>
+    <dgm:txPr/>
+    <dgm:style>
+      <a:lnRef idx="2">
+        <a:scrgbClr r="0" g="0" b="0"/>
+      </a:lnRef>
+      <a:fillRef idx="1">
+        <a:scrgbClr r="0" g="0" b="0"/>
+      </a:fillRef>
+      <a:effectRef idx="0">
+        <a:scrgbClr r="0" g="0" b="0"/>
+      </a:effectRef>
+      <a:fontRef idx="minor">
+        <a:schemeClr val="lt1"/>
+      </a:fontRef>
+    </dgm:style>
+  </dgm:styleLbl>
+  <dgm:styleLbl name="parChTrans1D1">
+    <dgm:scene3d>
+      <a:camera prst="orthographicFront"/>
+      <a:lightRig rig="threePt" dir="t"/>
+    </dgm:scene3d>
+    <dgm:sp3d/>
+    <dgm:txPr/>
+    <dgm:style>
+      <a:lnRef idx="2">
+        <a:scrgbClr r="0" g="0" b="0"/>
+      </a:lnRef>
+      <a:fillRef idx="0">
+        <a:scrgbClr r="0" g="0" b="0"/>
+      </a:fillRef>
+      <a:effectRef idx="0">
+        <a:scrgbClr r="0" g="0" b="0"/>
+      </a:effectRef>
+      <a:fontRef idx="minor"/>
+    </dgm:style>
+  </dgm:styleLbl>
+  <dgm:styleLbl name="parChTrans1D2">
+    <dgm:scene3d>
+      <a:camera prst="orthographicFront"/>
+      <a:lightRig rig="threePt" dir="t"/>
+    </dgm:scene3d>
+    <dgm:sp3d/>
+    <dgm:txPr/>
+    <dgm:style>
+      <a:lnRef idx="2">
+        <a:scrgbClr r="0" g="0" b="0"/>
+      </a:lnRef>
+      <a:fillRef idx="0">
+        <a:scrgbClr r="0" g="0" b="0"/>
+      </a:fillRef>
+      <a:effectRef idx="0">
+        <a:scrgbClr r="0" g="0" b="0"/>
+      </a:effectRef>
+      <a:fontRef idx="minor"/>
+    </dgm:style>
+  </dgm:styleLbl>
+  <dgm:styleLbl name="parChTrans1D3">
+    <dgm:scene3d>
+      <a:camera prst="orthographicFront"/>
+      <a:lightRig rig="threePt" dir="t"/>
+    </dgm:scene3d>
+    <dgm:sp3d/>
+    <dgm:txPr/>
+    <dgm:style>
+      <a:lnRef idx="2">
+        <a:scrgbClr r="0" g="0" b="0"/>
+      </a:lnRef>
+      <a:fillRef idx="0">
+        <a:scrgbClr r="0" g="0" b="0"/>
+      </a:fillRef>
+      <a:effectRef idx="0">
+        <a:scrgbClr r="0" g="0" b="0"/>
+      </a:effectRef>
+      <a:fontRef idx="minor"/>
+    </dgm:style>
+  </dgm:styleLbl>
+  <dgm:styleLbl name="parChTrans1D4">
+    <dgm:scene3d>
+      <a:camera prst="orthographicFront"/>
+      <a:lightRig rig="threePt" dir="t"/>
+    </dgm:scene3d>
+    <dgm:sp3d/>
+    <dgm:txPr/>
+    <dgm:style>
+      <a:lnRef idx="2">
+        <a:scrgbClr r="0" g="0" b="0"/>
+      </a:lnRef>
+      <a:fillRef idx="0">
+        <a:scrgbClr r="0" g="0" b="0"/>
+      </a:fillRef>
+      <a:effectRef idx="0">
+        <a:scrgbClr r="0" g="0" b="0"/>
+      </a:effectRef>
+      <a:fontRef idx="minor"/>
+    </dgm:style>
+  </dgm:styleLbl>
+  <dgm:styleLbl name="fgAcc1">
+    <dgm:scene3d>
+      <a:camera prst="orthographicFront"/>
+      <a:lightRig rig="threePt" dir="t"/>
+    </dgm:scene3d>
+    <dgm:sp3d/>
+    <dgm:txPr/>
+    <dgm:style>
+      <a:lnRef idx="2">
+        <a:scrgbClr r="0" g="0" b="0"/>
+      </a:lnRef>
+      <a:fillRef idx="1">
+        <a:scrgbClr r="0" g="0" b="0"/>
+      </a:fillRef>
+      <a:effectRef idx="0">
+        <a:scrgbClr r="0" g="0" b="0"/>
+      </a:effectRef>
+      <a:fontRef idx="minor"/>
+    </dgm:style>
+  </dgm:styleLbl>
+  <dgm:styleLbl name="conFgAcc1">
+    <dgm:scene3d>
+      <a:camera prst="orthographicFront"/>
+      <a:lightRig rig="threePt" dir="t"/>
+    </dgm:scene3d>
+    <dgm:sp3d/>
+    <dgm:txPr/>
+    <dgm:style>
+      <a:lnRef idx="2">
+        <a:scrgbClr r="0" g="0" b="0"/>
+      </a:lnRef>
+      <a:fillRef idx="1">
+        <a:scrgbClr r="0" g="0" b="0"/>
+      </a:fillRef>
+      <a:effectRef idx="0">
+        <a:scrgbClr r="0" g="0" b="0"/>
+      </a:effectRef>
+      <a:fontRef idx="minor"/>
+    </dgm:style>
+  </dgm:styleLbl>
+  <dgm:styleLbl name="alignAcc1">
+    <dgm:scene3d>
+      <a:camera prst="orthographicFront"/>
+      <a:lightRig rig="threePt" dir="t"/>
+    </dgm:scene3d>
+    <dgm:sp3d/>
+    <dgm:txPr/>
+    <dgm:style>
+      <a:lnRef idx="2">
+        <a:scrgbClr r="0" g="0" b="0"/>
+      </a:lnRef>
+      <a:fillRef idx="1">
+        <a:scrgbClr r="0" g="0" b="0"/>
+      </a:fillRef>
+      <a:effectRef idx="0">
+        <a:scrgbClr r="0" g="0" b="0"/>
+      </a:effectRef>
+      <a:fontRef idx="minor"/>
+    </dgm:style>
+  </dgm:styleLbl>
+  <dgm:styleLbl name="trAlignAcc1">
+    <dgm:scene3d>
+      <a:camera prst="orthographicFront"/>
+      <a:lightRig rig="threePt" dir="t"/>
+    </dgm:scene3d>
+    <dgm:sp3d/>
+    <dgm:txPr/>
+    <dgm:style>
+      <a:lnRef idx="1">
+        <a:scrgbClr r="0" g="0" b="0"/>
+      </a:lnRef>
+      <a:fillRef idx="1">
+        <a:scrgbClr r="0" g="0" b="0"/>
+      </a:fillRef>
+      <a:effectRef idx="0">
+        <a:scrgbClr r="0" g="0" b="0"/>
+      </a:effectRef>
+      <a:fontRef idx="minor"/>
+    </dgm:style>
+  </dgm:styleLbl>
+  <dgm:styleLbl name="bgAcc1">
+    <dgm:scene3d>
+      <a:camera prst="orthographicFront"/>
+      <a:lightRig rig="threePt" dir="t"/>
+    </dgm:scene3d>
+    <dgm:sp3d/>
+    <dgm:txPr/>
+    <dgm:style>
+      <a:lnRef idx="2">
+        <a:scrgbClr r="0" g="0" b="0"/>
+      </a:lnRef>
+      <a:fillRef idx="1">
+        <a:scrgbClr r="0" g="0" b="0"/>
+      </a:fillRef>
+      <a:effectRef idx="0">
+        <a:scrgbClr r="0" g="0" b="0"/>
+      </a:effectRef>
+      <a:fontRef idx="minor"/>
+    </dgm:style>
+  </dgm:styleLbl>
+  <dgm:styleLbl name="solidFgAcc1">
+    <dgm:scene3d>
+      <a:camera prst="orthographicFront"/>
+      <a:lightRig rig="threePt" dir="t"/>
+    </dgm:scene3d>
+    <dgm:sp3d/>
+    <dgm:txPr/>
+    <dgm:style>
+      <a:lnRef idx="2">
+        <a:scrgbClr r="0" g="0" b="0"/>
+      </a:lnRef>
+      <a:fillRef idx="1">
+        <a:scrgbClr r="0" g="0" b="0"/>
+      </a:fillRef>
+      <a:effectRef idx="0">
+        <a:scrgbClr r="0" g="0" b="0"/>
+      </a:effectRef>
+      <a:fontRef idx="minor"/>
+    </dgm:style>
+  </dgm:styleLbl>
+  <dgm:styleLbl name="solidAlignAcc1">
+    <dgm:scene3d>
+      <a:camera prst="orthographicFront"/>
+      <a:lightRig rig="threePt" dir="t"/>
+    </dgm:scene3d>
+    <dgm:sp3d/>
+    <dgm:txPr/>
+    <dgm:style>
+      <a:lnRef idx="2">
+        <a:scrgbClr r="0" g="0" b="0"/>
+      </a:lnRef>
+      <a:fillRef idx="1">
+        <a:scrgbClr r="0" g="0" b="0"/>
+      </a:fillRef>
+      <a:effectRef idx="0">
+        <a:scrgbClr r="0" g="0" b="0"/>
+      </a:effectRef>
+      <a:fontRef idx="minor"/>
+    </dgm:style>
+  </dgm:styleLbl>
+  <dgm:styleLbl name="solidBgAcc1">
+    <dgm:scene3d>
+      <a:camera prst="orthographicFront"/>
+      <a:lightRig rig="threePt" dir="t"/>
+    </dgm:scene3d>
+    <dgm:sp3d/>
+    <dgm:txPr/>
+    <dgm:style>
+      <a:lnRef idx="2">
+        <a:scrgbClr r="0" g="0" b="0"/>
+      </a:lnRef>
+      <a:fillRef idx="1">
+        <a:scrgbClr r="0" g="0" b="0"/>
+      </a:fillRef>
+      <a:effectRef idx="0">
+        <a:scrgbClr r="0" g="0" b="0"/>
+      </a:effectRef>
+      <a:fontRef idx="minor"/>
+    </dgm:style>
+  </dgm:styleLbl>
+  <dgm:styleLbl name="fgAccFollowNode1">
+    <dgm:scene3d>
+      <a:camera prst="orthographicFront"/>
+      <a:lightRig rig="threePt" dir="t"/>
+    </dgm:scene3d>
+    <dgm:sp3d/>
+    <dgm:txPr/>
+    <dgm:style>
+      <a:lnRef idx="2">
+        <a:scrgbClr r="0" g="0" b="0"/>
+      </a:lnRef>
+      <a:fillRef idx="1">
+        <a:scrgbClr r="0" g="0" b="0"/>
+      </a:fillRef>
+      <a:effectRef idx="0">
+        <a:scrgbClr r="0" g="0" b="0"/>
+      </a:effectRef>
+      <a:fontRef idx="minor"/>
+    </dgm:style>
+  </dgm:styleLbl>
+  <dgm:styleLbl name="alignAccFollowNode1">
+    <dgm:scene3d>
+      <a:camera prst="orthographicFront"/>
+      <a:lightRig rig="threePt" dir="t"/>
+    </dgm:scene3d>
+    <dgm:sp3d/>
+    <dgm:txPr/>
+    <dgm:style>
+      <a:lnRef idx="2">
+        <a:scrgbClr r="0" g="0" b="0"/>
+      </a:lnRef>
+      <a:fillRef idx="1">
+        <a:scrgbClr r="0" g="0" b="0"/>
+      </a:fillRef>
+      <a:effectRef idx="0">
+        <a:scrgbClr r="0" g="0" b="0"/>
+      </a:effectRef>
+      <a:fontRef idx="minor"/>
+    </dgm:style>
+  </dgm:styleLbl>
+  <dgm:styleLbl name="bgAccFollowNode1">
+    <dgm:scene3d>
+      <a:camera prst="orthographicFront"/>
+      <a:lightRig rig="threePt" dir="t"/>
+    </dgm:scene3d>
+    <dgm:sp3d/>
+    <dgm:txPr/>
+    <dgm:style>
+      <a:lnRef idx="2">
+        <a:scrgbClr r="0" g="0" b="0"/>
+      </a:lnRef>
+      <a:fillRef idx="1">
+        <a:scrgbClr r="0" g="0" b="0"/>
+      </a:fillRef>
+      <a:effectRef idx="0">
+        <a:scrgbClr r="0" g="0" b="0"/>
+      </a:effectRef>
+      <a:fontRef idx="minor"/>
+    </dgm:style>
+  </dgm:styleLbl>
+  <dgm:styleLbl name="fgAcc0">
+    <dgm:scene3d>
+      <a:camera prst="orthographicFront"/>
+      <a:lightRig rig="threePt" dir="t"/>
+    </dgm:scene3d>
+    <dgm:sp3d/>
+    <dgm:txPr/>
+    <dgm:style>
+      <a:lnRef idx="2">
+        <a:scrgbClr r="0" g="0" b="0"/>
+      </a:lnRef>
+      <a:fillRef idx="1">
+        <a:scrgbClr r="0" g="0" b="0"/>
+      </a:fillRef>
+      <a:effectRef idx="0">
+        <a:scrgbClr r="0" g="0" b="0"/>
+      </a:effectRef>
+      <a:fontRef idx="minor"/>
+    </dgm:style>
+  </dgm:styleLbl>
+  <dgm:styleLbl name="fgAcc2">
+    <dgm:scene3d>
+      <a:camera prst="orthographicFront"/>
+      <a:lightRig rig="threePt" dir="t"/>
+    </dgm:scene3d>
+    <dgm:sp3d/>
+    <dgm:txPr/>
+    <dgm:style>
+      <a:lnRef idx="2">
+        <a:scrgbClr r="0" g="0" b="0"/>
+      </a:lnRef>
+      <a:fillRef idx="1">
+        <a:scrgbClr r="0" g="0" b="0"/>
+      </a:fillRef>
+      <a:effectRef idx="0">
+        <a:scrgbClr r="0" g="0" b="0"/>
+      </a:effectRef>
+      <a:fontRef idx="minor"/>
+    </dgm:style>
+  </dgm:styleLbl>
+  <dgm:styleLbl name="fgAcc3">
+    <dgm:scene3d>
+      <a:camera prst="orthographicFront"/>
+      <a:lightRig rig="threePt" dir="t"/>
+    </dgm:scene3d>
+    <dgm:sp3d/>
+    <dgm:txPr/>
+    <dgm:style>
+      <a:lnRef idx="2">
+        <a:scrgbClr r="0" g="0" b="0"/>
+      </a:lnRef>
+      <a:fillRef idx="1">
+        <a:scrgbClr r="0" g="0" b="0"/>
+      </a:fillRef>
+      <a:effectRef idx="0">
+        <a:scrgbClr r="0" g="0" b="0"/>
+      </a:effectRef>
+      <a:fontRef idx="minor"/>
+    </dgm:style>
+  </dgm:styleLbl>
+  <dgm:styleLbl name="fgAcc4">
+    <dgm:scene3d>
+      <a:camera prst="orthographicFront"/>
+      <a:lightRig rig="threePt" dir="t"/>
+    </dgm:scene3d>
+    <dgm:sp3d/>
+    <dgm:txPr/>
+    <dgm:style>
+      <a:lnRef idx="2">
+        <a:scrgbClr r="0" g="0" b="0"/>
+      </a:lnRef>
+      <a:fillRef idx="1">
+        <a:scrgbClr r="0" g="0" b="0"/>
+      </a:fillRef>
+      <a:effectRef idx="0">
+        <a:scrgbClr r="0" g="0" b="0"/>
+      </a:effectRef>
+      <a:fontRef idx="minor"/>
+    </dgm:style>
+  </dgm:styleLbl>
+  <dgm:styleLbl name="bgShp">
+    <dgm:scene3d>
+      <a:camera prst="orthographicFront"/>
+      <a:lightRig rig="threePt" dir="t"/>
+    </dgm:scene3d>
+    <dgm:sp3d/>
+    <dgm:txPr/>
+    <dgm:style>
+      <a:lnRef idx="0">
+        <a:scrgbClr r="0" g="0" b="0"/>
+      </a:lnRef>
+      <a:fillRef idx="1">
+        <a:scrgbClr r="0" g="0" b="0"/>
+      </a:fillRef>
+      <a:effectRef idx="0">
+        <a:scrgbClr r="0" g="0" b="0"/>
+      </a:effectRef>
+      <a:fontRef idx="minor"/>
+    </dgm:style>
+  </dgm:styleLbl>
+  <dgm:styleLbl name="dkBgShp">
+    <dgm:scene3d>
+      <a:camera prst="orthographicFront"/>
+      <a:lightRig rig="threePt" dir="t"/>
+    </dgm:scene3d>
+    <dgm:sp3d/>
+    <dgm:txPr/>
+    <dgm:style>
+      <a:lnRef idx="0">
+        <a:scrgbClr r="0" g="0" b="0"/>
+      </a:lnRef>
+      <a:fillRef idx="1">
+        <a:scrgbClr r="0" g="0" b="0"/>
+      </a:fillRef>
+      <a:effectRef idx="0">
+        <a:scrgbClr r="0" g="0" b="0"/>
+      </a:effectRef>
+      <a:fontRef idx="minor"/>
+    </dgm:style>
+  </dgm:styleLbl>
+  <dgm:styleLbl name="trBgShp">
+    <dgm:scene3d>
+      <a:camera prst="orthographicFront"/>
+      <a:lightRig rig="threePt" dir="t"/>
+    </dgm:scene3d>
+    <dgm:sp3d/>
+    <dgm:txPr/>
+    <dgm:style>
+      <a:lnRef idx="0">
+        <a:scrgbClr r="0" g="0" b="0"/>
+      </a:lnRef>
+      <a:fillRef idx="1">
+        <a:scrgbClr r="0" g="0" b="0"/>
+      </a:fillRef>
+      <a:effectRef idx="0">
+        <a:scrgbClr r="0" g="0" b="0"/>
+      </a:effectRef>
+      <a:fontRef idx="minor"/>
+    </dgm:style>
+  </dgm:styleLbl>
+  <dgm:styleLbl name="fgShp">
+    <dgm:scene3d>
+      <a:camera prst="orthographicFront"/>
+      <a:lightRig rig="threePt" dir="t"/>
+    </dgm:scene3d>
+    <dgm:sp3d/>
+    <dgm:txPr/>
+    <dgm:style>
+      <a:lnRef idx="2">
+        <a:scrgbClr r="0" g="0" b="0"/>
+      </a:lnRef>
+      <a:fillRef idx="1">
+        <a:scrgbClr r="0" g="0" b="0"/>
+      </a:fillRef>
+      <a:effectRef idx="0">
+        <a:scrgbClr r="0" g="0" b="0"/>
+      </a:effectRef>
+      <a:fontRef idx="minor"/>
+    </dgm:style>
+  </dgm:styleLbl>
+  <dgm:styleLbl name="revTx">
+    <dgm:scene3d>
+      <a:camera prst="orthographicFront"/>
+      <a:lightRig rig="threePt" dir="t"/>
+    </dgm:scene3d>
+    <dgm:sp3d/>
+    <dgm:txPr/>
+    <dgm:style>
+      <a:lnRef idx="0">
+        <a:scrgbClr r="0" g="0" b="0"/>
+      </a:lnRef>
+      <a:fillRef idx="0">
+        <a:scrgbClr r="0" g="0" b="0"/>
+      </a:fillRef>
+      <a:effectRef idx="0">
+        <a:scrgbClr r="0" g="0" b="0"/>
+      </a:effectRef>
+      <a:fontRef idx="minor"/>
+    </dgm:style>
+  </dgm:styleLbl>
+</dgm:styleDef>
+</file>
+
+<file path=ppt/notesMasters/notesMaster1.xml><?xml version="1.0" encoding="utf-8"?>
+<p:notesMaster xmlns:a="http://schemas.openxmlformats.org/drawingml/2006/main" xmlns:r="http://schemas.openxmlformats.org/officeDocument/2006/relationships" xmlns:p="http://schemas.openxmlformats.org/presentationml/2006/main">
+  <p:cSld>
+    <p:bg>
+      <p:bgRef idx="1001">
+        <a:schemeClr val="bg1"/>
+      </p:bgRef>
+    </p:bg>
+    <p:spTree>
+      <p:nvGrpSpPr>
+        <p:cNvPr id="1" name=""/>
+        <p:cNvGrpSpPr/>
+        <p:nvPr/>
+      </p:nvGrpSpPr>
+      <p:grpSpPr>
+        <a:xfrm>
+          <a:off x="0" y="0"/>
+          <a:ext cx="0" cy="0"/>
+          <a:chOff x="0" y="0"/>
+          <a:chExt cx="0" cy="0"/>
+        </a:xfrm>
+      </p:grpSpPr>
+      <p:sp>
+        <p:nvSpPr>
+          <p:cNvPr id="2" name="Header Placeholder 1"/>
+          <p:cNvSpPr>
+            <a:spLocks noGrp="1"/>
+          </p:cNvSpPr>
+          <p:nvPr>
+            <p:ph type="hdr" sz="quarter"/>
+          </p:nvPr>
+        </p:nvSpPr>
+        <p:spPr>
+          <a:xfrm>
+            <a:off x="0" y="0"/>
+            <a:ext cx="2971800" cy="458788"/>
+          </a:xfrm>
+          <a:prstGeom prst="rect">
+            <a:avLst/>
+          </a:prstGeom>
+        </p:spPr>
+        <p:txBody>
+          <a:bodyPr vert="horz" lIns="91440" tIns="45720" rIns="91440" bIns="45720" rtlCol="0"/>
+          <a:lstStyle>
+            <a:lvl1pPr algn="l">
+              <a:defRPr sz="1200"/>
+            </a:lvl1pPr>
+          </a:lstStyle>
+          <a:p>
+            <a:endParaRPr lang="en-GB"/>
+          </a:p>
+        </p:txBody>
+      </p:sp>
+      <p:sp>
+        <p:nvSpPr>
+          <p:cNvPr id="3" name="Date Placeholder 2"/>
+          <p:cNvSpPr>
+            <a:spLocks noGrp="1"/>
+          </p:cNvSpPr>
+          <p:nvPr>
+            <p:ph type="dt" idx="1"/>
+          </p:nvPr>
+        </p:nvSpPr>
+        <p:spPr>
+          <a:xfrm>
+            <a:off x="3884613" y="0"/>
+            <a:ext cx="2971800" cy="458788"/>
+          </a:xfrm>
+          <a:prstGeom prst="rect">
+            <a:avLst/>
+          </a:prstGeom>
+        </p:spPr>
+        <p:txBody>
+          <a:bodyPr vert="horz" lIns="91440" tIns="45720" rIns="91440" bIns="45720" rtlCol="0"/>
+          <a:lstStyle>
+            <a:lvl1pPr algn="r">
+              <a:defRPr sz="1200"/>
+            </a:lvl1pPr>
+          </a:lstStyle>
+          <a:p>
+            <a:fld id="{8E3C9AF1-7E6D-624E-97B2-D25BD6B51EAE}" type="datetimeFigureOut">
+              <a:rPr lang="en-GB" smtClean="0"/>
+              <a:t>04/09/2019</a:t>
+            </a:fld>
+            <a:endParaRPr lang="en-GB"/>
+          </a:p>
+        </p:txBody>
+      </p:sp>
+      <p:sp>
+        <p:nvSpPr>
+          <p:cNvPr id="4" name="Slide Image Placeholder 3"/>
+          <p:cNvSpPr>
+            <a:spLocks noGrp="1" noRot="1" noChangeAspect="1"/>
+          </p:cNvSpPr>
+          <p:nvPr>
+            <p:ph type="sldImg" idx="2"/>
+          </p:nvPr>
+        </p:nvSpPr>
+        <p:spPr>
+          <a:xfrm>
+            <a:off x="685800" y="1143000"/>
+            <a:ext cx="5486400" cy="3086100"/>
+          </a:xfrm>
+          <a:prstGeom prst="rect">
+            <a:avLst/>
+          </a:prstGeom>
+          <a:noFill/>
+          <a:ln w="12700">
+            <a:solidFill>
+              <a:prstClr val="black"/>
+            </a:solidFill>
+          </a:ln>
+        </p:spPr>
+        <p:txBody>
+          <a:bodyPr vert="horz" lIns="91440" tIns="45720" rIns="91440" bIns="45720" rtlCol="0" anchor="ctr"/>
+          <a:lstStyle/>
+          <a:p>
+            <a:endParaRPr lang="en-GB"/>
+          </a:p>
+        </p:txBody>
+      </p:sp>
+      <p:sp>
+        <p:nvSpPr>
+          <p:cNvPr id="5" name="Notes Placeholder 4"/>
+          <p:cNvSpPr>
+            <a:spLocks noGrp="1"/>
+          </p:cNvSpPr>
+          <p:nvPr>
+            <p:ph type="body" sz="quarter" idx="3"/>
+          </p:nvPr>
+        </p:nvSpPr>
+        <p:spPr>
+          <a:xfrm>
+            <a:off x="685800" y="4400550"/>
+            <a:ext cx="5486400" cy="3600450"/>
+          </a:xfrm>
+          <a:prstGeom prst="rect">
+            <a:avLst/>
+          </a:prstGeom>
+        </p:spPr>
+        <p:txBody>
+          <a:bodyPr vert="horz" lIns="91440" tIns="45720" rIns="91440" bIns="45720" rtlCol="0"/>
+          <a:lstStyle/>
+          <a:p>
+            <a:pPr lvl="0"/>
+            <a:r>
+              <a:rPr lang="en-GB"/>
+              <a:t>Click to edit Master text styles</a:t>
+            </a:r>
+          </a:p>
+          <a:p>
+            <a:pPr lvl="1"/>
+            <a:r>
+              <a:rPr lang="en-GB"/>
+              <a:t>Second level</a:t>
+            </a:r>
+          </a:p>
+          <a:p>
+            <a:pPr lvl="2"/>
+            <a:r>
+              <a:rPr lang="en-GB"/>
+              <a:t>Third level</a:t>
+            </a:r>
+          </a:p>
+          <a:p>
+            <a:pPr lvl="3"/>
+            <a:r>
+              <a:rPr lang="en-GB"/>
+              <a:t>Fourth level</a:t>
+            </a:r>
+          </a:p>
+          <a:p>
+            <a:pPr lvl="4"/>
+            <a:r>
+              <a:rPr lang="en-GB"/>
+              <a:t>Fifth level</a:t>
+            </a:r>
+          </a:p>
+        </p:txBody>
+      </p:sp>
+      <p:sp>
+        <p:nvSpPr>
+          <p:cNvPr id="6" name="Footer Placeholder 5"/>
+          <p:cNvSpPr>
+            <a:spLocks noGrp="1"/>
+          </p:cNvSpPr>
+          <p:nvPr>
+            <p:ph type="ftr" sz="quarter" idx="4"/>
+          </p:nvPr>
+        </p:nvSpPr>
+        <p:spPr>
+          <a:xfrm>
+            <a:off x="0" y="8685213"/>
+            <a:ext cx="2971800" cy="458787"/>
+          </a:xfrm>
+          <a:prstGeom prst="rect">
+            <a:avLst/>
+          </a:prstGeom>
+        </p:spPr>
+        <p:txBody>
+          <a:bodyPr vert="horz" lIns="91440" tIns="45720" rIns="91440" bIns="45720" rtlCol="0" anchor="b"/>
+          <a:lstStyle>
+            <a:lvl1pPr algn="l">
+              <a:defRPr sz="1200"/>
+            </a:lvl1pPr>
+          </a:lstStyle>
+          <a:p>
+            <a:endParaRPr lang="en-GB"/>
+          </a:p>
+        </p:txBody>
+      </p:sp>
+      <p:sp>
+        <p:nvSpPr>
+          <p:cNvPr id="7" name="Slide Number Placeholder 6"/>
+          <p:cNvSpPr>
+            <a:spLocks noGrp="1"/>
+          </p:cNvSpPr>
+          <p:nvPr>
+            <p:ph type="sldNum" sz="quarter" idx="5"/>
+          </p:nvPr>
+        </p:nvSpPr>
+        <p:spPr>
+          <a:xfrm>
+            <a:off x="3884613" y="8685213"/>
+            <a:ext cx="2971800" cy="458787"/>
+          </a:xfrm>
+          <a:prstGeom prst="rect">
+            <a:avLst/>
+          </a:prstGeom>
+        </p:spPr>
+        <p:txBody>
+          <a:bodyPr vert="horz" lIns="91440" tIns="45720" rIns="91440" bIns="45720" rtlCol="0" anchor="b"/>
+          <a:lstStyle>
+            <a:lvl1pPr algn="r">
+              <a:defRPr sz="1200"/>
+            </a:lvl1pPr>
+          </a:lstStyle>
+          <a:p>
+            <a:fld id="{AFF85BDA-7FC5-D04A-A05B-772B6C43E270}" type="slidenum">
+              <a:rPr lang="en-GB" smtClean="0"/>
+              <a:t>‹#›</a:t>
+            </a:fld>
+            <a:endParaRPr lang="en-GB"/>
+          </a:p>
+        </p:txBody>
+      </p:sp>
+    </p:spTree>
+    <p:extLst>
+      <p:ext uri="{BB962C8B-B14F-4D97-AF65-F5344CB8AC3E}">
+        <p14:creationId xmlns:p14="http://schemas.microsoft.com/office/powerpoint/2010/main" val="2579421156"/>
+      </p:ext>
+    </p:extLst>
+  </p:cSld>
+  <p:clrMap bg1="lt1" tx1="dk1" bg2="lt2" tx2="dk2" accent1="accent1" accent2="accent2" accent3="accent3" accent4="accent4" accent5="accent5" accent6="accent6" hlink="hlink" folHlink="folHlink"/>
+  <p:notesStyle>
+    <a:lvl1pPr marL="0" algn="l" defTabSz="914400" rtl="0" eaLnBrk="1" latinLnBrk="0" hangingPunct="1">
+      <a:defRPr sz="1200" kern="1200">
+        <a:solidFill>
+          <a:schemeClr val="tx1"/>
+        </a:solidFill>
+        <a:latin typeface="+mn-lt"/>
+        <a:ea typeface="+mn-ea"/>
+        <a:cs typeface="+mn-cs"/>
+      </a:defRPr>
+    </a:lvl1pPr>
+    <a:lvl2pPr marL="457200" algn="l" defTabSz="914400" rtl="0" eaLnBrk="1" latinLnBrk="0" hangingPunct="1">
+      <a:defRPr sz="1200" kern="1200">
+        <a:solidFill>
+          <a:schemeClr val="tx1"/>
+        </a:solidFill>
+        <a:latin typeface="+mn-lt"/>
+        <a:ea typeface="+mn-ea"/>
+        <a:cs typeface="+mn-cs"/>
+      </a:defRPr>
+    </a:lvl2pPr>
+    <a:lvl3pPr marL="914400" algn="l" defTabSz="914400" rtl="0" eaLnBrk="1" latinLnBrk="0" hangingPunct="1">
+      <a:defRPr sz="1200" kern="1200">
+        <a:solidFill>
+          <a:schemeClr val="tx1"/>
+        </a:solidFill>
+        <a:latin typeface="+mn-lt"/>
+        <a:ea typeface="+mn-ea"/>
+        <a:cs typeface="+mn-cs"/>
+      </a:defRPr>
+    </a:lvl3pPr>
+    <a:lvl4pPr marL="1371600" algn="l" defTabSz="914400" rtl="0" eaLnBrk="1" latinLnBrk="0" hangingPunct="1">
+      <a:defRPr sz="1200" kern="1200">
+        <a:solidFill>
+          <a:schemeClr val="tx1"/>
+        </a:solidFill>
+        <a:latin typeface="+mn-lt"/>
+        <a:ea typeface="+mn-ea"/>
+        <a:cs typeface="+mn-cs"/>
+      </a:defRPr>
+    </a:lvl4pPr>
+    <a:lvl5pPr marL="1828800" algn="l" defTabSz="914400" rtl="0" eaLnBrk="1" latinLnBrk="0" hangingPunct="1">
+      <a:defRPr sz="1200" kern="1200">
+        <a:solidFill>
+          <a:schemeClr val="tx1"/>
+        </a:solidFill>
+        <a:latin typeface="+mn-lt"/>
+        <a:ea typeface="+mn-ea"/>
+        <a:cs typeface="+mn-cs"/>
+      </a:defRPr>
+    </a:lvl5pPr>
+    <a:lvl6pPr marL="2286000" algn="l" defTabSz="914400" rtl="0" eaLnBrk="1" latinLnBrk="0" hangingPunct="1">
+      <a:defRPr sz="1200" kern="1200">
+        <a:solidFill>
+          <a:schemeClr val="tx1"/>
+        </a:solidFill>
+        <a:latin typeface="+mn-lt"/>
+        <a:ea typeface="+mn-ea"/>
+        <a:cs typeface="+mn-cs"/>
+      </a:defRPr>
+    </a:lvl6pPr>
+    <a:lvl7pPr marL="2743200" algn="l" defTabSz="914400" rtl="0" eaLnBrk="1" latinLnBrk="0" hangingPunct="1">
+      <a:defRPr sz="1200" kern="1200">
+        <a:solidFill>
+          <a:schemeClr val="tx1"/>
+        </a:solidFill>
+        <a:latin typeface="+mn-lt"/>
+        <a:ea typeface="+mn-ea"/>
+        <a:cs typeface="+mn-cs"/>
+      </a:defRPr>
+    </a:lvl7pPr>
+    <a:lvl8pPr marL="3200400" algn="l" defTabSz="914400" rtl="0" eaLnBrk="1" latinLnBrk="0" hangingPunct="1">
+      <a:defRPr sz="1200" kern="1200">
+        <a:solidFill>
+          <a:schemeClr val="tx1"/>
+        </a:solidFill>
+        <a:latin typeface="+mn-lt"/>
+        <a:ea typeface="+mn-ea"/>
+        <a:cs typeface="+mn-cs"/>
+      </a:defRPr>
+    </a:lvl8pPr>
+    <a:lvl9pPr marL="3657600" algn="l" defTabSz="914400" rtl="0" eaLnBrk="1" latinLnBrk="0" hangingPunct="1">
+      <a:defRPr sz="1200" kern="1200">
+        <a:solidFill>
+          <a:schemeClr val="tx1"/>
+        </a:solidFill>
+        <a:latin typeface="+mn-lt"/>
+        <a:ea typeface="+mn-ea"/>
+        <a:cs typeface="+mn-cs"/>
+      </a:defRPr>
+    </a:lvl9pPr>
+  </p:notesStyle>
+</p:notesMaster>
+</file>
+
+<file path=ppt/notesSlides/notesSlide1.xml><?xml version="1.0" encoding="utf-8"?>
+<p:notes xmlns:a="http://schemas.openxmlformats.org/drawingml/2006/main" xmlns:r="http://schemas.openxmlformats.org/officeDocument/2006/relationships" xmlns:p="http://schemas.openxmlformats.org/presentationml/2006/main">
+  <p:cSld>
+    <p:spTree>
+      <p:nvGrpSpPr>
+        <p:cNvPr id="1" name=""/>
+        <p:cNvGrpSpPr/>
+        <p:nvPr/>
+      </p:nvGrpSpPr>
+      <p:grpSpPr>
+        <a:xfrm>
+          <a:off x="0" y="0"/>
+          <a:ext cx="0" cy="0"/>
+          <a:chOff x="0" y="0"/>
+          <a:chExt cx="0" cy="0"/>
+        </a:xfrm>
+      </p:grpSpPr>
+      <p:sp>
+        <p:nvSpPr>
+          <p:cNvPr id="2" name="Slide Image Placeholder 1"/>
+          <p:cNvSpPr>
+            <a:spLocks noGrp="1" noRot="1" noChangeAspect="1"/>
+          </p:cNvSpPr>
+          <p:nvPr>
+            <p:ph type="sldImg"/>
+          </p:nvPr>
+        </p:nvSpPr>
+        <p:spPr/>
+      </p:sp>
+      <p:sp>
+        <p:nvSpPr>
+          <p:cNvPr id="3" name="Notes Placeholder 2"/>
+          <p:cNvSpPr>
+            <a:spLocks noGrp="1"/>
+          </p:cNvSpPr>
+          <p:nvPr>
+            <p:ph type="body" idx="1"/>
+          </p:nvPr>
+        </p:nvSpPr>
+        <p:spPr/>
+        <p:txBody>
+          <a:bodyPr/>
+          <a:lstStyle/>
+          <a:p>
+            <a:r>
+              <a:rPr lang="en-GB" dirty="0"/>
+              <a:t>Run code</a:t>
+            </a:r>
+          </a:p>
+        </p:txBody>
+      </p:sp>
+      <p:sp>
+        <p:nvSpPr>
+          <p:cNvPr id="4" name="Slide Number Placeholder 3"/>
+          <p:cNvSpPr>
+            <a:spLocks noGrp="1"/>
+          </p:cNvSpPr>
+          <p:nvPr>
+            <p:ph type="sldNum" sz="quarter" idx="5"/>
+          </p:nvPr>
+        </p:nvSpPr>
+        <p:spPr/>
+        <p:txBody>
+          <a:bodyPr/>
+          <a:lstStyle/>
+          <a:p>
+            <a:fld id="{186431B5-AB57-3E4A-80D5-B6800CF8539B}" type="slidenum">
+              <a:rPr lang="en-GB" smtClean="0"/>
+              <a:t>14</a:t>
+            </a:fld>
+            <a:endParaRPr lang="en-GB"/>
+          </a:p>
+        </p:txBody>
+      </p:sp>
+    </p:spTree>
+    <p:extLst>
+      <p:ext uri="{BB962C8B-B14F-4D97-AF65-F5344CB8AC3E}">
+        <p14:creationId xmlns:p14="http://schemas.microsoft.com/office/powerpoint/2010/main" val="469312522"/>
+      </p:ext>
+    </p:extLst>
+  </p:cSld>
+  <p:clrMapOvr>
+    <a:masterClrMapping/>
+  </p:clrMapOvr>
+</p:notes>
 </file>
 
 <file path=ppt/slideLayouts/slideLayout1.xml><?xml version="1.0" encoding="utf-8"?>
@@ -264,7 +4374,7 @@
           <a:p>
             <a:fld id="{66665395-52C5-5E4B-BB20-CD4E0BBC9899}" type="datetimeFigureOut">
               <a:rPr lang="en-GB" smtClean="0"/>
-              <a:t>04/09/2018</a:t>
+              <a:t>04/09/2019</a:t>
             </a:fld>
             <a:endParaRPr lang="en-GB"/>
           </a:p>
@@ -464,7 +4574,7 @@
           <a:p>
             <a:fld id="{66665395-52C5-5E4B-BB20-CD4E0BBC9899}" type="datetimeFigureOut">
               <a:rPr lang="en-GB" smtClean="0"/>
-              <a:t>04/09/2018</a:t>
+              <a:t>04/09/2019</a:t>
             </a:fld>
             <a:endParaRPr lang="en-GB"/>
           </a:p>
@@ -674,7 +4784,7 @@
           <a:p>
             <a:fld id="{66665395-52C5-5E4B-BB20-CD4E0BBC9899}" type="datetimeFigureOut">
               <a:rPr lang="en-GB" smtClean="0"/>
-              <a:t>04/09/2018</a:t>
+              <a:t>04/09/2019</a:t>
             </a:fld>
             <a:endParaRPr lang="en-GB"/>
           </a:p>
@@ -874,7 +4984,7 @@
           <a:p>
             <a:fld id="{66665395-52C5-5E4B-BB20-CD4E0BBC9899}" type="datetimeFigureOut">
               <a:rPr lang="en-GB" smtClean="0"/>
-              <a:t>04/09/2018</a:t>
+              <a:t>04/09/2019</a:t>
             </a:fld>
             <a:endParaRPr lang="en-GB"/>
           </a:p>
@@ -1150,7 +5260,7 @@
           <a:p>
             <a:fld id="{66665395-52C5-5E4B-BB20-CD4E0BBC9899}" type="datetimeFigureOut">
               <a:rPr lang="en-GB" smtClean="0"/>
-              <a:t>04/09/2018</a:t>
+              <a:t>04/09/2019</a:t>
             </a:fld>
             <a:endParaRPr lang="en-GB"/>
           </a:p>
@@ -1418,7 +5528,7 @@
           <a:p>
             <a:fld id="{66665395-52C5-5E4B-BB20-CD4E0BBC9899}" type="datetimeFigureOut">
               <a:rPr lang="en-GB" smtClean="0"/>
-              <a:t>04/09/2018</a:t>
+              <a:t>04/09/2019</a:t>
             </a:fld>
             <a:endParaRPr lang="en-GB"/>
           </a:p>
@@ -1833,7 +5943,7 @@
           <a:p>
             <a:fld id="{66665395-52C5-5E4B-BB20-CD4E0BBC9899}" type="datetimeFigureOut">
               <a:rPr lang="en-GB" smtClean="0"/>
-              <a:t>04/09/2018</a:t>
+              <a:t>04/09/2019</a:t>
             </a:fld>
             <a:endParaRPr lang="en-GB"/>
           </a:p>
@@ -1975,7 +6085,7 @@
           <a:p>
             <a:fld id="{66665395-52C5-5E4B-BB20-CD4E0BBC9899}" type="datetimeFigureOut">
               <a:rPr lang="en-GB" smtClean="0"/>
-              <a:t>04/09/2018</a:t>
+              <a:t>04/09/2019</a:t>
             </a:fld>
             <a:endParaRPr lang="en-GB"/>
           </a:p>
@@ -2088,7 +6198,7 @@
           <a:p>
             <a:fld id="{66665395-52C5-5E4B-BB20-CD4E0BBC9899}" type="datetimeFigureOut">
               <a:rPr lang="en-GB" smtClean="0"/>
-              <a:t>04/09/2018</a:t>
+              <a:t>04/09/2019</a:t>
             </a:fld>
             <a:endParaRPr lang="en-GB"/>
           </a:p>
@@ -2401,7 +6511,7 @@
           <a:p>
             <a:fld id="{66665395-52C5-5E4B-BB20-CD4E0BBC9899}" type="datetimeFigureOut">
               <a:rPr lang="en-GB" smtClean="0"/>
-              <a:t>04/09/2018</a:t>
+              <a:t>04/09/2019</a:t>
             </a:fld>
             <a:endParaRPr lang="en-GB"/>
           </a:p>
@@ -2690,7 +6800,7 @@
           <a:p>
             <a:fld id="{66665395-52C5-5E4B-BB20-CD4E0BBC9899}" type="datetimeFigureOut">
               <a:rPr lang="en-GB" smtClean="0"/>
-              <a:t>04/09/2018</a:t>
+              <a:t>04/09/2019</a:t>
             </a:fld>
             <a:endParaRPr lang="en-GB"/>
           </a:p>
@@ -2933,7 +7043,7 @@
           <a:p>
             <a:fld id="{66665395-52C5-5E4B-BB20-CD4E0BBC9899}" type="datetimeFigureOut">
               <a:rPr lang="en-GB" smtClean="0"/>
-              <a:t>04/09/2018</a:t>
+              <a:t>04/09/2019</a:t>
             </a:fld>
             <a:endParaRPr lang="en-GB"/>
           </a:p>
@@ -3401,7 +7511,7 @@
           <a:p>
             <a:r>
               <a:rPr lang="da-DK" dirty="0"/>
-              <a:t>1.2: Scratch</a:t>
+              <a:t>1.2+3: Scratch</a:t>
             </a:r>
           </a:p>
         </p:txBody>
@@ -3410,6 +7520,656 @@
     <p:extLst>
       <p:ext uri="{BB962C8B-B14F-4D97-AF65-F5344CB8AC3E}">
         <p14:creationId xmlns:p14="http://schemas.microsoft.com/office/powerpoint/2010/main" val="780279555"/>
+      </p:ext>
+    </p:extLst>
+  </p:cSld>
+  <p:clrMapOvr>
+    <a:masterClrMapping/>
+  </p:clrMapOvr>
+</p:sld>
+</file>
+
+<file path=ppt/slides/slide10.xml><?xml version="1.0" encoding="utf-8"?>
+<p:sld xmlns:a="http://schemas.openxmlformats.org/drawingml/2006/main" xmlns:r="http://schemas.openxmlformats.org/officeDocument/2006/relationships" xmlns:p="http://schemas.openxmlformats.org/presentationml/2006/main">
+  <p:cSld>
+    <p:spTree>
+      <p:nvGrpSpPr>
+        <p:cNvPr id="1" name=""/>
+        <p:cNvGrpSpPr/>
+        <p:nvPr/>
+      </p:nvGrpSpPr>
+      <p:grpSpPr>
+        <a:xfrm>
+          <a:off x="0" y="0"/>
+          <a:ext cx="0" cy="0"/>
+          <a:chOff x="0" y="0"/>
+          <a:chExt cx="0" cy="0"/>
+        </a:xfrm>
+      </p:grpSpPr>
+      <p:sp>
+        <p:nvSpPr>
+          <p:cNvPr id="2" name="Title 1">
+            <a:extLst>
+              <a:ext uri="{FF2B5EF4-FFF2-40B4-BE49-F238E27FC236}">
+                <a16:creationId xmlns:a16="http://schemas.microsoft.com/office/drawing/2014/main" id="{7B5FB380-9456-2242-A014-7859697F46E7}"/>
+              </a:ext>
+            </a:extLst>
+          </p:cNvPr>
+          <p:cNvSpPr>
+            <a:spLocks noGrp="1"/>
+          </p:cNvSpPr>
+          <p:nvPr>
+            <p:ph type="title"/>
+          </p:nvPr>
+        </p:nvSpPr>
+        <p:spPr>
+          <a:xfrm>
+            <a:off x="0" y="-1"/>
+            <a:ext cx="9492598" cy="1191491"/>
+          </a:xfrm>
+        </p:spPr>
+        <p:txBody>
+          <a:bodyPr>
+            <a:normAutofit fontScale="90000"/>
+          </a:bodyPr>
+          <a:lstStyle/>
+          <a:p>
+            <a:r>
+              <a:rPr lang="da-DK" dirty="0"/>
+              <a:t>Hvad gør programmet? </a:t>
+            </a:r>
+            <a:r>
+              <a:rPr lang="da-DK" dirty="0" err="1"/>
+              <a:t>https</a:t>
+            </a:r>
+            <a:r>
+              <a:rPr lang="da-DK" dirty="0"/>
+              <a:t>://</a:t>
+            </a:r>
+            <a:r>
+              <a:rPr lang="da-DK" dirty="0" err="1"/>
+              <a:t>tinyurl.com</a:t>
+            </a:r>
+            <a:r>
+              <a:rPr lang="da-DK" dirty="0"/>
+              <a:t>/y7b9zdb6</a:t>
+            </a:r>
+          </a:p>
+        </p:txBody>
+      </p:sp>
+      <p:pic>
+        <p:nvPicPr>
+          <p:cNvPr id="9" name="Picture 8">
+            <a:extLst>
+              <a:ext uri="{FF2B5EF4-FFF2-40B4-BE49-F238E27FC236}">
+                <a16:creationId xmlns:a16="http://schemas.microsoft.com/office/drawing/2014/main" id="{C244DE6E-0C20-FE43-BB59-0AD6A365D277}"/>
+              </a:ext>
+            </a:extLst>
+          </p:cNvPr>
+          <p:cNvPicPr>
+            <a:picLocks noChangeAspect="1"/>
+          </p:cNvPicPr>
+          <p:nvPr/>
+        </p:nvPicPr>
+        <p:blipFill>
+          <a:blip r:embed="rId2"/>
+          <a:stretch>
+            <a:fillRect/>
+          </a:stretch>
+        </p:blipFill>
+        <p:spPr>
+          <a:xfrm>
+            <a:off x="1246909" y="1409244"/>
+            <a:ext cx="8245689" cy="5446693"/>
+          </a:xfrm>
+          <a:prstGeom prst="rect">
+            <a:avLst/>
+          </a:prstGeom>
+        </p:spPr>
+      </p:pic>
+    </p:spTree>
+    <p:extLst>
+      <p:ext uri="{BB962C8B-B14F-4D97-AF65-F5344CB8AC3E}">
+        <p14:creationId xmlns:p14="http://schemas.microsoft.com/office/powerpoint/2010/main" val="997589489"/>
+      </p:ext>
+    </p:extLst>
+  </p:cSld>
+  <p:clrMapOvr>
+    <a:masterClrMapping/>
+  </p:clrMapOvr>
+</p:sld>
+</file>
+
+<file path=ppt/slides/slide11.xml><?xml version="1.0" encoding="utf-8"?>
+<p:sld xmlns:a="http://schemas.openxmlformats.org/drawingml/2006/main" xmlns:r="http://schemas.openxmlformats.org/officeDocument/2006/relationships" xmlns:p="http://schemas.openxmlformats.org/presentationml/2006/main">
+  <p:cSld>
+    <p:spTree>
+      <p:nvGrpSpPr>
+        <p:cNvPr id="1" name=""/>
+        <p:cNvGrpSpPr/>
+        <p:nvPr/>
+      </p:nvGrpSpPr>
+      <p:grpSpPr>
+        <a:xfrm>
+          <a:off x="0" y="0"/>
+          <a:ext cx="0" cy="0"/>
+          <a:chOff x="0" y="0"/>
+          <a:chExt cx="0" cy="0"/>
+        </a:xfrm>
+      </p:grpSpPr>
+      <p:sp>
+        <p:nvSpPr>
+          <p:cNvPr id="2" name="Title 1">
+            <a:extLst>
+              <a:ext uri="{FF2B5EF4-FFF2-40B4-BE49-F238E27FC236}">
+                <a16:creationId xmlns:a16="http://schemas.microsoft.com/office/drawing/2014/main" id="{0ACBB10D-A260-F941-8B71-00F8F1DB22DC}"/>
+              </a:ext>
+            </a:extLst>
+          </p:cNvPr>
+          <p:cNvSpPr>
+            <a:spLocks noGrp="1"/>
+          </p:cNvSpPr>
+          <p:nvPr>
+            <p:ph type="title"/>
+          </p:nvPr>
+        </p:nvSpPr>
+        <p:spPr>
+          <a:xfrm>
+            <a:off x="838199" y="365125"/>
+            <a:ext cx="10965873" cy="1325563"/>
+          </a:xfrm>
+        </p:spPr>
+        <p:txBody>
+          <a:bodyPr/>
+          <a:lstStyle/>
+          <a:p>
+            <a:r>
+              <a:rPr lang="en-GB" dirty="0"/>
+              <a:t>Online programming: Collect computers</a:t>
+            </a:r>
+          </a:p>
+        </p:txBody>
+      </p:sp>
+      <p:sp>
+        <p:nvSpPr>
+          <p:cNvPr id="3" name="Content Placeholder 2">
+            <a:extLst>
+              <a:ext uri="{FF2B5EF4-FFF2-40B4-BE49-F238E27FC236}">
+                <a16:creationId xmlns:a16="http://schemas.microsoft.com/office/drawing/2014/main" id="{19372C29-81C6-9F40-B8C8-8C83CEE68784}"/>
+              </a:ext>
+            </a:extLst>
+          </p:cNvPr>
+          <p:cNvSpPr>
+            <a:spLocks noGrp="1"/>
+          </p:cNvSpPr>
+          <p:nvPr>
+            <p:ph idx="1"/>
+          </p:nvPr>
+        </p:nvSpPr>
+        <p:spPr/>
+        <p:txBody>
+          <a:bodyPr/>
+          <a:lstStyle/>
+          <a:p>
+            <a:r>
+              <a:rPr lang="da-DK" dirty="0"/>
+              <a:t>Bruger kontrollerer </a:t>
+            </a:r>
+            <a:r>
+              <a:rPr lang="da-DK" dirty="0" err="1"/>
+              <a:t>playable-character</a:t>
+            </a:r>
+            <a:r>
+              <a:rPr lang="da-DK" dirty="0"/>
+              <a:t> (pc)</a:t>
+            </a:r>
+          </a:p>
+          <a:p>
+            <a:r>
+              <a:rPr lang="da-DK" dirty="0"/>
+              <a:t>Objekt placeres tilfældigt på skærmen</a:t>
+            </a:r>
+          </a:p>
+          <a:p>
+            <a:r>
+              <a:rPr lang="da-DK" dirty="0"/>
+              <a:t>Bruger får point, når pc rammer objekt, hvorefter objekt forsvinder og nyt placeres tilfældigt.</a:t>
+            </a:r>
+          </a:p>
+          <a:p>
+            <a:r>
+              <a:rPr lang="da-DK" dirty="0"/>
+              <a:t>Point vises på skærmen</a:t>
+            </a:r>
+          </a:p>
+          <a:p>
+            <a:endParaRPr lang="da-DK" dirty="0"/>
+          </a:p>
+          <a:p>
+            <a:endParaRPr lang="da-DK" dirty="0"/>
+          </a:p>
+          <a:p>
+            <a:endParaRPr lang="da-DK" dirty="0"/>
+          </a:p>
+        </p:txBody>
+      </p:sp>
+    </p:spTree>
+    <p:extLst>
+      <p:ext uri="{BB962C8B-B14F-4D97-AF65-F5344CB8AC3E}">
+        <p14:creationId xmlns:p14="http://schemas.microsoft.com/office/powerpoint/2010/main" val="213971812"/>
+      </p:ext>
+    </p:extLst>
+  </p:cSld>
+  <p:clrMapOvr>
+    <a:masterClrMapping/>
+  </p:clrMapOvr>
+</p:sld>
+</file>
+
+<file path=ppt/slides/slide12.xml><?xml version="1.0" encoding="utf-8"?>
+<p:sld xmlns:a="http://schemas.openxmlformats.org/drawingml/2006/main" xmlns:r="http://schemas.openxmlformats.org/officeDocument/2006/relationships" xmlns:p="http://schemas.openxmlformats.org/presentationml/2006/main">
+  <p:cSld>
+    <p:spTree>
+      <p:nvGrpSpPr>
+        <p:cNvPr id="1" name=""/>
+        <p:cNvGrpSpPr/>
+        <p:nvPr/>
+      </p:nvGrpSpPr>
+      <p:grpSpPr>
+        <a:xfrm>
+          <a:off x="0" y="0"/>
+          <a:ext cx="0" cy="0"/>
+          <a:chOff x="0" y="0"/>
+          <a:chExt cx="0" cy="0"/>
+        </a:xfrm>
+      </p:grpSpPr>
+      <p:sp>
+        <p:nvSpPr>
+          <p:cNvPr id="2" name="Title 1">
+            <a:extLst>
+              <a:ext uri="{FF2B5EF4-FFF2-40B4-BE49-F238E27FC236}">
+                <a16:creationId xmlns:a16="http://schemas.microsoft.com/office/drawing/2014/main" id="{0ACBB10D-A260-F941-8B71-00F8F1DB22DC}"/>
+              </a:ext>
+            </a:extLst>
+          </p:cNvPr>
+          <p:cNvSpPr>
+            <a:spLocks noGrp="1"/>
+          </p:cNvSpPr>
+          <p:nvPr>
+            <p:ph type="title"/>
+          </p:nvPr>
+        </p:nvSpPr>
+        <p:spPr>
+          <a:xfrm>
+            <a:off x="838199" y="365125"/>
+            <a:ext cx="10965873" cy="1325563"/>
+          </a:xfrm>
+        </p:spPr>
+        <p:txBody>
+          <a:bodyPr/>
+          <a:lstStyle/>
+          <a:p>
+            <a:r>
+              <a:rPr lang="en-GB" dirty="0"/>
+              <a:t>Online programming: Collect computers - PC</a:t>
+            </a:r>
+          </a:p>
+        </p:txBody>
+      </p:sp>
+      <p:pic>
+        <p:nvPicPr>
+          <p:cNvPr id="5" name="Content Placeholder 4">
+            <a:extLst>
+              <a:ext uri="{FF2B5EF4-FFF2-40B4-BE49-F238E27FC236}">
+                <a16:creationId xmlns:a16="http://schemas.microsoft.com/office/drawing/2014/main" id="{F97CDB47-6D44-BF49-8AE9-05EA3BD56588}"/>
+              </a:ext>
+            </a:extLst>
+          </p:cNvPr>
+          <p:cNvPicPr>
+            <a:picLocks noGrp="1" noChangeAspect="1"/>
+          </p:cNvPicPr>
+          <p:nvPr>
+            <p:ph idx="1"/>
+          </p:nvPr>
+        </p:nvPicPr>
+        <p:blipFill>
+          <a:blip r:embed="rId2"/>
+          <a:stretch>
+            <a:fillRect/>
+          </a:stretch>
+        </p:blipFill>
+        <p:spPr>
+          <a:xfrm>
+            <a:off x="0" y="1440871"/>
+            <a:ext cx="5811589" cy="11457136"/>
+          </a:xfrm>
+        </p:spPr>
+      </p:pic>
+      <p:pic>
+        <p:nvPicPr>
+          <p:cNvPr id="6" name="Content Placeholder 4">
+            <a:extLst>
+              <a:ext uri="{FF2B5EF4-FFF2-40B4-BE49-F238E27FC236}">
+                <a16:creationId xmlns:a16="http://schemas.microsoft.com/office/drawing/2014/main" id="{17DECA2D-B70F-AF4F-B55D-28FDDA6C47ED}"/>
+              </a:ext>
+            </a:extLst>
+          </p:cNvPr>
+          <p:cNvPicPr>
+            <a:picLocks noChangeAspect="1"/>
+          </p:cNvPicPr>
+          <p:nvPr/>
+        </p:nvPicPr>
+        <p:blipFill rotWithShape="1">
+          <a:blip r:embed="rId2"/>
+          <a:srcRect t="38204" b="-38204"/>
+          <a:stretch/>
+        </p:blipFill>
+        <p:spPr>
+          <a:xfrm>
+            <a:off x="6123827" y="1440871"/>
+            <a:ext cx="6068173" cy="11962971"/>
+          </a:xfrm>
+          <a:prstGeom prst="rect">
+            <a:avLst/>
+          </a:prstGeom>
+        </p:spPr>
+      </p:pic>
+    </p:spTree>
+    <p:extLst>
+      <p:ext uri="{BB962C8B-B14F-4D97-AF65-F5344CB8AC3E}">
+        <p14:creationId xmlns:p14="http://schemas.microsoft.com/office/powerpoint/2010/main" val="1364671204"/>
+      </p:ext>
+    </p:extLst>
+  </p:cSld>
+  <p:clrMapOvr>
+    <a:masterClrMapping/>
+  </p:clrMapOvr>
+</p:sld>
+</file>
+
+<file path=ppt/slides/slide13.xml><?xml version="1.0" encoding="utf-8"?>
+<p:sld xmlns:a="http://schemas.openxmlformats.org/drawingml/2006/main" xmlns:r="http://schemas.openxmlformats.org/officeDocument/2006/relationships" xmlns:p="http://schemas.openxmlformats.org/presentationml/2006/main">
+  <p:cSld>
+    <p:spTree>
+      <p:nvGrpSpPr>
+        <p:cNvPr id="1" name=""/>
+        <p:cNvGrpSpPr/>
+        <p:nvPr/>
+      </p:nvGrpSpPr>
+      <p:grpSpPr>
+        <a:xfrm>
+          <a:off x="0" y="0"/>
+          <a:ext cx="0" cy="0"/>
+          <a:chOff x="0" y="0"/>
+          <a:chExt cx="0" cy="0"/>
+        </a:xfrm>
+      </p:grpSpPr>
+      <p:sp>
+        <p:nvSpPr>
+          <p:cNvPr id="2" name="Title 1">
+            <a:extLst>
+              <a:ext uri="{FF2B5EF4-FFF2-40B4-BE49-F238E27FC236}">
+                <a16:creationId xmlns:a16="http://schemas.microsoft.com/office/drawing/2014/main" id="{0ACBB10D-A260-F941-8B71-00F8F1DB22DC}"/>
+              </a:ext>
+            </a:extLst>
+          </p:cNvPr>
+          <p:cNvSpPr>
+            <a:spLocks noGrp="1"/>
+          </p:cNvSpPr>
+          <p:nvPr>
+            <p:ph type="title"/>
+          </p:nvPr>
+        </p:nvSpPr>
+        <p:spPr>
+          <a:xfrm>
+            <a:off x="838199" y="365125"/>
+            <a:ext cx="10965873" cy="1325563"/>
+          </a:xfrm>
+        </p:spPr>
+        <p:txBody>
+          <a:bodyPr/>
+          <a:lstStyle/>
+          <a:p>
+            <a:r>
+              <a:rPr lang="en-GB" dirty="0"/>
+              <a:t>Online programming: Collect computers - </a:t>
+            </a:r>
+            <a:r>
+              <a:rPr lang="en-GB" dirty="0" err="1"/>
+              <a:t>Obj</a:t>
+            </a:r>
+            <a:endParaRPr lang="en-GB" dirty="0"/>
+          </a:p>
+        </p:txBody>
+      </p:sp>
+      <p:pic>
+        <p:nvPicPr>
+          <p:cNvPr id="5" name="Content Placeholder 4">
+            <a:extLst>
+              <a:ext uri="{FF2B5EF4-FFF2-40B4-BE49-F238E27FC236}">
+                <a16:creationId xmlns:a16="http://schemas.microsoft.com/office/drawing/2014/main" id="{68AA5694-F210-2F4C-9AC6-0D1BEAE2C083}"/>
+              </a:ext>
+            </a:extLst>
+          </p:cNvPr>
+          <p:cNvPicPr>
+            <a:picLocks noGrp="1" noChangeAspect="1"/>
+          </p:cNvPicPr>
+          <p:nvPr>
+            <p:ph idx="1"/>
+          </p:nvPr>
+        </p:nvPicPr>
+        <p:blipFill>
+          <a:blip r:embed="rId2"/>
+          <a:stretch>
+            <a:fillRect/>
+          </a:stretch>
+        </p:blipFill>
+        <p:spPr>
+          <a:xfrm>
+            <a:off x="2743200" y="1690687"/>
+            <a:ext cx="6708442" cy="5167313"/>
+          </a:xfrm>
+        </p:spPr>
+      </p:pic>
+    </p:spTree>
+    <p:extLst>
+      <p:ext uri="{BB962C8B-B14F-4D97-AF65-F5344CB8AC3E}">
+        <p14:creationId xmlns:p14="http://schemas.microsoft.com/office/powerpoint/2010/main" val="4164469853"/>
+      </p:ext>
+    </p:extLst>
+  </p:cSld>
+  <p:clrMapOvr>
+    <a:masterClrMapping/>
+  </p:clrMapOvr>
+</p:sld>
+</file>
+
+<file path=ppt/slides/slide14.xml><?xml version="1.0" encoding="utf-8"?>
+<p:sld xmlns:a="http://schemas.openxmlformats.org/drawingml/2006/main" xmlns:r="http://schemas.openxmlformats.org/officeDocument/2006/relationships" xmlns:p="http://schemas.openxmlformats.org/presentationml/2006/main">
+  <p:cSld>
+    <p:spTree>
+      <p:nvGrpSpPr>
+        <p:cNvPr id="1" name=""/>
+        <p:cNvGrpSpPr/>
+        <p:nvPr/>
+      </p:nvGrpSpPr>
+      <p:grpSpPr>
+        <a:xfrm>
+          <a:off x="0" y="0"/>
+          <a:ext cx="0" cy="0"/>
+          <a:chOff x="0" y="0"/>
+          <a:chExt cx="0" cy="0"/>
+        </a:xfrm>
+      </p:grpSpPr>
+      <p:sp>
+        <p:nvSpPr>
+          <p:cNvPr id="2" name="Title 1">
+            <a:extLst>
+              <a:ext uri="{FF2B5EF4-FFF2-40B4-BE49-F238E27FC236}">
+                <a16:creationId xmlns:a16="http://schemas.microsoft.com/office/drawing/2014/main" id="{0ACBB10D-A260-F941-8B71-00F8F1DB22DC}"/>
+              </a:ext>
+            </a:extLst>
+          </p:cNvPr>
+          <p:cNvSpPr>
+            <a:spLocks noGrp="1"/>
+          </p:cNvSpPr>
+          <p:nvPr>
+            <p:ph type="title"/>
+          </p:nvPr>
+        </p:nvSpPr>
+        <p:spPr>
+          <a:xfrm>
+            <a:off x="838199" y="365125"/>
+            <a:ext cx="10965873" cy="1325563"/>
+          </a:xfrm>
+        </p:spPr>
+        <p:txBody>
+          <a:bodyPr/>
+          <a:lstStyle/>
+          <a:p>
+            <a:r>
+              <a:rPr lang="en-GB" dirty="0"/>
+              <a:t>Online programming: Collect computers - Points</a:t>
+            </a:r>
+          </a:p>
+        </p:txBody>
+      </p:sp>
+      <p:pic>
+        <p:nvPicPr>
+          <p:cNvPr id="5" name="Content Placeholder 4">
+            <a:extLst>
+              <a:ext uri="{FF2B5EF4-FFF2-40B4-BE49-F238E27FC236}">
+                <a16:creationId xmlns:a16="http://schemas.microsoft.com/office/drawing/2014/main" id="{4E16BED6-5EAA-0149-BB12-E186962B3269}"/>
+              </a:ext>
+            </a:extLst>
+          </p:cNvPr>
+          <p:cNvPicPr>
+            <a:picLocks noGrp="1" noChangeAspect="1"/>
+          </p:cNvPicPr>
+          <p:nvPr>
+            <p:ph idx="1"/>
+          </p:nvPr>
+        </p:nvPicPr>
+        <p:blipFill>
+          <a:blip r:embed="rId3"/>
+          <a:stretch>
+            <a:fillRect/>
+          </a:stretch>
+        </p:blipFill>
+        <p:spPr>
+          <a:xfrm>
+            <a:off x="1761994" y="2715924"/>
+            <a:ext cx="9118282" cy="2532856"/>
+          </a:xfrm>
+        </p:spPr>
+      </p:pic>
+    </p:spTree>
+    <p:extLst>
+      <p:ext uri="{BB962C8B-B14F-4D97-AF65-F5344CB8AC3E}">
+        <p14:creationId xmlns:p14="http://schemas.microsoft.com/office/powerpoint/2010/main" val="2869879174"/>
+      </p:ext>
+    </p:extLst>
+  </p:cSld>
+  <p:clrMapOvr>
+    <a:masterClrMapping/>
+  </p:clrMapOvr>
+</p:sld>
+</file>
+
+<file path=ppt/slides/slide15.xml><?xml version="1.0" encoding="utf-8"?>
+<p:sld xmlns:a="http://schemas.openxmlformats.org/drawingml/2006/main" xmlns:r="http://schemas.openxmlformats.org/officeDocument/2006/relationships" xmlns:p="http://schemas.openxmlformats.org/presentationml/2006/main">
+  <p:cSld>
+    <p:spTree>
+      <p:nvGrpSpPr>
+        <p:cNvPr id="1" name=""/>
+        <p:cNvGrpSpPr/>
+        <p:nvPr/>
+      </p:nvGrpSpPr>
+      <p:grpSpPr>
+        <a:xfrm>
+          <a:off x="0" y="0"/>
+          <a:ext cx="0" cy="0"/>
+          <a:chOff x="0" y="0"/>
+          <a:chExt cx="0" cy="0"/>
+        </a:xfrm>
+      </p:grpSpPr>
+      <p:sp>
+        <p:nvSpPr>
+          <p:cNvPr id="2" name="Title 1">
+            <a:extLst>
+              <a:ext uri="{FF2B5EF4-FFF2-40B4-BE49-F238E27FC236}">
+                <a16:creationId xmlns:a16="http://schemas.microsoft.com/office/drawing/2014/main" id="{328548C8-14AE-3E4B-A1E8-9909A82E136F}"/>
+              </a:ext>
+            </a:extLst>
+          </p:cNvPr>
+          <p:cNvSpPr>
+            <a:spLocks noGrp="1"/>
+          </p:cNvSpPr>
+          <p:nvPr>
+            <p:ph type="title"/>
+          </p:nvPr>
+        </p:nvSpPr>
+        <p:spPr/>
+        <p:txBody>
+          <a:bodyPr/>
+          <a:lstStyle/>
+          <a:p>
+            <a:r>
+              <a:rPr lang="en-GB" dirty="0"/>
+              <a:t>Online programming: Collect computers</a:t>
+            </a:r>
+          </a:p>
+        </p:txBody>
+      </p:sp>
+      <p:sp>
+        <p:nvSpPr>
+          <p:cNvPr id="3" name="Content Placeholder 2">
+            <a:extLst>
+              <a:ext uri="{FF2B5EF4-FFF2-40B4-BE49-F238E27FC236}">
+                <a16:creationId xmlns:a16="http://schemas.microsoft.com/office/drawing/2014/main" id="{8B87794F-5BA7-2146-9F85-C1A0679AA617}"/>
+              </a:ext>
+            </a:extLst>
+          </p:cNvPr>
+          <p:cNvSpPr>
+            <a:spLocks noGrp="1"/>
+          </p:cNvSpPr>
+          <p:nvPr>
+            <p:ph idx="1"/>
+          </p:nvPr>
+        </p:nvSpPr>
+        <p:spPr>
+          <a:xfrm>
+            <a:off x="2286000" y="3155661"/>
+            <a:ext cx="6426200" cy="1194666"/>
+          </a:xfrm>
+        </p:spPr>
+        <p:txBody>
+          <a:bodyPr>
+            <a:normAutofit fontScale="85000" lnSpcReduction="10000"/>
+          </a:bodyPr>
+          <a:lstStyle/>
+          <a:p>
+            <a:pPr marL="0" indent="0">
+              <a:buNone/>
+            </a:pPr>
+            <a:r>
+              <a:rPr lang="en-GB" sz="6000" dirty="0"/>
+              <a:t>Run </a:t>
+            </a:r>
+            <a:r>
+              <a:rPr lang="en-GB" sz="6000" dirty="0">
+                <a:hlinkClick r:id="rId2"/>
+              </a:rPr>
+              <a:t>Collect Computers</a:t>
+            </a:r>
+            <a:endParaRPr lang="en-GB" sz="6000" dirty="0"/>
+          </a:p>
+        </p:txBody>
+      </p:sp>
+    </p:spTree>
+    <p:extLst>
+      <p:ext uri="{BB962C8B-B14F-4D97-AF65-F5344CB8AC3E}">
+        <p14:creationId xmlns:p14="http://schemas.microsoft.com/office/powerpoint/2010/main" val="293512564"/>
       </p:ext>
     </p:extLst>
   </p:cSld>
@@ -3436,46 +8196,19 @@
           <a:chExt cx="0" cy="0"/>
         </a:xfrm>
       </p:grpSpPr>
-      <p:sp>
-        <p:nvSpPr>
-          <p:cNvPr id="2" name="Title 1">
-            <a:extLst>
-              <a:ext uri="{FF2B5EF4-FFF2-40B4-BE49-F238E27FC236}">
-                <a16:creationId xmlns:a16="http://schemas.microsoft.com/office/drawing/2014/main" id="{B5572BBD-1BD8-1847-8243-CC78C070F7B5}"/>
-              </a:ext>
-            </a:extLst>
-          </p:cNvPr>
-          <p:cNvSpPr>
-            <a:spLocks noGrp="1"/>
-          </p:cNvSpPr>
-          <p:nvPr>
-            <p:ph type="title"/>
-          </p:nvPr>
-        </p:nvSpPr>
-        <p:spPr/>
-        <p:txBody>
-          <a:bodyPr/>
-          <a:lstStyle/>
-          <a:p>
-            <a:endParaRPr lang="en-GB"/>
-          </a:p>
-        </p:txBody>
-      </p:sp>
       <p:pic>
         <p:nvPicPr>
-          <p:cNvPr id="5" name="Content Placeholder 4">
-            <a:extLst>
-              <a:ext uri="{FF2B5EF4-FFF2-40B4-BE49-F238E27FC236}">
-                <a16:creationId xmlns:a16="http://schemas.microsoft.com/office/drawing/2014/main" id="{280FF7BA-AF78-E24F-8D5B-5DF8B2B67B6F}"/>
+          <p:cNvPr id="7" name="Picture 6">
+            <a:extLst>
+              <a:ext uri="{FF2B5EF4-FFF2-40B4-BE49-F238E27FC236}">
+                <a16:creationId xmlns:a16="http://schemas.microsoft.com/office/drawing/2014/main" id="{E3187A82-0531-DA43-A1C7-3AF278CCA87D}"/>
               </a:ext>
             </a:extLst>
           </p:cNvPr>
           <p:cNvPicPr>
-            <a:picLocks noGrp="1" noChangeAspect="1"/>
+            <a:picLocks noChangeAspect="1"/>
           </p:cNvPicPr>
-          <p:nvPr>
-            <p:ph idx="1"/>
-          </p:nvPr>
+          <p:nvPr/>
         </p:nvPicPr>
         <p:blipFill>
           <a:blip r:embed="rId2"/>
@@ -3485,15 +8218,106 @@
         </p:blipFill>
         <p:spPr>
           <a:xfrm>
-            <a:off x="838200" y="-1199117"/>
-            <a:ext cx="10515600" cy="14905956"/>
+            <a:off x="-167828" y="1743591"/>
+            <a:ext cx="7340600" cy="4152900"/>
           </a:xfrm>
+          <a:prstGeom prst="rect">
+            <a:avLst/>
+          </a:prstGeom>
         </p:spPr>
       </p:pic>
+      <p:graphicFrame>
+        <p:nvGraphicFramePr>
+          <p:cNvPr id="8" name="Diagram 7">
+            <a:extLst>
+              <a:ext uri="{FF2B5EF4-FFF2-40B4-BE49-F238E27FC236}">
+                <a16:creationId xmlns:a16="http://schemas.microsoft.com/office/drawing/2014/main" id="{804A32D8-CAB7-0D47-8DDF-E1184D79E434}"/>
+              </a:ext>
+            </a:extLst>
+          </p:cNvPr>
+          <p:cNvGraphicFramePr/>
+          <p:nvPr/>
+        </p:nvGraphicFramePr>
+        <p:xfrm>
+          <a:off x="6960936" y="1743591"/>
+          <a:ext cx="5430253" cy="3994887"/>
+        </p:xfrm>
+        <a:graphic>
+          <a:graphicData uri="http://schemas.openxmlformats.org/drawingml/2006/diagram">
+            <dgm:relIds xmlns:dgm="http://schemas.openxmlformats.org/drawingml/2006/diagram" xmlns:r="http://schemas.openxmlformats.org/officeDocument/2006/relationships" r:dm="rId3" r:lo="rId4" r:qs="rId5" r:cs="rId6"/>
+          </a:graphicData>
+        </a:graphic>
+      </p:graphicFrame>
+      <p:sp>
+        <p:nvSpPr>
+          <p:cNvPr id="9" name="Title 1">
+            <a:extLst>
+              <a:ext uri="{FF2B5EF4-FFF2-40B4-BE49-F238E27FC236}">
+                <a16:creationId xmlns:a16="http://schemas.microsoft.com/office/drawing/2014/main" id="{2B597078-62C4-224C-8249-062C1B1E2FF1}"/>
+              </a:ext>
+            </a:extLst>
+          </p:cNvPr>
+          <p:cNvSpPr txBox="1">
+            <a:spLocks/>
+          </p:cNvSpPr>
+          <p:nvPr/>
+        </p:nvSpPr>
+        <p:spPr>
+          <a:xfrm>
+            <a:off x="364958" y="199064"/>
+            <a:ext cx="10515600" cy="1325563"/>
+          </a:xfrm>
+          <a:prstGeom prst="rect">
+            <a:avLst/>
+          </a:prstGeom>
+        </p:spPr>
+        <p:txBody>
+          <a:bodyPr vert="horz" lIns="91440" tIns="45720" rIns="91440" bIns="45720" rtlCol="0" anchor="ctr">
+            <a:normAutofit/>
+          </a:bodyPr>
+          <a:lstStyle>
+            <a:lvl1pPr algn="l" defTabSz="914400" rtl="0" eaLnBrk="1" latinLnBrk="0" hangingPunct="1">
+              <a:lnSpc>
+                <a:spcPct val="90000"/>
+              </a:lnSpc>
+              <a:spcBef>
+                <a:spcPct val="0"/>
+              </a:spcBef>
+              <a:buNone/>
+              <a:defRPr sz="4400" kern="1200">
+                <a:solidFill>
+                  <a:schemeClr val="tx1"/>
+                </a:solidFill>
+                <a:latin typeface="+mj-lt"/>
+                <a:ea typeface="+mj-ea"/>
+                <a:cs typeface="+mj-cs"/>
+              </a:defRPr>
+            </a:lvl1pPr>
+          </a:lstStyle>
+          <a:p>
+            <a:r>
+              <a:rPr lang="en-GB" dirty="0" err="1"/>
+              <a:t>Kommandolinjen</a:t>
+            </a:r>
+            <a:r>
+              <a:rPr lang="en-GB" dirty="0"/>
+              <a:t> (</a:t>
+            </a:r>
+            <a:r>
+              <a:rPr lang="en-GB" dirty="0" err="1"/>
+              <a:t>terminalen</a:t>
+            </a:r>
+            <a:r>
+              <a:rPr lang="en-GB" dirty="0"/>
+              <a:t>)</a:t>
+            </a:r>
+          </a:p>
+        </p:txBody>
+      </p:sp>
     </p:spTree>
     <p:extLst>
       <p:ext uri="{BB962C8B-B14F-4D97-AF65-F5344CB8AC3E}">
-        <p14:creationId xmlns:p14="http://schemas.microsoft.com/office/powerpoint/2010/main" val="1171585399"/>
+        <p14:creationId xmlns:p14="http://schemas.microsoft.com/office/powerpoint/2010/main" val="1865080300"/>
       </p:ext>
     </p:extLst>
   </p:cSld>
@@ -3522,44 +8346,83 @@
       </p:grpSpPr>
       <p:sp>
         <p:nvSpPr>
-          <p:cNvPr id="2" name="Title 1">
-            <a:extLst>
-              <a:ext uri="{FF2B5EF4-FFF2-40B4-BE49-F238E27FC236}">
-                <a16:creationId xmlns:a16="http://schemas.microsoft.com/office/drawing/2014/main" id="{B5572BBD-1BD8-1847-8243-CC78C070F7B5}"/>
-              </a:ext>
-            </a:extLst>
-          </p:cNvPr>
-          <p:cNvSpPr>
-            <a:spLocks noGrp="1"/>
+          <p:cNvPr id="9" name="Title 1">
+            <a:extLst>
+              <a:ext uri="{FF2B5EF4-FFF2-40B4-BE49-F238E27FC236}">
+                <a16:creationId xmlns:a16="http://schemas.microsoft.com/office/drawing/2014/main" id="{2B597078-62C4-224C-8249-062C1B1E2FF1}"/>
+              </a:ext>
+            </a:extLst>
+          </p:cNvPr>
+          <p:cNvSpPr txBox="1">
+            <a:spLocks/>
           </p:cNvSpPr>
-          <p:nvPr>
-            <p:ph type="title"/>
-          </p:nvPr>
+          <p:nvPr/>
         </p:nvSpPr>
-        <p:spPr/>
+        <p:spPr>
+          <a:xfrm>
+            <a:off x="364958" y="199064"/>
+            <a:ext cx="10515600" cy="1325563"/>
+          </a:xfrm>
+          <a:prstGeom prst="rect">
+            <a:avLst/>
+          </a:prstGeom>
+        </p:spPr>
         <p:txBody>
-          <a:bodyPr/>
-          <a:lstStyle/>
-          <a:p>
-            <a:endParaRPr lang="en-GB"/>
+          <a:bodyPr vert="horz" lIns="91440" tIns="45720" rIns="91440" bIns="45720" rtlCol="0" anchor="ctr">
+            <a:normAutofit/>
+          </a:bodyPr>
+          <a:lstStyle>
+            <a:lvl1pPr algn="l" defTabSz="914400" rtl="0" eaLnBrk="1" latinLnBrk="0" hangingPunct="1">
+              <a:lnSpc>
+                <a:spcPct val="90000"/>
+              </a:lnSpc>
+              <a:spcBef>
+                <a:spcPct val="0"/>
+              </a:spcBef>
+              <a:buNone/>
+              <a:defRPr sz="4400" kern="1200">
+                <a:solidFill>
+                  <a:schemeClr val="tx1"/>
+                </a:solidFill>
+                <a:latin typeface="+mj-lt"/>
+                <a:ea typeface="+mj-ea"/>
+                <a:cs typeface="+mj-cs"/>
+              </a:defRPr>
+            </a:lvl1pPr>
+          </a:lstStyle>
+          <a:p>
+            <a:r>
+              <a:rPr lang="en-GB" dirty="0" err="1"/>
+              <a:t>Teksteditor</a:t>
+            </a:r>
+            <a:r>
+              <a:rPr lang="en-GB" dirty="0"/>
+              <a:t> </a:t>
+            </a:r>
+            <a:r>
+              <a:rPr lang="en-GB" dirty="0" err="1"/>
+              <a:t>og</a:t>
+            </a:r>
+            <a:r>
+              <a:rPr lang="en-GB" dirty="0"/>
+              <a:t> LaTeX</a:t>
+            </a:r>
           </a:p>
         </p:txBody>
       </p:sp>
       <p:pic>
         <p:nvPicPr>
-          <p:cNvPr id="5" name="Content Placeholder 4">
-            <a:extLst>
-              <a:ext uri="{FF2B5EF4-FFF2-40B4-BE49-F238E27FC236}">
-                <a16:creationId xmlns:a16="http://schemas.microsoft.com/office/drawing/2014/main" id="{280FF7BA-AF78-E24F-8D5B-5DF8B2B67B6F}"/>
+          <p:cNvPr id="4" name="Picture 3">
+            <a:extLst>
+              <a:ext uri="{FF2B5EF4-FFF2-40B4-BE49-F238E27FC236}">
+                <a16:creationId xmlns:a16="http://schemas.microsoft.com/office/drawing/2014/main" id="{081D6A9B-77B0-474C-8EBF-7E14F77EA5A4}"/>
               </a:ext>
             </a:extLst>
           </p:cNvPr>
           <p:cNvPicPr>
-            <a:picLocks noGrp="1" noChangeAspect="1"/>
+            <a:picLocks noChangeAspect="1"/>
           </p:cNvPicPr>
-          <p:nvPr>
-            <p:ph idx="1"/>
-          </p:nvPr>
+          <p:nvPr/>
         </p:nvPicPr>
         <p:blipFill>
           <a:blip r:embed="rId2"/>
@@ -3569,15 +8432,48 @@
         </p:blipFill>
         <p:spPr>
           <a:xfrm>
-            <a:off x="838200" y="-7452978"/>
-            <a:ext cx="10515600" cy="14905956"/>
+            <a:off x="3252538" y="2018966"/>
+            <a:ext cx="4152900" cy="1701800"/>
           </a:xfrm>
+          <a:prstGeom prst="rect">
+            <a:avLst/>
+          </a:prstGeom>
+        </p:spPr>
+      </p:pic>
+      <p:pic>
+        <p:nvPicPr>
+          <p:cNvPr id="10" name="Picture 9">
+            <a:extLst>
+              <a:ext uri="{FF2B5EF4-FFF2-40B4-BE49-F238E27FC236}">
+                <a16:creationId xmlns:a16="http://schemas.microsoft.com/office/drawing/2014/main" id="{C2511760-4ED8-5745-8FF7-BBF5B8405F2E}"/>
+              </a:ext>
+            </a:extLst>
+          </p:cNvPr>
+          <p:cNvPicPr>
+            <a:picLocks noChangeAspect="1"/>
+          </p:cNvPicPr>
+          <p:nvPr/>
+        </p:nvPicPr>
+        <p:blipFill>
+          <a:blip r:embed="rId3"/>
+          <a:stretch>
+            <a:fillRect/>
+          </a:stretch>
+        </p:blipFill>
+        <p:spPr>
+          <a:xfrm>
+            <a:off x="2498558" y="4502150"/>
+            <a:ext cx="6248400" cy="1511300"/>
+          </a:xfrm>
+          <a:prstGeom prst="rect">
+            <a:avLst/>
+          </a:prstGeom>
         </p:spPr>
       </p:pic>
     </p:spTree>
     <p:extLst>
       <p:ext uri="{BB962C8B-B14F-4D97-AF65-F5344CB8AC3E}">
-        <p14:creationId xmlns:p14="http://schemas.microsoft.com/office/powerpoint/2010/main" val="741266215"/>
+        <p14:creationId xmlns:p14="http://schemas.microsoft.com/office/powerpoint/2010/main" val="804041383"/>
       </p:ext>
     </p:extLst>
   </p:cSld>
@@ -3609,7 +8505,7 @@
           <p:cNvPr id="2" name="Title 1">
             <a:extLst>
               <a:ext uri="{FF2B5EF4-FFF2-40B4-BE49-F238E27FC236}">
-                <a16:creationId xmlns:a16="http://schemas.microsoft.com/office/drawing/2014/main" id="{B5572BBD-1BD8-1847-8243-CC78C070F7B5}"/>
+                <a16:creationId xmlns:a16="http://schemas.microsoft.com/office/drawing/2014/main" id="{0ACBB10D-A260-F941-8B71-00F8F1DB22DC}"/>
               </a:ext>
             </a:extLst>
           </p:cNvPr>
@@ -3625,16 +8521,53 @@
           <a:bodyPr/>
           <a:lstStyle/>
           <a:p>
-            <a:endParaRPr lang="en-GB"/>
+            <a:r>
+              <a:rPr lang="en-GB" dirty="0"/>
+              <a:t>Online programming…</a:t>
+            </a:r>
+          </a:p>
+        </p:txBody>
+      </p:sp>
+      <p:sp>
+        <p:nvSpPr>
+          <p:cNvPr id="3" name="Content Placeholder 2">
+            <a:extLst>
+              <a:ext uri="{FF2B5EF4-FFF2-40B4-BE49-F238E27FC236}">
+                <a16:creationId xmlns:a16="http://schemas.microsoft.com/office/drawing/2014/main" id="{19372C29-81C6-9F40-B8C8-8C83CEE68784}"/>
+              </a:ext>
+            </a:extLst>
+          </p:cNvPr>
+          <p:cNvSpPr>
+            <a:spLocks noGrp="1"/>
+          </p:cNvSpPr>
+          <p:nvPr>
+            <p:ph idx="1"/>
+          </p:nvPr>
+        </p:nvSpPr>
+        <p:spPr/>
+        <p:txBody>
+          <a:bodyPr/>
+          <a:lstStyle/>
+          <a:p>
+            <a:r>
+              <a:rPr lang="en-GB" dirty="0"/>
+              <a:t>Hello World</a:t>
+            </a:r>
+          </a:p>
+          <a:p>
+            <a:r>
+              <a:rPr lang="en-GB" dirty="0"/>
+              <a:t>Count to 9</a:t>
+            </a:r>
           </a:p>
         </p:txBody>
       </p:sp>
       <p:pic>
         <p:nvPicPr>
-          <p:cNvPr id="4" name="Content Placeholder 3">
-            <a:extLst>
-              <a:ext uri="{FF2B5EF4-FFF2-40B4-BE49-F238E27FC236}">
-                <a16:creationId xmlns:a16="http://schemas.microsoft.com/office/drawing/2014/main" id="{D6999C6D-0DFB-2E4E-B7B3-52F3BB8F262F}"/>
+          <p:cNvPr id="5" name="Picture 4">
+            <a:extLst>
+              <a:ext uri="{FF2B5EF4-FFF2-40B4-BE49-F238E27FC236}">
+                <a16:creationId xmlns:a16="http://schemas.microsoft.com/office/drawing/2014/main" id="{CF614A0F-735B-F84C-9E06-7A9450D193BB}"/>
               </a:ext>
             </a:extLst>
           </p:cNvPr>
@@ -3651,49 +8584,156 @@
         </p:blipFill>
         <p:spPr>
           <a:xfrm>
-            <a:off x="838200" y="-1057340"/>
-            <a:ext cx="10233991" cy="14506770"/>
+            <a:off x="4191000" y="1863725"/>
+            <a:ext cx="2590800" cy="2222500"/>
           </a:xfrm>
           <a:prstGeom prst="rect">
             <a:avLst/>
           </a:prstGeom>
         </p:spPr>
       </p:pic>
-      <p:sp>
-        <p:nvSpPr>
-          <p:cNvPr id="6" name="Content Placeholder 5">
-            <a:extLst>
-              <a:ext uri="{FF2B5EF4-FFF2-40B4-BE49-F238E27FC236}">
-                <a16:creationId xmlns:a16="http://schemas.microsoft.com/office/drawing/2014/main" id="{44D90556-0D93-7C42-86E8-A0A68F1A2C97}"/>
-              </a:ext>
-            </a:extLst>
-          </p:cNvPr>
-          <p:cNvSpPr>
-            <a:spLocks noGrp="1"/>
-          </p:cNvSpPr>
-          <p:nvPr>
-            <p:ph idx="1"/>
-          </p:nvPr>
-        </p:nvSpPr>
-        <p:spPr/>
-        <p:txBody>
-          <a:bodyPr/>
-          <a:lstStyle/>
-          <a:p>
-            <a:endParaRPr lang="en-GB"/>
-          </a:p>
-        </p:txBody>
-      </p:sp>
+      <p:pic>
+        <p:nvPicPr>
+          <p:cNvPr id="7" name="Picture 6">
+            <a:extLst>
+              <a:ext uri="{FF2B5EF4-FFF2-40B4-BE49-F238E27FC236}">
+                <a16:creationId xmlns:a16="http://schemas.microsoft.com/office/drawing/2014/main" id="{757C8A41-E8CF-AC45-ACCA-7E553DBC599E}"/>
+              </a:ext>
+            </a:extLst>
+          </p:cNvPr>
+          <p:cNvPicPr>
+            <a:picLocks noChangeAspect="1"/>
+          </p:cNvPicPr>
+          <p:nvPr/>
+        </p:nvPicPr>
+        <p:blipFill>
+          <a:blip r:embed="rId3"/>
+          <a:stretch>
+            <a:fillRect/>
+          </a:stretch>
+        </p:blipFill>
+        <p:spPr>
+          <a:xfrm>
+            <a:off x="7797800" y="1825625"/>
+            <a:ext cx="2540000" cy="3175000"/>
+          </a:xfrm>
+          <a:prstGeom prst="rect">
+            <a:avLst/>
+          </a:prstGeom>
+        </p:spPr>
+      </p:pic>
     </p:spTree>
     <p:extLst>
       <p:ext uri="{BB962C8B-B14F-4D97-AF65-F5344CB8AC3E}">
-        <p14:creationId xmlns:p14="http://schemas.microsoft.com/office/powerpoint/2010/main" val="3405089308"/>
+        <p14:creationId xmlns:p14="http://schemas.microsoft.com/office/powerpoint/2010/main" val="280805865"/>
       </p:ext>
     </p:extLst>
   </p:cSld>
   <p:clrMapOvr>
     <a:masterClrMapping/>
   </p:clrMapOvr>
+  <p:timing>
+    <p:tnLst>
+      <p:par>
+        <p:cTn id="1" dur="indefinite" restart="never" nodeType="tmRoot">
+          <p:childTnLst>
+            <p:seq concurrent="1" nextAc="seek">
+              <p:cTn id="2" dur="indefinite" nodeType="mainSeq">
+                <p:childTnLst>
+                  <p:par>
+                    <p:cTn id="3" fill="hold">
+                      <p:stCondLst>
+                        <p:cond delay="indefinite"/>
+                      </p:stCondLst>
+                      <p:childTnLst>
+                        <p:par>
+                          <p:cTn id="4" fill="hold">
+                            <p:stCondLst>
+                              <p:cond delay="0"/>
+                            </p:stCondLst>
+                            <p:childTnLst>
+                              <p:par>
+                                <p:cTn id="5" presetID="1" presetClass="entr" presetSubtype="0" fill="hold" nodeType="clickEffect">
+                                  <p:stCondLst>
+                                    <p:cond delay="0"/>
+                                  </p:stCondLst>
+                                  <p:childTnLst>
+                                    <p:set>
+                                      <p:cBhvr>
+                                        <p:cTn id="6" dur="1" fill="hold">
+                                          <p:stCondLst>
+                                            <p:cond delay="0"/>
+                                          </p:stCondLst>
+                                        </p:cTn>
+                                        <p:tgtEl>
+                                          <p:spTgt spid="5"/>
+                                        </p:tgtEl>
+                                        <p:attrNameLst>
+                                          <p:attrName>style.visibility</p:attrName>
+                                        </p:attrNameLst>
+                                      </p:cBhvr>
+                                      <p:to>
+                                        <p:strVal val="visible"/>
+                                      </p:to>
+                                    </p:set>
+                                  </p:childTnLst>
+                                </p:cTn>
+                              </p:par>
+                              <p:par>
+                                <p:cTn id="7" presetID="1" presetClass="entr" presetSubtype="0" fill="hold" nodeType="withEffect">
+                                  <p:stCondLst>
+                                    <p:cond delay="0"/>
+                                  </p:stCondLst>
+                                  <p:childTnLst>
+                                    <p:set>
+                                      <p:cBhvr>
+                                        <p:cTn id="8" dur="1" fill="hold">
+                                          <p:stCondLst>
+                                            <p:cond delay="0"/>
+                                          </p:stCondLst>
+                                        </p:cTn>
+                                        <p:tgtEl>
+                                          <p:spTgt spid="7"/>
+                                        </p:tgtEl>
+                                        <p:attrNameLst>
+                                          <p:attrName>style.visibility</p:attrName>
+                                        </p:attrNameLst>
+                                      </p:cBhvr>
+                                      <p:to>
+                                        <p:strVal val="visible"/>
+                                      </p:to>
+                                    </p:set>
+                                  </p:childTnLst>
+                                </p:cTn>
+                              </p:par>
+                            </p:childTnLst>
+                          </p:cTn>
+                        </p:par>
+                      </p:childTnLst>
+                    </p:cTn>
+                  </p:par>
+                </p:childTnLst>
+              </p:cTn>
+              <p:prevCondLst>
+                <p:cond evt="onPrev" delay="0">
+                  <p:tgtEl>
+                    <p:sldTgt/>
+                  </p:tgtEl>
+                </p:cond>
+              </p:prevCondLst>
+              <p:nextCondLst>
+                <p:cond evt="onNext" delay="0">
+                  <p:tgtEl>
+                    <p:sldTgt/>
+                  </p:tgtEl>
+                </p:cond>
+              </p:nextCondLst>
+            </p:seq>
+          </p:childTnLst>
+        </p:cTn>
+      </p:par>
+    </p:tnLst>
+  </p:timing>
 </p:sld>
 </file>
 
@@ -3719,7 +8759,7 @@
           <p:cNvPr id="2" name="Title 1">
             <a:extLst>
               <a:ext uri="{FF2B5EF4-FFF2-40B4-BE49-F238E27FC236}">
-                <a16:creationId xmlns:a16="http://schemas.microsoft.com/office/drawing/2014/main" id="{9F83B6BD-B920-DB4B-BB85-E94164E7966D}"/>
+                <a16:creationId xmlns:a16="http://schemas.microsoft.com/office/drawing/2014/main" id="{0ACBB10D-A260-F941-8B71-00F8F1DB22DC}"/>
               </a:ext>
             </a:extLst>
           </p:cNvPr>
@@ -3736,54 +8776,41 @@
           <a:lstStyle/>
           <a:p>
             <a:r>
-              <a:rPr lang="en-GB" dirty="0" err="1"/>
-              <a:t>Imperativ</a:t>
-            </a:r>
-            <a:r>
               <a:rPr lang="en-GB" dirty="0"/>
-              <a:t> </a:t>
-            </a:r>
-            <a:r>
-              <a:rPr lang="en-GB" dirty="0" err="1"/>
-              <a:t>programmering</a:t>
-            </a:r>
-            <a:endParaRPr lang="en-GB" dirty="0"/>
+              <a:t>Online programming…</a:t>
+            </a:r>
           </a:p>
         </p:txBody>
       </p:sp>
-      <p:pic>
-        <p:nvPicPr>
-          <p:cNvPr id="5" name="Content Placeholder 4">
-            <a:extLst>
-              <a:ext uri="{FF2B5EF4-FFF2-40B4-BE49-F238E27FC236}">
-                <a16:creationId xmlns:a16="http://schemas.microsoft.com/office/drawing/2014/main" id="{D7321CD5-0CE3-584D-B72C-ABBAF5201696}"/>
-              </a:ext>
-            </a:extLst>
-          </p:cNvPr>
-          <p:cNvPicPr>
-            <a:picLocks noGrp="1" noChangeAspect="1"/>
-          </p:cNvPicPr>
+      <p:sp>
+        <p:nvSpPr>
+          <p:cNvPr id="3" name="Content Placeholder 2">
+            <a:extLst>
+              <a:ext uri="{FF2B5EF4-FFF2-40B4-BE49-F238E27FC236}">
+                <a16:creationId xmlns:a16="http://schemas.microsoft.com/office/drawing/2014/main" id="{19372C29-81C6-9F40-B8C8-8C83CEE68784}"/>
+              </a:ext>
+            </a:extLst>
+          </p:cNvPr>
+          <p:cNvSpPr>
+            <a:spLocks noGrp="1"/>
+          </p:cNvSpPr>
           <p:nvPr>
             <p:ph idx="1"/>
           </p:nvPr>
-        </p:nvPicPr>
-        <p:blipFill>
-          <a:blip r:embed="rId2"/>
-          <a:stretch>
-            <a:fillRect/>
-          </a:stretch>
-        </p:blipFill>
-        <p:spPr>
-          <a:xfrm>
-            <a:off x="2622883" y="1315768"/>
-            <a:ext cx="7050505" cy="5292775"/>
-          </a:xfrm>
-        </p:spPr>
-      </p:pic>
+        </p:nvSpPr>
+        <p:spPr/>
+        <p:txBody>
+          <a:bodyPr/>
+          <a:lstStyle/>
+          <a:p>
+            <a:endParaRPr lang="en-GB"/>
+          </a:p>
+        </p:txBody>
+      </p:sp>
     </p:spTree>
     <p:extLst>
       <p:ext uri="{BB962C8B-B14F-4D97-AF65-F5344CB8AC3E}">
-        <p14:creationId xmlns:p14="http://schemas.microsoft.com/office/powerpoint/2010/main" val="3788251169"/>
+        <p14:creationId xmlns:p14="http://schemas.microsoft.com/office/powerpoint/2010/main" val="1754232616"/>
       </p:ext>
     </p:extLst>
   </p:cSld>
@@ -3796,6 +8823,14 @@
 <file path=ppt/slides/slide6.xml><?xml version="1.0" encoding="utf-8"?>
 <p:sld xmlns:a="http://schemas.openxmlformats.org/drawingml/2006/main" xmlns:r="http://schemas.openxmlformats.org/officeDocument/2006/relationships" xmlns:p="http://schemas.openxmlformats.org/presentationml/2006/main">
   <p:cSld>
+    <p:bg>
+      <p:bgPr>
+        <a:solidFill>
+          <a:schemeClr val="bg1"/>
+        </a:solidFill>
+        <a:effectLst/>
+      </p:bgPr>
+    </p:bg>
     <p:spTree>
       <p:nvGrpSpPr>
         <p:cNvPr id="1" name=""/>
@@ -3815,7 +8850,7 @@
           <p:cNvPr id="2" name="Title 1">
             <a:extLst>
               <a:ext uri="{FF2B5EF4-FFF2-40B4-BE49-F238E27FC236}">
-                <a16:creationId xmlns:a16="http://schemas.microsoft.com/office/drawing/2014/main" id="{2ABA7DA9-92FB-4044-83FF-B1DEB2040912}"/>
+                <a16:creationId xmlns:a16="http://schemas.microsoft.com/office/drawing/2014/main" id="{7B5FB380-9456-2242-A014-7859697F46E7}"/>
               </a:ext>
             </a:extLst>
           </p:cNvPr>
@@ -3826,24 +8861,113 @@
             <p:ph type="title"/>
           </p:nvPr>
         </p:nvSpPr>
-        <p:spPr/>
+        <p:spPr>
+          <a:xfrm>
+            <a:off x="4965430" y="629268"/>
+            <a:ext cx="6586491" cy="1286160"/>
+          </a:xfrm>
+        </p:spPr>
         <p:txBody>
-          <a:bodyPr/>
+          <a:bodyPr anchor="b">
+            <a:normAutofit/>
+          </a:bodyPr>
           <a:lstStyle/>
           <a:p>
             <a:r>
               <a:rPr lang="da-DK"/>
-              <a:t>Tælleopskrifter</a:t>
+              <a:t>Hvad gør programmet?</a:t>
             </a:r>
           </a:p>
         </p:txBody>
       </p:sp>
+      <p:pic>
+        <p:nvPicPr>
+          <p:cNvPr id="5" name="Picture 4">
+            <a:extLst>
+              <a:ext uri="{FF2B5EF4-FFF2-40B4-BE49-F238E27FC236}">
+                <a16:creationId xmlns:a16="http://schemas.microsoft.com/office/drawing/2014/main" id="{D2CEE303-5C19-1749-86A6-FA37DFDC1CE5}"/>
+              </a:ext>
+            </a:extLst>
+          </p:cNvPr>
+          <p:cNvPicPr>
+            <a:picLocks noChangeAspect="1"/>
+          </p:cNvPicPr>
+          <p:nvPr/>
+        </p:nvPicPr>
+        <p:blipFill rotWithShape="1">
+          <a:blip r:embed="rId2"/>
+          <a:srcRect t="1575" r="2" b="3261"/>
+          <a:stretch/>
+        </p:blipFill>
+        <p:spPr>
+          <a:xfrm>
+            <a:off x="20" y="10"/>
+            <a:ext cx="4635571" cy="6857990"/>
+          </a:xfrm>
+          <a:prstGeom prst="rect">
+            <a:avLst/>
+          </a:prstGeom>
+          <a:effectLst/>
+        </p:spPr>
+      </p:pic>
+      <p:cxnSp>
+        <p:nvCxnSpPr>
+          <p:cNvPr id="24" name="Straight Connector 23">
+            <a:extLst>
+              <a:ext uri="{FF2B5EF4-FFF2-40B4-BE49-F238E27FC236}">
+                <a16:creationId xmlns:a16="http://schemas.microsoft.com/office/drawing/2014/main" id="{A7F400EE-A8A5-48AF-B4D6-291B52C6F0B0}"/>
+              </a:ext>
+              <a:ext uri="{C183D7F6-B498-43B3-948B-1728B52AA6E4}">
+                <adec:decorative xmlns:adec="http://schemas.microsoft.com/office/drawing/2017/decorative" val="1"/>
+              </a:ext>
+            </a:extLst>
+          </p:cNvPr>
+          <p:cNvCxnSpPr>
+            <a:cxnSpLocks noGrp="1" noRot="1" noChangeAspect="1" noMove="1" noResize="1" noEditPoints="1" noAdjustHandles="1" noChangeArrowheads="1" noChangeShapeType="1"/>
+          </p:cNvCxnSpPr>
+          <p:nvPr>
+            <p:extLst>
+              <p:ext uri="{386F3935-93C4-4BCD-93E2-E3B085C9AB24}">
+                <p16:designElem xmlns:p16="http://schemas.microsoft.com/office/powerpoint/2015/main" val="1"/>
+              </p:ext>
+            </p:extLst>
+          </p:nvPr>
+        </p:nvCxnSpPr>
+        <p:spPr>
+          <a:xfrm>
+            <a:off x="5080934" y="2115117"/>
+            <a:ext cx="6309360" cy="0"/>
+          </a:xfrm>
+          <a:prstGeom prst="line">
+            <a:avLst/>
+          </a:prstGeom>
+          <a:ln w="19050">
+            <a:solidFill>
+              <a:srgbClr val="9F5CFF"/>
+            </a:solidFill>
+          </a:ln>
+        </p:spPr>
+        <p:style>
+          <a:lnRef idx="1">
+            <a:schemeClr val="accent1"/>
+          </a:lnRef>
+          <a:fillRef idx="0">
+            <a:schemeClr val="accent1"/>
+          </a:fillRef>
+          <a:effectRef idx="0">
+            <a:schemeClr val="accent1"/>
+          </a:effectRef>
+          <a:fontRef idx="minor">
+            <a:schemeClr val="tx1"/>
+          </a:fontRef>
+        </p:style>
+      </p:cxnSp>
       <p:sp>
         <p:nvSpPr>
-          <p:cNvPr id="3" name="Content Placeholder 2">
-            <a:extLst>
-              <a:ext uri="{FF2B5EF4-FFF2-40B4-BE49-F238E27FC236}">
-                <a16:creationId xmlns:a16="http://schemas.microsoft.com/office/drawing/2014/main" id="{8DE81E0C-D575-BA4B-913A-6AD14EE1BAFA}"/>
+          <p:cNvPr id="10" name="Content Placeholder 9">
+            <a:extLst>
+              <a:ext uri="{FF2B5EF4-FFF2-40B4-BE49-F238E27FC236}">
+                <a16:creationId xmlns:a16="http://schemas.microsoft.com/office/drawing/2014/main" id="{FF950F42-4D2D-45AA-8291-7F254AF75AC2}"/>
               </a:ext>
             </a:extLst>
           </p:cNvPr>
@@ -3856,270 +8980,31 @@
         </p:nvSpPr>
         <p:spPr>
           <a:xfrm>
-            <a:off x="838200" y="1825625"/>
-            <a:ext cx="4947745" cy="4351338"/>
+            <a:off x="4965431" y="2438400"/>
+            <a:ext cx="6586489" cy="3785419"/>
           </a:xfrm>
         </p:spPr>
         <p:txBody>
-          <a:bodyPr/>
+          <a:bodyPr>
+            <a:normAutofit/>
+          </a:bodyPr>
           <a:lstStyle/>
           <a:p>
             <a:pPr marL="0" indent="0">
               <a:buNone/>
             </a:pPr>
             <a:r>
-              <a:rPr lang="da-DK"/>
-              <a:t>Metode 1</a:t>
-            </a:r>
-          </a:p>
-          <a:p>
-            <a:pPr marL="514350" indent="-514350">
-              <a:buFont typeface="+mj-lt"/>
-              <a:buAutoNum type="arabicPeriod"/>
-            </a:pPr>
-            <a:r>
-              <a:rPr lang="da-DK"/>
-              <a:t>Første person er nummer 1</a:t>
-            </a:r>
-          </a:p>
-          <a:p>
-            <a:pPr marL="514350" indent="-514350">
-              <a:buFont typeface="+mj-lt"/>
-              <a:buAutoNum type="arabicPeriod"/>
-            </a:pPr>
-            <a:r>
-              <a:rPr lang="da-DK"/>
-              <a:t>Nabo er nummer n+1</a:t>
-            </a:r>
-          </a:p>
-        </p:txBody>
-      </p:sp>
-      <p:sp>
-        <p:nvSpPr>
-          <p:cNvPr id="4" name="Content Placeholder 2">
-            <a:extLst>
-              <a:ext uri="{FF2B5EF4-FFF2-40B4-BE49-F238E27FC236}">
-                <a16:creationId xmlns:a16="http://schemas.microsoft.com/office/drawing/2014/main" id="{D78C4C5D-2564-7B42-B1B8-A43E45CB10BF}"/>
-              </a:ext>
-            </a:extLst>
-          </p:cNvPr>
-          <p:cNvSpPr txBox="1">
-            <a:spLocks/>
-          </p:cNvSpPr>
-          <p:nvPr/>
-        </p:nvSpPr>
-        <p:spPr>
-          <a:xfrm>
-            <a:off x="6256282" y="1825625"/>
-            <a:ext cx="4947745" cy="4351338"/>
-          </a:xfrm>
-          <a:prstGeom prst="rect">
-            <a:avLst/>
-          </a:prstGeom>
-        </p:spPr>
-        <p:txBody>
-          <a:bodyPr vert="horz" lIns="91440" tIns="45720" rIns="91440" bIns="45720" rtlCol="0">
-            <a:normAutofit/>
-          </a:bodyPr>
-          <a:lstStyle>
-            <a:lvl1pPr marL="228600" indent="-228600" algn="l" defTabSz="914400" rtl="0" eaLnBrk="1" latinLnBrk="0" hangingPunct="1">
-              <a:lnSpc>
-                <a:spcPct val="90000"/>
-              </a:lnSpc>
-              <a:spcBef>
-                <a:spcPts val="1000"/>
-              </a:spcBef>
-              <a:buFont typeface="Arial" panose="020B0604020202020204" pitchFamily="34" charset="0"/>
-              <a:buChar char="•"/>
-              <a:defRPr sz="2800" kern="1200">
-                <a:solidFill>
-                  <a:schemeClr val="tx1"/>
-                </a:solidFill>
-                <a:latin typeface="+mn-lt"/>
-                <a:ea typeface="+mn-ea"/>
-                <a:cs typeface="+mn-cs"/>
-              </a:defRPr>
-            </a:lvl1pPr>
-            <a:lvl2pPr marL="685800" indent="-228600" algn="l" defTabSz="914400" rtl="0" eaLnBrk="1" latinLnBrk="0" hangingPunct="1">
-              <a:lnSpc>
-                <a:spcPct val="90000"/>
-              </a:lnSpc>
-              <a:spcBef>
-                <a:spcPts val="500"/>
-              </a:spcBef>
-              <a:buFont typeface="Arial" panose="020B0604020202020204" pitchFamily="34" charset="0"/>
-              <a:buChar char="•"/>
-              <a:defRPr sz="2400" kern="1200">
-                <a:solidFill>
-                  <a:schemeClr val="tx1"/>
-                </a:solidFill>
-                <a:latin typeface="+mn-lt"/>
-                <a:ea typeface="+mn-ea"/>
-                <a:cs typeface="+mn-cs"/>
-              </a:defRPr>
-            </a:lvl2pPr>
-            <a:lvl3pPr marL="1143000" indent="-228600" algn="l" defTabSz="914400" rtl="0" eaLnBrk="1" latinLnBrk="0" hangingPunct="1">
-              <a:lnSpc>
-                <a:spcPct val="90000"/>
-              </a:lnSpc>
-              <a:spcBef>
-                <a:spcPts val="500"/>
-              </a:spcBef>
-              <a:buFont typeface="Arial" panose="020B0604020202020204" pitchFamily="34" charset="0"/>
-              <a:buChar char="•"/>
-              <a:defRPr sz="2000" kern="1200">
-                <a:solidFill>
-                  <a:schemeClr val="tx1"/>
-                </a:solidFill>
-                <a:latin typeface="+mn-lt"/>
-                <a:ea typeface="+mn-ea"/>
-                <a:cs typeface="+mn-cs"/>
-              </a:defRPr>
-            </a:lvl3pPr>
-            <a:lvl4pPr marL="1600200" indent="-228600" algn="l" defTabSz="914400" rtl="0" eaLnBrk="1" latinLnBrk="0" hangingPunct="1">
-              <a:lnSpc>
-                <a:spcPct val="90000"/>
-              </a:lnSpc>
-              <a:spcBef>
-                <a:spcPts val="500"/>
-              </a:spcBef>
-              <a:buFont typeface="Arial" panose="020B0604020202020204" pitchFamily="34" charset="0"/>
-              <a:buChar char="•"/>
-              <a:defRPr sz="1800" kern="1200">
-                <a:solidFill>
-                  <a:schemeClr val="tx1"/>
-                </a:solidFill>
-                <a:latin typeface="+mn-lt"/>
-                <a:ea typeface="+mn-ea"/>
-                <a:cs typeface="+mn-cs"/>
-              </a:defRPr>
-            </a:lvl4pPr>
-            <a:lvl5pPr marL="2057400" indent="-228600" algn="l" defTabSz="914400" rtl="0" eaLnBrk="1" latinLnBrk="0" hangingPunct="1">
-              <a:lnSpc>
-                <a:spcPct val="90000"/>
-              </a:lnSpc>
-              <a:spcBef>
-                <a:spcPts val="500"/>
-              </a:spcBef>
-              <a:buFont typeface="Arial" panose="020B0604020202020204" pitchFamily="34" charset="0"/>
-              <a:buChar char="•"/>
-              <a:defRPr sz="1800" kern="1200">
-                <a:solidFill>
-                  <a:schemeClr val="tx1"/>
-                </a:solidFill>
-                <a:latin typeface="+mn-lt"/>
-                <a:ea typeface="+mn-ea"/>
-                <a:cs typeface="+mn-cs"/>
-              </a:defRPr>
-            </a:lvl5pPr>
-            <a:lvl6pPr marL="2514600" indent="-228600" algn="l" defTabSz="914400" rtl="0" eaLnBrk="1" latinLnBrk="0" hangingPunct="1">
-              <a:lnSpc>
-                <a:spcPct val="90000"/>
-              </a:lnSpc>
-              <a:spcBef>
-                <a:spcPts val="500"/>
-              </a:spcBef>
-              <a:buFont typeface="Arial" panose="020B0604020202020204" pitchFamily="34" charset="0"/>
-              <a:buChar char="•"/>
-              <a:defRPr sz="1800" kern="1200">
-                <a:solidFill>
-                  <a:schemeClr val="tx1"/>
-                </a:solidFill>
-                <a:latin typeface="+mn-lt"/>
-                <a:ea typeface="+mn-ea"/>
-                <a:cs typeface="+mn-cs"/>
-              </a:defRPr>
-            </a:lvl6pPr>
-            <a:lvl7pPr marL="2971800" indent="-228600" algn="l" defTabSz="914400" rtl="0" eaLnBrk="1" latinLnBrk="0" hangingPunct="1">
-              <a:lnSpc>
-                <a:spcPct val="90000"/>
-              </a:lnSpc>
-              <a:spcBef>
-                <a:spcPts val="500"/>
-              </a:spcBef>
-              <a:buFont typeface="Arial" panose="020B0604020202020204" pitchFamily="34" charset="0"/>
-              <a:buChar char="•"/>
-              <a:defRPr sz="1800" kern="1200">
-                <a:solidFill>
-                  <a:schemeClr val="tx1"/>
-                </a:solidFill>
-                <a:latin typeface="+mn-lt"/>
-                <a:ea typeface="+mn-ea"/>
-                <a:cs typeface="+mn-cs"/>
-              </a:defRPr>
-            </a:lvl7pPr>
-            <a:lvl8pPr marL="3429000" indent="-228600" algn="l" defTabSz="914400" rtl="0" eaLnBrk="1" latinLnBrk="0" hangingPunct="1">
-              <a:lnSpc>
-                <a:spcPct val="90000"/>
-              </a:lnSpc>
-              <a:spcBef>
-                <a:spcPts val="500"/>
-              </a:spcBef>
-              <a:buFont typeface="Arial" panose="020B0604020202020204" pitchFamily="34" charset="0"/>
-              <a:buChar char="•"/>
-              <a:defRPr sz="1800" kern="1200">
-                <a:solidFill>
-                  <a:schemeClr val="tx1"/>
-                </a:solidFill>
-                <a:latin typeface="+mn-lt"/>
-                <a:ea typeface="+mn-ea"/>
-                <a:cs typeface="+mn-cs"/>
-              </a:defRPr>
-            </a:lvl8pPr>
-            <a:lvl9pPr marL="3886200" indent="-228600" algn="l" defTabSz="914400" rtl="0" eaLnBrk="1" latinLnBrk="0" hangingPunct="1">
-              <a:lnSpc>
-                <a:spcPct val="90000"/>
-              </a:lnSpc>
-              <a:spcBef>
-                <a:spcPts val="500"/>
-              </a:spcBef>
-              <a:buFont typeface="Arial" panose="020B0604020202020204" pitchFamily="34" charset="0"/>
-              <a:buChar char="•"/>
-              <a:defRPr sz="1800" kern="1200">
-                <a:solidFill>
-                  <a:schemeClr val="tx1"/>
-                </a:solidFill>
-                <a:latin typeface="+mn-lt"/>
-                <a:ea typeface="+mn-ea"/>
-                <a:cs typeface="+mn-cs"/>
-              </a:defRPr>
-            </a:lvl9pPr>
-          </a:lstStyle>
-          <a:p>
-            <a:pPr marL="0" indent="0">
-              <a:buNone/>
-            </a:pPr>
-            <a:r>
-              <a:rPr lang="da-DK"/>
-              <a:t>Metode 2:</a:t>
-            </a:r>
-          </a:p>
-          <a:p>
-            <a:pPr marL="514350" indent="-514350">
-              <a:buFont typeface="+mj-lt"/>
-              <a:buAutoNum type="arabicPeriod"/>
-            </a:pPr>
-            <a:r>
-              <a:rPr lang="da-DK"/>
-              <a:t>Tæl antal personer per række vha. Metode 1</a:t>
-            </a:r>
-          </a:p>
-          <a:p>
-            <a:pPr marL="514350" indent="-514350">
-              <a:buFont typeface="+mj-lt"/>
-              <a:buAutoNum type="arabicPeriod"/>
-            </a:pPr>
-            <a:r>
-              <a:rPr lang="da-DK"/>
-              <a:t>Sum rækkernes antal</a:t>
-            </a:r>
+              <a:rPr lang="da-DK" sz="2000" b="1"/>
+              <a:t>https://tinyurl.com/y2w4lld8</a:t>
+            </a:r>
+            <a:endParaRPr lang="en-US" sz="2000"/>
           </a:p>
         </p:txBody>
       </p:sp>
     </p:spTree>
     <p:extLst>
       <p:ext uri="{BB962C8B-B14F-4D97-AF65-F5344CB8AC3E}">
-        <p14:creationId xmlns:p14="http://schemas.microsoft.com/office/powerpoint/2010/main" val="1853152808"/>
+        <p14:creationId xmlns:p14="http://schemas.microsoft.com/office/powerpoint/2010/main" val="182606442"/>
       </p:ext>
     </p:extLst>
   </p:cSld>
@@ -4159,6 +9044,192 @@
           <p:cNvPr id="2" name="Title 1">
             <a:extLst>
               <a:ext uri="{FF2B5EF4-FFF2-40B4-BE49-F238E27FC236}">
+                <a16:creationId xmlns:a16="http://schemas.microsoft.com/office/drawing/2014/main" id="{7B5FB380-9456-2242-A014-7859697F46E7}"/>
+              </a:ext>
+            </a:extLst>
+          </p:cNvPr>
+          <p:cNvSpPr>
+            <a:spLocks noGrp="1"/>
+          </p:cNvSpPr>
+          <p:nvPr>
+            <p:ph type="title"/>
+          </p:nvPr>
+        </p:nvSpPr>
+        <p:spPr>
+          <a:xfrm>
+            <a:off x="4965430" y="629268"/>
+            <a:ext cx="6586491" cy="1286160"/>
+          </a:xfrm>
+        </p:spPr>
+        <p:txBody>
+          <a:bodyPr anchor="b">
+            <a:normAutofit/>
+          </a:bodyPr>
+          <a:lstStyle/>
+          <a:p>
+            <a:r>
+              <a:rPr lang="da-DK" sz="3400"/>
+              <a:t>Tal med din sidemand m/k og genovervej, hvad programmet gør.</a:t>
+            </a:r>
+          </a:p>
+        </p:txBody>
+      </p:sp>
+      <p:pic>
+        <p:nvPicPr>
+          <p:cNvPr id="4" name="Picture 3">
+            <a:extLst>
+              <a:ext uri="{FF2B5EF4-FFF2-40B4-BE49-F238E27FC236}">
+                <a16:creationId xmlns:a16="http://schemas.microsoft.com/office/drawing/2014/main" id="{569F5787-9F34-D147-B63F-3D04B9CDFB02}"/>
+              </a:ext>
+            </a:extLst>
+          </p:cNvPr>
+          <p:cNvPicPr>
+            <a:picLocks noChangeAspect="1"/>
+          </p:cNvPicPr>
+          <p:nvPr/>
+        </p:nvPicPr>
+        <p:blipFill rotWithShape="1">
+          <a:blip r:embed="rId2"/>
+          <a:srcRect t="1576" r="2" b="3260"/>
+          <a:stretch/>
+        </p:blipFill>
+        <p:spPr>
+          <a:xfrm>
+            <a:off x="20" y="10"/>
+            <a:ext cx="4635571" cy="6857990"/>
+          </a:xfrm>
+          <a:prstGeom prst="rect">
+            <a:avLst/>
+          </a:prstGeom>
+          <a:effectLst/>
+        </p:spPr>
+      </p:pic>
+      <p:cxnSp>
+        <p:nvCxnSpPr>
+          <p:cNvPr id="15" name="Straight Connector 14">
+            <a:extLst>
+              <a:ext uri="{FF2B5EF4-FFF2-40B4-BE49-F238E27FC236}">
+                <a16:creationId xmlns:a16="http://schemas.microsoft.com/office/drawing/2014/main" id="{A7F400EE-A8A5-48AF-B4D6-291B52C6F0B0}"/>
+              </a:ext>
+              <a:ext uri="{C183D7F6-B498-43B3-948B-1728B52AA6E4}">
+                <adec:decorative xmlns:adec="http://schemas.microsoft.com/office/drawing/2017/decorative" val="1"/>
+              </a:ext>
+            </a:extLst>
+          </p:cNvPr>
+          <p:cNvCxnSpPr>
+            <a:cxnSpLocks noGrp="1" noRot="1" noChangeAspect="1" noMove="1" noResize="1" noEditPoints="1" noAdjustHandles="1" noChangeArrowheads="1" noChangeShapeType="1"/>
+          </p:cNvCxnSpPr>
+          <p:nvPr>
+            <p:extLst>
+              <p:ext uri="{386F3935-93C4-4BCD-93E2-E3B085C9AB24}">
+                <p16:designElem xmlns:p16="http://schemas.microsoft.com/office/powerpoint/2015/main" val="1"/>
+              </p:ext>
+            </p:extLst>
+          </p:nvPr>
+        </p:nvCxnSpPr>
+        <p:spPr>
+          <a:xfrm>
+            <a:off x="5080934" y="2115117"/>
+            <a:ext cx="6309360" cy="0"/>
+          </a:xfrm>
+          <a:prstGeom prst="line">
+            <a:avLst/>
+          </a:prstGeom>
+          <a:ln w="19050">
+            <a:solidFill>
+              <a:srgbClr val="9F5CFF"/>
+            </a:solidFill>
+          </a:ln>
+        </p:spPr>
+        <p:style>
+          <a:lnRef idx="1">
+            <a:schemeClr val="accent1"/>
+          </a:lnRef>
+          <a:fillRef idx="0">
+            <a:schemeClr val="accent1"/>
+          </a:fillRef>
+          <a:effectRef idx="0">
+            <a:schemeClr val="accent1"/>
+          </a:effectRef>
+          <a:fontRef idx="minor">
+            <a:schemeClr val="tx1"/>
+          </a:fontRef>
+        </p:style>
+      </p:cxnSp>
+      <p:sp>
+        <p:nvSpPr>
+          <p:cNvPr id="10" name="Content Placeholder 9">
+            <a:extLst>
+              <a:ext uri="{FF2B5EF4-FFF2-40B4-BE49-F238E27FC236}">
+                <a16:creationId xmlns:a16="http://schemas.microsoft.com/office/drawing/2014/main" id="{FF950F42-4D2D-45AA-8291-7F254AF75AC2}"/>
+              </a:ext>
+            </a:extLst>
+          </p:cNvPr>
+          <p:cNvSpPr>
+            <a:spLocks noGrp="1"/>
+          </p:cNvSpPr>
+          <p:nvPr>
+            <p:ph idx="1"/>
+          </p:nvPr>
+        </p:nvSpPr>
+        <p:spPr>
+          <a:xfrm>
+            <a:off x="4965431" y="2438400"/>
+            <a:ext cx="6586489" cy="3785419"/>
+          </a:xfrm>
+        </p:spPr>
+        <p:txBody>
+          <a:bodyPr>
+            <a:normAutofit/>
+          </a:bodyPr>
+          <a:lstStyle/>
+          <a:p>
+            <a:pPr marL="0" indent="0">
+              <a:buNone/>
+            </a:pPr>
+            <a:r>
+              <a:rPr lang="da-DK" sz="2000" b="1"/>
+              <a:t>https://tinyurl.com/y5lvo9kn</a:t>
+            </a:r>
+            <a:endParaRPr lang="en-US" sz="2000"/>
+          </a:p>
+        </p:txBody>
+      </p:sp>
+    </p:spTree>
+    <p:extLst>
+      <p:ext uri="{BB962C8B-B14F-4D97-AF65-F5344CB8AC3E}">
+        <p14:creationId xmlns:p14="http://schemas.microsoft.com/office/powerpoint/2010/main" val="3085454763"/>
+      </p:ext>
+    </p:extLst>
+  </p:cSld>
+  <p:clrMapOvr>
+    <a:masterClrMapping/>
+  </p:clrMapOvr>
+</p:sld>
+</file>
+
+<file path=ppt/slides/slide8.xml><?xml version="1.0" encoding="utf-8"?>
+<p:sld xmlns:a="http://schemas.openxmlformats.org/drawingml/2006/main" xmlns:r="http://schemas.openxmlformats.org/officeDocument/2006/relationships" xmlns:p="http://schemas.openxmlformats.org/presentationml/2006/main">
+  <p:cSld>
+    <p:spTree>
+      <p:nvGrpSpPr>
+        <p:cNvPr id="1" name=""/>
+        <p:cNvGrpSpPr/>
+        <p:nvPr/>
+      </p:nvGrpSpPr>
+      <p:grpSpPr>
+        <a:xfrm>
+          <a:off x="0" y="0"/>
+          <a:ext cx="0" cy="0"/>
+          <a:chOff x="0" y="0"/>
+          <a:chExt cx="0" cy="0"/>
+        </a:xfrm>
+      </p:grpSpPr>
+      <p:sp>
+        <p:nvSpPr>
+          <p:cNvPr id="2" name="Title 1">
+            <a:extLst>
+              <a:ext uri="{FF2B5EF4-FFF2-40B4-BE49-F238E27FC236}">
                 <a16:creationId xmlns:a16="http://schemas.microsoft.com/office/drawing/2014/main" id="{6B7B5506-8EDB-D847-8FE9-3643EB4D4F62}"/>
               </a:ext>
             </a:extLst>
@@ -4240,14 +9311,44 @@
               <a:t>Kommunikation</a:t>
             </a:r>
           </a:p>
+          <a:p>
+            <a:pPr marL="0" indent="0">
+              <a:buNone/>
+            </a:pPr>
+            <a:endParaRPr lang="da-DK" sz="2000" dirty="0"/>
+          </a:p>
+          <a:p>
+            <a:r>
+              <a:rPr lang="da-DK" sz="2000" dirty="0"/>
+              <a:t>Initial starttilstand</a:t>
+            </a:r>
+          </a:p>
+          <a:p>
+            <a:r>
+              <a:rPr lang="da-DK" sz="2000" dirty="0"/>
+              <a:t>Betingelser</a:t>
+            </a:r>
+          </a:p>
+          <a:p>
+            <a:r>
+              <a:rPr lang="da-DK" sz="2000" dirty="0"/>
+              <a:t>Udtryk</a:t>
+            </a:r>
+          </a:p>
+          <a:p>
+            <a:r>
+              <a:rPr lang="da-DK" sz="2000" dirty="0"/>
+              <a:t>Tilfældigt tal</a:t>
+            </a:r>
+          </a:p>
         </p:txBody>
       </p:sp>
       <p:pic>
         <p:nvPicPr>
-          <p:cNvPr id="4" name="Picture 3">
-            <a:extLst>
-              <a:ext uri="{FF2B5EF4-FFF2-40B4-BE49-F238E27FC236}">
-                <a16:creationId xmlns:a16="http://schemas.microsoft.com/office/drawing/2014/main" id="{A86A9A14-A4C5-A24A-A395-7AFD697F2029}"/>
+          <p:cNvPr id="6" name="Picture 5">
+            <a:extLst>
+              <a:ext uri="{FF2B5EF4-FFF2-40B4-BE49-F238E27FC236}">
+                <a16:creationId xmlns:a16="http://schemas.microsoft.com/office/drawing/2014/main" id="{DBA5FD67-B58E-5B47-9510-3467F1E35C76}"/>
               </a:ext>
             </a:extLst>
           </p:cNvPr>
@@ -4258,7 +9359,7 @@
         </p:nvPicPr>
         <p:blipFill rotWithShape="1">
           <a:blip r:embed="rId2"/>
-          <a:srcRect r="3182" b="-1"/>
+          <a:srcRect t="2127" r="-2" b="1172"/>
           <a:stretch/>
         </p:blipFill>
         <p:spPr>
@@ -4272,155 +9373,46 @@
           <a:effectLst/>
         </p:spPr>
       </p:pic>
+      <p:cxnSp>
+        <p:nvCxnSpPr>
+          <p:cNvPr id="8" name="Straight Connector 7">
+            <a:extLst>
+              <a:ext uri="{FF2B5EF4-FFF2-40B4-BE49-F238E27FC236}">
+                <a16:creationId xmlns:a16="http://schemas.microsoft.com/office/drawing/2014/main" id="{C2060383-286E-E84D-B7A6-3D64823B2436}"/>
+              </a:ext>
+            </a:extLst>
+          </p:cNvPr>
+          <p:cNvCxnSpPr/>
+          <p:nvPr/>
+        </p:nvCxnSpPr>
+        <p:spPr>
+          <a:xfrm>
+            <a:off x="748146" y="4239491"/>
+            <a:ext cx="4156364" cy="0"/>
+          </a:xfrm>
+          <a:prstGeom prst="line">
+            <a:avLst/>
+          </a:prstGeom>
+        </p:spPr>
+        <p:style>
+          <a:lnRef idx="1">
+            <a:schemeClr val="accent1"/>
+          </a:lnRef>
+          <a:fillRef idx="0">
+            <a:schemeClr val="accent1"/>
+          </a:fillRef>
+          <a:effectRef idx="0">
+            <a:schemeClr val="accent1"/>
+          </a:effectRef>
+          <a:fontRef idx="minor">
+            <a:schemeClr val="tx1"/>
+          </a:fontRef>
+        </p:style>
+      </p:cxnSp>
     </p:spTree>
     <p:extLst>
       <p:ext uri="{BB962C8B-B14F-4D97-AF65-F5344CB8AC3E}">
-        <p14:creationId xmlns:p14="http://schemas.microsoft.com/office/powerpoint/2010/main" val="4121573176"/>
-      </p:ext>
-    </p:extLst>
-  </p:cSld>
-  <p:clrMapOvr>
-    <a:masterClrMapping/>
-  </p:clrMapOvr>
-</p:sld>
-</file>
-
-<file path=ppt/slides/slide8.xml><?xml version="1.0" encoding="utf-8"?>
-<p:sld xmlns:a="http://schemas.openxmlformats.org/drawingml/2006/main" xmlns:r="http://schemas.openxmlformats.org/officeDocument/2006/relationships" xmlns:p="http://schemas.openxmlformats.org/presentationml/2006/main">
-  <p:cSld>
-    <p:bg>
-      <p:bgPr>
-        <a:solidFill>
-          <a:schemeClr val="bg1"/>
-        </a:solidFill>
-        <a:effectLst/>
-      </p:bgPr>
-    </p:bg>
-    <p:spTree>
-      <p:nvGrpSpPr>
-        <p:cNvPr id="1" name=""/>
-        <p:cNvGrpSpPr/>
-        <p:nvPr/>
-      </p:nvGrpSpPr>
-      <p:grpSpPr>
-        <a:xfrm>
-          <a:off x="0" y="0"/>
-          <a:ext cx="0" cy="0"/>
-          <a:chOff x="0" y="0"/>
-          <a:chExt cx="0" cy="0"/>
-        </a:xfrm>
-      </p:grpSpPr>
-      <p:sp>
-        <p:nvSpPr>
-          <p:cNvPr id="2" name="Title 1">
-            <a:extLst>
-              <a:ext uri="{FF2B5EF4-FFF2-40B4-BE49-F238E27FC236}">
-                <a16:creationId xmlns:a16="http://schemas.microsoft.com/office/drawing/2014/main" id="{7B5FB380-9456-2242-A014-7859697F46E7}"/>
-              </a:ext>
-            </a:extLst>
-          </p:cNvPr>
-          <p:cNvSpPr>
-            <a:spLocks noGrp="1"/>
-          </p:cNvSpPr>
-          <p:nvPr>
-            <p:ph type="title"/>
-          </p:nvPr>
-        </p:nvSpPr>
-        <p:spPr>
-          <a:xfrm>
-            <a:off x="648929" y="629266"/>
-            <a:ext cx="5127031" cy="1676603"/>
-          </a:xfrm>
-        </p:spPr>
-        <p:txBody>
-          <a:bodyPr>
-            <a:normAutofit/>
-          </a:bodyPr>
-          <a:lstStyle/>
-          <a:p>
-            <a:r>
-              <a:rPr lang="da-DK"/>
-              <a:t>Hvad gør programmet</a:t>
-            </a:r>
-            <a:r>
-              <a:rPr lang="da-DK" dirty="0"/>
-              <a:t>?</a:t>
-            </a:r>
-          </a:p>
-        </p:txBody>
-      </p:sp>
-      <p:sp>
-        <p:nvSpPr>
-          <p:cNvPr id="10" name="Content Placeholder 9">
-            <a:extLst>
-              <a:ext uri="{FF2B5EF4-FFF2-40B4-BE49-F238E27FC236}">
-                <a16:creationId xmlns:a16="http://schemas.microsoft.com/office/drawing/2014/main" id="{FF950F42-4D2D-45AA-8291-7F254AF75AC2}"/>
-              </a:ext>
-            </a:extLst>
-          </p:cNvPr>
-          <p:cNvSpPr>
-            <a:spLocks noGrp="1"/>
-          </p:cNvSpPr>
-          <p:nvPr>
-            <p:ph idx="1"/>
-          </p:nvPr>
-        </p:nvSpPr>
-        <p:spPr>
-          <a:xfrm>
-            <a:off x="648930" y="2438400"/>
-            <a:ext cx="5127029" cy="3785419"/>
-          </a:xfrm>
-        </p:spPr>
-        <p:txBody>
-          <a:bodyPr>
-            <a:normAutofit/>
-          </a:bodyPr>
-          <a:lstStyle/>
-          <a:p>
-            <a:pPr marL="0" indent="0">
-              <a:buNone/>
-            </a:pPr>
-            <a:r>
-              <a:rPr lang="en-US" sz="3200" dirty="0"/>
-              <a:t>SOCRATIVE: SPORRING</a:t>
-            </a:r>
-          </a:p>
-        </p:txBody>
-      </p:sp>
-      <p:pic>
-        <p:nvPicPr>
-          <p:cNvPr id="8" name="Content Placeholder 4">
-            <a:extLst>
-              <a:ext uri="{FF2B5EF4-FFF2-40B4-BE49-F238E27FC236}">
-                <a16:creationId xmlns:a16="http://schemas.microsoft.com/office/drawing/2014/main" id="{6BCFB06B-4CBF-C14A-95F8-3307220A5D4E}"/>
-              </a:ext>
-            </a:extLst>
-          </p:cNvPr>
-          <p:cNvPicPr>
-            <a:picLocks noChangeAspect="1"/>
-          </p:cNvPicPr>
-          <p:nvPr/>
-        </p:nvPicPr>
-        <p:blipFill rotWithShape="1">
-          <a:blip r:embed="rId2"/>
-          <a:srcRect t="4347" r="2" b="4437"/>
-          <a:stretch/>
-        </p:blipFill>
-        <p:spPr>
-          <a:xfrm>
-            <a:off x="6090612" y="10"/>
-            <a:ext cx="6101387" cy="6857990"/>
-          </a:xfrm>
-          <a:prstGeom prst="rect">
-            <a:avLst/>
-          </a:prstGeom>
-          <a:effectLst/>
-        </p:spPr>
-      </p:pic>
-    </p:spTree>
-    <p:extLst>
-      <p:ext uri="{BB962C8B-B14F-4D97-AF65-F5344CB8AC3E}">
-        <p14:creationId xmlns:p14="http://schemas.microsoft.com/office/powerpoint/2010/main" val="182606442"/>
+        <p14:creationId xmlns:p14="http://schemas.microsoft.com/office/powerpoint/2010/main" val="377563759"/>
       </p:ext>
     </p:extLst>
   </p:cSld>
@@ -4452,7 +9444,7 @@
           <p:cNvPr id="2" name="Title 1">
             <a:extLst>
               <a:ext uri="{FF2B5EF4-FFF2-40B4-BE49-F238E27FC236}">
-                <a16:creationId xmlns:a16="http://schemas.microsoft.com/office/drawing/2014/main" id="{0ACBB10D-A260-F941-8B71-00F8F1DB22DC}"/>
+                <a16:creationId xmlns:a16="http://schemas.microsoft.com/office/drawing/2014/main" id="{55A2F5AF-8BD8-3448-ABDA-9E48E8740D19}"/>
               </a:ext>
             </a:extLst>
           </p:cNvPr>
@@ -4470,40 +9462,44 @@
           <a:p>
             <a:r>
               <a:rPr lang="en-GB" dirty="0"/>
-              <a:t>Online programming…</a:t>
+              <a:t>Motion detection: What does it do?</a:t>
             </a:r>
           </a:p>
         </p:txBody>
       </p:sp>
-      <p:sp>
-        <p:nvSpPr>
-          <p:cNvPr id="3" name="Content Placeholder 2">
-            <a:extLst>
-              <a:ext uri="{FF2B5EF4-FFF2-40B4-BE49-F238E27FC236}">
-                <a16:creationId xmlns:a16="http://schemas.microsoft.com/office/drawing/2014/main" id="{19372C29-81C6-9F40-B8C8-8C83CEE68784}"/>
-              </a:ext>
-            </a:extLst>
-          </p:cNvPr>
-          <p:cNvSpPr>
-            <a:spLocks noGrp="1"/>
-          </p:cNvSpPr>
+      <p:pic>
+        <p:nvPicPr>
+          <p:cNvPr id="9" name="Content Placeholder 8">
+            <a:extLst>
+              <a:ext uri="{FF2B5EF4-FFF2-40B4-BE49-F238E27FC236}">
+                <a16:creationId xmlns:a16="http://schemas.microsoft.com/office/drawing/2014/main" id="{0D424175-6AAE-6346-978F-DA1385AA25EF}"/>
+              </a:ext>
+            </a:extLst>
+          </p:cNvPr>
+          <p:cNvPicPr>
+            <a:picLocks noGrp="1" noChangeAspect="1"/>
+          </p:cNvPicPr>
           <p:nvPr>
             <p:ph idx="1"/>
           </p:nvPr>
-        </p:nvSpPr>
-        <p:spPr/>
-        <p:txBody>
-          <a:bodyPr/>
-          <a:lstStyle/>
-          <a:p>
-            <a:endParaRPr lang="en-GB"/>
-          </a:p>
-        </p:txBody>
-      </p:sp>
+        </p:nvPicPr>
+        <p:blipFill>
+          <a:blip r:embed="rId2"/>
+          <a:stretch>
+            <a:fillRect/>
+          </a:stretch>
+        </p:blipFill>
+        <p:spPr>
+          <a:xfrm>
+            <a:off x="1445419" y="1690688"/>
+            <a:ext cx="9301162" cy="5167312"/>
+          </a:xfrm>
+        </p:spPr>
+      </p:pic>
     </p:spTree>
     <p:extLst>
       <p:ext uri="{BB962C8B-B14F-4D97-AF65-F5344CB8AC3E}">
-        <p14:creationId xmlns:p14="http://schemas.microsoft.com/office/powerpoint/2010/main" val="1754232616"/>
+        <p14:creationId xmlns:p14="http://schemas.microsoft.com/office/powerpoint/2010/main" val="657040546"/>
       </p:ext>
     </p:extLst>
   </p:cSld>
@@ -4806,4 +9802,299 @@
     </a:ext>
   </a:extLst>
 </a:theme>
+</file>
+
+<file path=ppt/theme/theme2.xml><?xml version="1.0" encoding="utf-8"?>
+<a:theme xmlns:a="http://schemas.openxmlformats.org/drawingml/2006/main" name="Office Theme">
+  <a:themeElements>
+    <a:clrScheme name="Office">
+      <a:dk1>
+        <a:sysClr val="windowText" lastClr="000000"/>
+      </a:dk1>
+      <a:lt1>
+        <a:sysClr val="window" lastClr="FFFFFF"/>
+      </a:lt1>
+      <a:dk2>
+        <a:srgbClr val="44546A"/>
+      </a:dk2>
+      <a:lt2>
+        <a:srgbClr val="E7E6E6"/>
+      </a:lt2>
+      <a:accent1>
+        <a:srgbClr val="4472C4"/>
+      </a:accent1>
+      <a:accent2>
+        <a:srgbClr val="ED7D31"/>
+      </a:accent2>
+      <a:accent3>
+        <a:srgbClr val="A5A5A5"/>
+      </a:accent3>
+      <a:accent4>
+        <a:srgbClr val="FFC000"/>
+      </a:accent4>
+      <a:accent5>
+        <a:srgbClr val="5B9BD5"/>
+      </a:accent5>
+      <a:accent6>
+        <a:srgbClr val="70AD47"/>
+      </a:accent6>
+      <a:hlink>
+        <a:srgbClr val="0563C1"/>
+      </a:hlink>
+      <a:folHlink>
+        <a:srgbClr val="954F72"/>
+      </a:folHlink>
+    </a:clrScheme>
+    <a:fontScheme name="Office">
+      <a:majorFont>
+        <a:latin typeface="Calibri Light" panose="020F0302020204030204"/>
+        <a:ea typeface=""/>
+        <a:cs typeface=""/>
+        <a:font script="Jpan" typeface="游ゴシック Light"/>
+        <a:font script="Hang" typeface="맑은 고딕"/>
+        <a:font script="Hans" typeface="等线 Light"/>
+        <a:font script="Hant" typeface="新細明體"/>
+        <a:font script="Arab" typeface="Times New Roman"/>
+        <a:font script="Hebr" typeface="Times New Roman"/>
+        <a:font script="Thai" typeface="Angsana New"/>
+        <a:font script="Ethi" typeface="Nyala"/>
+        <a:font script="Beng" typeface="Vrinda"/>
+        <a:font script="Gujr" typeface="Shruti"/>
+        <a:font script="Khmr" typeface="MoolBoran"/>
+        <a:font script="Knda" typeface="Tunga"/>
+        <a:font script="Guru" typeface="Raavi"/>
+        <a:font script="Cans" typeface="Euphemia"/>
+        <a:font script="Cher" typeface="Plantagenet Cherokee"/>
+        <a:font script="Yiii" typeface="Microsoft Yi Baiti"/>
+        <a:font script="Tibt" typeface="Microsoft Himalaya"/>
+        <a:font script="Thaa" typeface="MV Boli"/>
+        <a:font script="Deva" typeface="Mangal"/>
+        <a:font script="Telu" typeface="Gautami"/>
+        <a:font script="Taml" typeface="Latha"/>
+        <a:font script="Syrc" typeface="Estrangelo Edessa"/>
+        <a:font script="Orya" typeface="Kalinga"/>
+        <a:font script="Mlym" typeface="Kartika"/>
+        <a:font script="Laoo" typeface="DokChampa"/>
+        <a:font script="Sinh" typeface="Iskoola Pota"/>
+        <a:font script="Mong" typeface="Mongolian Baiti"/>
+        <a:font script="Viet" typeface="Times New Roman"/>
+        <a:font script="Uigh" typeface="Microsoft Uighur"/>
+        <a:font script="Geor" typeface="Sylfaen"/>
+        <a:font script="Armn" typeface="Arial"/>
+        <a:font script="Bugi" typeface="Leelawadee UI"/>
+        <a:font script="Bopo" typeface="Microsoft JhengHei"/>
+        <a:font script="Java" typeface="Javanese Text"/>
+        <a:font script="Lisu" typeface="Segoe UI"/>
+        <a:font script="Mymr" typeface="Myanmar Text"/>
+        <a:font script="Nkoo" typeface="Ebrima"/>
+        <a:font script="Olck" typeface="Nirmala UI"/>
+        <a:font script="Osma" typeface="Ebrima"/>
+        <a:font script="Phag" typeface="Phagspa"/>
+        <a:font script="Syrn" typeface="Estrangelo Edessa"/>
+        <a:font script="Syrj" typeface="Estrangelo Edessa"/>
+        <a:font script="Syre" typeface="Estrangelo Edessa"/>
+        <a:font script="Sora" typeface="Nirmala UI"/>
+        <a:font script="Tale" typeface="Microsoft Tai Le"/>
+        <a:font script="Talu" typeface="Microsoft New Tai Lue"/>
+        <a:font script="Tfng" typeface="Ebrima"/>
+      </a:majorFont>
+      <a:minorFont>
+        <a:latin typeface="Calibri" panose="020F0502020204030204"/>
+        <a:ea typeface=""/>
+        <a:cs typeface=""/>
+        <a:font script="Jpan" typeface="游ゴシック"/>
+        <a:font script="Hang" typeface="맑은 고딕"/>
+        <a:font script="Hans" typeface="等线"/>
+        <a:font script="Hant" typeface="新細明體"/>
+        <a:font script="Arab" typeface="Arial"/>
+        <a:font script="Hebr" typeface="Arial"/>
+        <a:font script="Thai" typeface="Cordia New"/>
+        <a:font script="Ethi" typeface="Nyala"/>
+        <a:font script="Beng" typeface="Vrinda"/>
+        <a:font script="Gujr" typeface="Shruti"/>
+        <a:font script="Khmr" typeface="DaunPenh"/>
+        <a:font script="Knda" typeface="Tunga"/>
+        <a:font script="Guru" typeface="Raavi"/>
+        <a:font script="Cans" typeface="Euphemia"/>
+        <a:font script="Cher" typeface="Plantagenet Cherokee"/>
+        <a:font script="Yiii" typeface="Microsoft Yi Baiti"/>
+        <a:font script="Tibt" typeface="Microsoft Himalaya"/>
+        <a:font script="Thaa" typeface="MV Boli"/>
+        <a:font script="Deva" typeface="Mangal"/>
+        <a:font script="Telu" typeface="Gautami"/>
+        <a:font script="Taml" typeface="Latha"/>
+        <a:font script="Syrc" typeface="Estrangelo Edessa"/>
+        <a:font script="Orya" typeface="Kalinga"/>
+        <a:font script="Mlym" typeface="Kartika"/>
+        <a:font script="Laoo" typeface="DokChampa"/>
+        <a:font script="Sinh" typeface="Iskoola Pota"/>
+        <a:font script="Mong" typeface="Mongolian Baiti"/>
+        <a:font script="Viet" typeface="Arial"/>
+        <a:font script="Uigh" typeface="Microsoft Uighur"/>
+        <a:font script="Geor" typeface="Sylfaen"/>
+        <a:font script="Armn" typeface="Arial"/>
+        <a:font script="Bugi" typeface="Leelawadee UI"/>
+        <a:font script="Bopo" typeface="Microsoft JhengHei"/>
+        <a:font script="Java" typeface="Javanese Text"/>
+        <a:font script="Lisu" typeface="Segoe UI"/>
+        <a:font script="Mymr" typeface="Myanmar Text"/>
+        <a:font script="Nkoo" typeface="Ebrima"/>
+        <a:font script="Olck" typeface="Nirmala UI"/>
+        <a:font script="Osma" typeface="Ebrima"/>
+        <a:font script="Phag" typeface="Phagspa"/>
+        <a:font script="Syrn" typeface="Estrangelo Edessa"/>
+        <a:font script="Syrj" typeface="Estrangelo Edessa"/>
+        <a:font script="Syre" typeface="Estrangelo Edessa"/>
+        <a:font script="Sora" typeface="Nirmala UI"/>
+        <a:font script="Tale" typeface="Microsoft Tai Le"/>
+        <a:font script="Talu" typeface="Microsoft New Tai Lue"/>
+        <a:font script="Tfng" typeface="Ebrima"/>
+      </a:minorFont>
+    </a:fontScheme>
+    <a:fmtScheme name="Office">
+      <a:fillStyleLst>
+        <a:solidFill>
+          <a:schemeClr val="phClr"/>
+        </a:solidFill>
+        <a:gradFill rotWithShape="1">
+          <a:gsLst>
+            <a:gs pos="0">
+              <a:schemeClr val="phClr">
+                <a:lumMod val="110000"/>
+                <a:satMod val="105000"/>
+                <a:tint val="67000"/>
+              </a:schemeClr>
+            </a:gs>
+            <a:gs pos="50000">
+              <a:schemeClr val="phClr">
+                <a:lumMod val="105000"/>
+                <a:satMod val="103000"/>
+                <a:tint val="73000"/>
+              </a:schemeClr>
+            </a:gs>
+            <a:gs pos="100000">
+              <a:schemeClr val="phClr">
+                <a:lumMod val="105000"/>
+                <a:satMod val="109000"/>
+                <a:tint val="81000"/>
+              </a:schemeClr>
+            </a:gs>
+          </a:gsLst>
+          <a:lin ang="5400000" scaled="0"/>
+        </a:gradFill>
+        <a:gradFill rotWithShape="1">
+          <a:gsLst>
+            <a:gs pos="0">
+              <a:schemeClr val="phClr">
+                <a:satMod val="103000"/>
+                <a:lumMod val="102000"/>
+                <a:tint val="94000"/>
+              </a:schemeClr>
+            </a:gs>
+            <a:gs pos="50000">
+              <a:schemeClr val="phClr">
+                <a:satMod val="110000"/>
+                <a:lumMod val="100000"/>
+                <a:shade val="100000"/>
+              </a:schemeClr>
+            </a:gs>
+            <a:gs pos="100000">
+              <a:schemeClr val="phClr">
+                <a:lumMod val="99000"/>
+                <a:satMod val="120000"/>
+                <a:shade val="78000"/>
+              </a:schemeClr>
+            </a:gs>
+          </a:gsLst>
+          <a:lin ang="5400000" scaled="0"/>
+        </a:gradFill>
+      </a:fillStyleLst>
+      <a:lnStyleLst>
+        <a:ln w="6350" cap="flat" cmpd="sng" algn="ctr">
+          <a:solidFill>
+            <a:schemeClr val="phClr"/>
+          </a:solidFill>
+          <a:prstDash val="solid"/>
+          <a:miter lim="800000"/>
+        </a:ln>
+        <a:ln w="12700" cap="flat" cmpd="sng" algn="ctr">
+          <a:solidFill>
+            <a:schemeClr val="phClr"/>
+          </a:solidFill>
+          <a:prstDash val="solid"/>
+          <a:miter lim="800000"/>
+        </a:ln>
+        <a:ln w="19050" cap="flat" cmpd="sng" algn="ctr">
+          <a:solidFill>
+            <a:schemeClr val="phClr"/>
+          </a:solidFill>
+          <a:prstDash val="solid"/>
+          <a:miter lim="800000"/>
+        </a:ln>
+      </a:lnStyleLst>
+      <a:effectStyleLst>
+        <a:effectStyle>
+          <a:effectLst/>
+        </a:effectStyle>
+        <a:effectStyle>
+          <a:effectLst/>
+        </a:effectStyle>
+        <a:effectStyle>
+          <a:effectLst>
+            <a:outerShdw blurRad="57150" dist="19050" dir="5400000" algn="ctr" rotWithShape="0">
+              <a:srgbClr val="000000">
+                <a:alpha val="63000"/>
+              </a:srgbClr>
+            </a:outerShdw>
+          </a:effectLst>
+        </a:effectStyle>
+      </a:effectStyleLst>
+      <a:bgFillStyleLst>
+        <a:solidFill>
+          <a:schemeClr val="phClr"/>
+        </a:solidFill>
+        <a:solidFill>
+          <a:schemeClr val="phClr">
+            <a:tint val="95000"/>
+            <a:satMod val="170000"/>
+          </a:schemeClr>
+        </a:solidFill>
+        <a:gradFill rotWithShape="1">
+          <a:gsLst>
+            <a:gs pos="0">
+              <a:schemeClr val="phClr">
+                <a:tint val="93000"/>
+                <a:satMod val="150000"/>
+                <a:shade val="98000"/>
+                <a:lumMod val="102000"/>
+              </a:schemeClr>
+            </a:gs>
+            <a:gs pos="50000">
+              <a:schemeClr val="phClr">
+                <a:tint val="98000"/>
+                <a:satMod val="130000"/>
+                <a:shade val="90000"/>
+                <a:lumMod val="103000"/>
+              </a:schemeClr>
+            </a:gs>
+            <a:gs pos="100000">
+              <a:schemeClr val="phClr">
+                <a:shade val="63000"/>
+                <a:satMod val="120000"/>
+              </a:schemeClr>
+            </a:gs>
+          </a:gsLst>
+          <a:lin ang="5400000" scaled="0"/>
+        </a:gradFill>
+      </a:bgFillStyleLst>
+    </a:fmtScheme>
+  </a:themeElements>
+  <a:objectDefaults/>
+  <a:extraClrSchemeLst/>
+  <a:extLst>
+    <a:ext uri="{05A4C25C-085E-4340-85A3-A5531E510DB2}">
+      <thm15:themeFamily xmlns:thm15="http://schemas.microsoft.com/office/thememl/2012/main" name="Office Theme" id="{62F939B6-93AF-4DB8-9C6B-D6C7DFDC589F}" vid="{4A3C46E8-61CC-4603-A589-7422A47A8E4A}"/>
+    </a:ext>
+  </a:extLst>
+</a:theme>
 </file>
--- a/lectures/1.2Scratch/lecture.pptx
+++ b/lectures/1.2Scratch/lecture.pptx
@@ -5,24 +5,25 @@
     <p:sldMasterId id="2147483648" r:id="rId1"/>
   </p:sldMasterIdLst>
   <p:notesMasterIdLst>
-    <p:notesMasterId r:id="rId17"/>
+    <p:notesMasterId r:id="rId18"/>
   </p:notesMasterIdLst>
   <p:sldIdLst>
     <p:sldId id="256" r:id="rId2"/>
     <p:sldId id="277" r:id="rId3"/>
-    <p:sldId id="278" r:id="rId4"/>
+    <p:sldId id="284" r:id="rId4"/>
     <p:sldId id="276" r:id="rId5"/>
-    <p:sldId id="265" r:id="rId6"/>
-    <p:sldId id="260" r:id="rId7"/>
-    <p:sldId id="279" r:id="rId8"/>
-    <p:sldId id="266" r:id="rId9"/>
-    <p:sldId id="267" r:id="rId10"/>
-    <p:sldId id="268" r:id="rId11"/>
-    <p:sldId id="269" r:id="rId12"/>
-    <p:sldId id="270" r:id="rId13"/>
-    <p:sldId id="271" r:id="rId14"/>
-    <p:sldId id="272" r:id="rId15"/>
-    <p:sldId id="275" r:id="rId16"/>
+    <p:sldId id="260" r:id="rId6"/>
+    <p:sldId id="279" r:id="rId7"/>
+    <p:sldId id="280" r:id="rId8"/>
+    <p:sldId id="267" r:id="rId9"/>
+    <p:sldId id="268" r:id="rId10"/>
+    <p:sldId id="281" r:id="rId11"/>
+    <p:sldId id="282" r:id="rId12"/>
+    <p:sldId id="283" r:id="rId13"/>
+    <p:sldId id="269" r:id="rId14"/>
+    <p:sldId id="270" r:id="rId15"/>
+    <p:sldId id="271" r:id="rId16"/>
+    <p:sldId id="272" r:id="rId17"/>
   </p:sldIdLst>
   <p:sldSz cx="12192000" cy="6858000"/>
   <p:notesSz cx="6858000" cy="9144000"/>
@@ -4206,7 +4207,7 @@
           <a:p>
             <a:fld id="{186431B5-AB57-3E4A-80D5-B6800CF8539B}" type="slidenum">
               <a:rPr lang="en-GB" smtClean="0"/>
-              <a:t>14</a:t>
+              <a:t>16</a:t>
             </a:fld>
             <a:endParaRPr lang="en-GB"/>
           </a:p>
@@ -7570,39 +7571,23 @@
         </p:spPr>
         <p:txBody>
           <a:bodyPr>
-            <a:normAutofit fontScale="90000"/>
+            <a:normAutofit/>
           </a:bodyPr>
           <a:lstStyle/>
           <a:p>
             <a:r>
               <a:rPr lang="da-DK" dirty="0"/>
-              <a:t>Hvad gør programmet? </a:t>
-            </a:r>
-            <a:r>
-              <a:rPr lang="da-DK" dirty="0" err="1"/>
-              <a:t>https</a:t>
-            </a:r>
-            <a:r>
-              <a:rPr lang="da-DK" dirty="0"/>
-              <a:t>://</a:t>
-            </a:r>
-            <a:r>
-              <a:rPr lang="da-DK" dirty="0" err="1"/>
-              <a:t>tinyurl.com</a:t>
-            </a:r>
-            <a:r>
-              <a:rPr lang="da-DK" dirty="0"/>
-              <a:t>/y7b9zdb6</a:t>
+              <a:t>Fejl rettet</a:t>
             </a:r>
           </a:p>
         </p:txBody>
       </p:sp>
       <p:pic>
         <p:nvPicPr>
-          <p:cNvPr id="9" name="Picture 8">
-            <a:extLst>
-              <a:ext uri="{FF2B5EF4-FFF2-40B4-BE49-F238E27FC236}">
-                <a16:creationId xmlns:a16="http://schemas.microsoft.com/office/drawing/2014/main" id="{C244DE6E-0C20-FE43-BB59-0AD6A365D277}"/>
+          <p:cNvPr id="5" name="Picture 4">
+            <a:extLst>
+              <a:ext uri="{FF2B5EF4-FFF2-40B4-BE49-F238E27FC236}">
+                <a16:creationId xmlns:a16="http://schemas.microsoft.com/office/drawing/2014/main" id="{4183D272-F186-5340-9CDB-2851F9FB1FE4}"/>
               </a:ext>
             </a:extLst>
           </p:cNvPr>
@@ -7619,8 +7604,8 @@
         </p:blipFill>
         <p:spPr>
           <a:xfrm>
-            <a:off x="1246909" y="1409244"/>
-            <a:ext cx="8245689" cy="5446693"/>
+            <a:off x="2202798" y="1191490"/>
+            <a:ext cx="7289800" cy="5575300"/>
           </a:xfrm>
           <a:prstGeom prst="rect">
             <a:avLst/>
@@ -7630,7 +7615,7 @@
     </p:spTree>
     <p:extLst>
       <p:ext uri="{BB962C8B-B14F-4D97-AF65-F5344CB8AC3E}">
-        <p14:creationId xmlns:p14="http://schemas.microsoft.com/office/powerpoint/2010/main" val="997589489"/>
+        <p14:creationId xmlns:p14="http://schemas.microsoft.com/office/powerpoint/2010/main" val="4260691248"/>
       </p:ext>
     </p:extLst>
   </p:cSld>
@@ -7662,7 +7647,7 @@
           <p:cNvPr id="2" name="Title 1">
             <a:extLst>
               <a:ext uri="{FF2B5EF4-FFF2-40B4-BE49-F238E27FC236}">
-                <a16:creationId xmlns:a16="http://schemas.microsoft.com/office/drawing/2014/main" id="{0ACBB10D-A260-F941-8B71-00F8F1DB22DC}"/>
+                <a16:creationId xmlns:a16="http://schemas.microsoft.com/office/drawing/2014/main" id="{7B5FB380-9456-2242-A014-7859697F46E7}"/>
               </a:ext>
             </a:extLst>
           </p:cNvPr>
@@ -7675,88 +7660,58 @@
         </p:nvSpPr>
         <p:spPr>
           <a:xfrm>
-            <a:off x="838199" y="365125"/>
-            <a:ext cx="10965873" cy="1325563"/>
+            <a:off x="0" y="-1"/>
+            <a:ext cx="9492598" cy="1191491"/>
           </a:xfrm>
         </p:spPr>
         <p:txBody>
-          <a:bodyPr/>
+          <a:bodyPr>
+            <a:normAutofit/>
+          </a:bodyPr>
           <a:lstStyle/>
           <a:p>
             <a:r>
-              <a:rPr lang="en-GB" dirty="0"/>
-              <a:t>Online programming: Collect computers</a:t>
-            </a:r>
+              <a:rPr lang="da-DK" dirty="0" err="1"/>
+              <a:t>Cloning</a:t>
+            </a:r>
+            <a:endParaRPr lang="da-DK" dirty="0"/>
           </a:p>
         </p:txBody>
       </p:sp>
-      <p:sp>
-        <p:nvSpPr>
-          <p:cNvPr id="3" name="Content Placeholder 2">
-            <a:extLst>
-              <a:ext uri="{FF2B5EF4-FFF2-40B4-BE49-F238E27FC236}">
-                <a16:creationId xmlns:a16="http://schemas.microsoft.com/office/drawing/2014/main" id="{19372C29-81C6-9F40-B8C8-8C83CEE68784}"/>
-              </a:ext>
-            </a:extLst>
-          </p:cNvPr>
-          <p:cNvSpPr>
-            <a:spLocks noGrp="1"/>
-          </p:cNvSpPr>
-          <p:nvPr>
-            <p:ph idx="1"/>
-          </p:nvPr>
-        </p:nvSpPr>
-        <p:spPr/>
-        <p:txBody>
-          <a:bodyPr/>
-          <a:lstStyle/>
-          <a:p>
-            <a:r>
-              <a:rPr lang="da-DK" dirty="0"/>
-              <a:t>Bruger kontrollerer </a:t>
-            </a:r>
-            <a:r>
-              <a:rPr lang="da-DK" dirty="0" err="1"/>
-              <a:t>playable-character</a:t>
-            </a:r>
-            <a:r>
-              <a:rPr lang="da-DK" dirty="0"/>
-              <a:t> (pc)</a:t>
-            </a:r>
-          </a:p>
-          <a:p>
-            <a:r>
-              <a:rPr lang="da-DK" dirty="0"/>
-              <a:t>Objekt placeres tilfældigt på skærmen</a:t>
-            </a:r>
-          </a:p>
-          <a:p>
-            <a:r>
-              <a:rPr lang="da-DK" dirty="0"/>
-              <a:t>Bruger får point, når pc rammer objekt, hvorefter objekt forsvinder og nyt placeres tilfældigt.</a:t>
-            </a:r>
-          </a:p>
-          <a:p>
-            <a:r>
-              <a:rPr lang="da-DK" dirty="0"/>
-              <a:t>Point vises på skærmen</a:t>
-            </a:r>
-          </a:p>
-          <a:p>
-            <a:endParaRPr lang="da-DK" dirty="0"/>
-          </a:p>
-          <a:p>
-            <a:endParaRPr lang="da-DK" dirty="0"/>
-          </a:p>
-          <a:p>
-            <a:endParaRPr lang="da-DK" dirty="0"/>
-          </a:p>
-        </p:txBody>
-      </p:sp>
+      <p:pic>
+        <p:nvPicPr>
+          <p:cNvPr id="4" name="Picture 3">
+            <a:extLst>
+              <a:ext uri="{FF2B5EF4-FFF2-40B4-BE49-F238E27FC236}">
+                <a16:creationId xmlns:a16="http://schemas.microsoft.com/office/drawing/2014/main" id="{28DB7035-AABD-4F4B-83BC-3F153134A3CA}"/>
+              </a:ext>
+            </a:extLst>
+          </p:cNvPr>
+          <p:cNvPicPr>
+            <a:picLocks noChangeAspect="1"/>
+          </p:cNvPicPr>
+          <p:nvPr/>
+        </p:nvPicPr>
+        <p:blipFill>
+          <a:blip r:embed="rId2"/>
+          <a:stretch>
+            <a:fillRect/>
+          </a:stretch>
+        </p:blipFill>
+        <p:spPr>
+          <a:xfrm>
+            <a:off x="3016250" y="1885950"/>
+            <a:ext cx="6159500" cy="3086100"/>
+          </a:xfrm>
+          <a:prstGeom prst="rect">
+            <a:avLst/>
+          </a:prstGeom>
+        </p:spPr>
+      </p:pic>
     </p:spTree>
     <p:extLst>
       <p:ext uri="{BB962C8B-B14F-4D97-AF65-F5344CB8AC3E}">
-        <p14:creationId xmlns:p14="http://schemas.microsoft.com/office/powerpoint/2010/main" val="213971812"/>
+        <p14:creationId xmlns:p14="http://schemas.microsoft.com/office/powerpoint/2010/main" val="3863397489"/>
       </p:ext>
     </p:extLst>
   </p:cSld>
@@ -7783,12 +7738,42 @@
           <a:chExt cx="0" cy="0"/>
         </a:xfrm>
       </p:grpSpPr>
+      <p:pic>
+        <p:nvPicPr>
+          <p:cNvPr id="5" name="Picture 4">
+            <a:extLst>
+              <a:ext uri="{FF2B5EF4-FFF2-40B4-BE49-F238E27FC236}">
+                <a16:creationId xmlns:a16="http://schemas.microsoft.com/office/drawing/2014/main" id="{4B23CF7B-665A-AD4E-9A37-47ED91969C88}"/>
+              </a:ext>
+            </a:extLst>
+          </p:cNvPr>
+          <p:cNvPicPr>
+            <a:picLocks noChangeAspect="1"/>
+          </p:cNvPicPr>
+          <p:nvPr/>
+        </p:nvPicPr>
+        <p:blipFill>
+          <a:blip r:embed="rId2"/>
+          <a:stretch>
+            <a:fillRect/>
+          </a:stretch>
+        </p:blipFill>
+        <p:spPr>
+          <a:xfrm>
+            <a:off x="2251075" y="965200"/>
+            <a:ext cx="7823200" cy="5803900"/>
+          </a:xfrm>
+          <a:prstGeom prst="rect">
+            <a:avLst/>
+          </a:prstGeom>
+        </p:spPr>
+      </p:pic>
       <p:sp>
         <p:nvSpPr>
           <p:cNvPr id="2" name="Title 1">
             <a:extLst>
               <a:ext uri="{FF2B5EF4-FFF2-40B4-BE49-F238E27FC236}">
-                <a16:creationId xmlns:a16="http://schemas.microsoft.com/office/drawing/2014/main" id="{0ACBB10D-A260-F941-8B71-00F8F1DB22DC}"/>
+                <a16:creationId xmlns:a16="http://schemas.microsoft.com/office/drawing/2014/main" id="{7B5FB380-9456-2242-A014-7859697F46E7}"/>
               </a:ext>
             </a:extLst>
           </p:cNvPr>
@@ -7801,83 +7786,31 @@
         </p:nvSpPr>
         <p:spPr>
           <a:xfrm>
-            <a:off x="838199" y="365125"/>
-            <a:ext cx="10965873" cy="1325563"/>
+            <a:off x="0" y="-1"/>
+            <a:ext cx="9492598" cy="1191491"/>
           </a:xfrm>
         </p:spPr>
         <p:txBody>
-          <a:bodyPr/>
+          <a:bodyPr>
+            <a:normAutofit/>
+          </a:bodyPr>
           <a:lstStyle/>
           <a:p>
             <a:r>
-              <a:rPr lang="en-GB" dirty="0"/>
-              <a:t>Online programming: Collect computers - PC</a:t>
+              <a:rPr lang="da-DK" dirty="0" err="1"/>
+              <a:t>Click</a:t>
+            </a:r>
+            <a:r>
+              <a:rPr lang="da-DK" dirty="0"/>
+              <a:t> the bat game</a:t>
             </a:r>
           </a:p>
         </p:txBody>
       </p:sp>
-      <p:pic>
-        <p:nvPicPr>
-          <p:cNvPr id="5" name="Content Placeholder 4">
-            <a:extLst>
-              <a:ext uri="{FF2B5EF4-FFF2-40B4-BE49-F238E27FC236}">
-                <a16:creationId xmlns:a16="http://schemas.microsoft.com/office/drawing/2014/main" id="{F97CDB47-6D44-BF49-8AE9-05EA3BD56588}"/>
-              </a:ext>
-            </a:extLst>
-          </p:cNvPr>
-          <p:cNvPicPr>
-            <a:picLocks noGrp="1" noChangeAspect="1"/>
-          </p:cNvPicPr>
-          <p:nvPr>
-            <p:ph idx="1"/>
-          </p:nvPr>
-        </p:nvPicPr>
-        <p:blipFill>
-          <a:blip r:embed="rId2"/>
-          <a:stretch>
-            <a:fillRect/>
-          </a:stretch>
-        </p:blipFill>
-        <p:spPr>
-          <a:xfrm>
-            <a:off x="0" y="1440871"/>
-            <a:ext cx="5811589" cy="11457136"/>
-          </a:xfrm>
-        </p:spPr>
-      </p:pic>
-      <p:pic>
-        <p:nvPicPr>
-          <p:cNvPr id="6" name="Content Placeholder 4">
-            <a:extLst>
-              <a:ext uri="{FF2B5EF4-FFF2-40B4-BE49-F238E27FC236}">
-                <a16:creationId xmlns:a16="http://schemas.microsoft.com/office/drawing/2014/main" id="{17DECA2D-B70F-AF4F-B55D-28FDDA6C47ED}"/>
-              </a:ext>
-            </a:extLst>
-          </p:cNvPr>
-          <p:cNvPicPr>
-            <a:picLocks noChangeAspect="1"/>
-          </p:cNvPicPr>
-          <p:nvPr/>
-        </p:nvPicPr>
-        <p:blipFill rotWithShape="1">
-          <a:blip r:embed="rId2"/>
-          <a:srcRect t="38204" b="-38204"/>
-          <a:stretch/>
-        </p:blipFill>
-        <p:spPr>
-          <a:xfrm>
-            <a:off x="6123827" y="1440871"/>
-            <a:ext cx="6068173" cy="11962971"/>
-          </a:xfrm>
-          <a:prstGeom prst="rect">
-            <a:avLst/>
-          </a:prstGeom>
-        </p:spPr>
-      </p:pic>
     </p:spTree>
     <p:extLst>
       <p:ext uri="{BB962C8B-B14F-4D97-AF65-F5344CB8AC3E}">
-        <p14:creationId xmlns:p14="http://schemas.microsoft.com/office/powerpoint/2010/main" val="1364671204"/>
+        <p14:creationId xmlns:p14="http://schemas.microsoft.com/office/powerpoint/2010/main" val="3386174077"/>
       </p:ext>
     </p:extLst>
   </p:cSld>
@@ -7932,43 +7865,277 @@
           <a:p>
             <a:r>
               <a:rPr lang="en-GB" dirty="0"/>
-              <a:t>Online programming: Collect computers - </a:t>
-            </a:r>
-            <a:r>
-              <a:rPr lang="en-GB" dirty="0" err="1"/>
-              <a:t>Obj</a:t>
-            </a:r>
-            <a:endParaRPr lang="en-GB" dirty="0"/>
+              <a:t>Online programming: Collect computers</a:t>
+            </a:r>
+          </a:p>
+        </p:txBody>
+      </p:sp>
+      <p:sp>
+        <p:nvSpPr>
+          <p:cNvPr id="3" name="Content Placeholder 2">
+            <a:extLst>
+              <a:ext uri="{FF2B5EF4-FFF2-40B4-BE49-F238E27FC236}">
+                <a16:creationId xmlns:a16="http://schemas.microsoft.com/office/drawing/2014/main" id="{19372C29-81C6-9F40-B8C8-8C83CEE68784}"/>
+              </a:ext>
+            </a:extLst>
+          </p:cNvPr>
+          <p:cNvSpPr>
+            <a:spLocks noGrp="1"/>
+          </p:cNvSpPr>
+          <p:nvPr>
+            <p:ph idx="1"/>
+          </p:nvPr>
+        </p:nvSpPr>
+        <p:spPr/>
+        <p:txBody>
+          <a:bodyPr/>
+          <a:lstStyle/>
+          <a:p>
+            <a:r>
+              <a:rPr lang="da-DK" dirty="0"/>
+              <a:t>Bruger kontrollerer </a:t>
+            </a:r>
+            <a:r>
+              <a:rPr lang="da-DK" dirty="0" err="1"/>
+              <a:t>playable-character</a:t>
+            </a:r>
+            <a:r>
+              <a:rPr lang="da-DK" dirty="0"/>
+              <a:t> (pc)</a:t>
+            </a:r>
+          </a:p>
+          <a:p>
+            <a:r>
+              <a:rPr lang="da-DK" dirty="0"/>
+              <a:t>Objekt placeres tilfældigt på skærmen</a:t>
+            </a:r>
+          </a:p>
+          <a:p>
+            <a:r>
+              <a:rPr lang="da-DK" dirty="0"/>
+              <a:t>Bruger får point, når pc rammer objekt, hvorefter objekt forsvinder og nyt placeres tilfældigt.</a:t>
+            </a:r>
+          </a:p>
+          <a:p>
+            <a:r>
+              <a:rPr lang="da-DK" dirty="0"/>
+              <a:t>Point vises på skærmen</a:t>
+            </a:r>
+          </a:p>
+          <a:p>
+            <a:endParaRPr lang="da-DK" dirty="0"/>
+          </a:p>
+          <a:p>
+            <a:endParaRPr lang="da-DK" dirty="0"/>
+          </a:p>
+          <a:p>
+            <a:endParaRPr lang="da-DK" dirty="0"/>
+          </a:p>
+        </p:txBody>
+      </p:sp>
+    </p:spTree>
+    <p:extLst>
+      <p:ext uri="{BB962C8B-B14F-4D97-AF65-F5344CB8AC3E}">
+        <p14:creationId xmlns:p14="http://schemas.microsoft.com/office/powerpoint/2010/main" val="213971812"/>
+      </p:ext>
+    </p:extLst>
+  </p:cSld>
+  <p:clrMapOvr>
+    <a:masterClrMapping/>
+  </p:clrMapOvr>
+</p:sld>
+</file>
+
+<file path=ppt/slides/slide14.xml><?xml version="1.0" encoding="utf-8"?>
+<p:sld xmlns:a="http://schemas.openxmlformats.org/drawingml/2006/main" xmlns:r="http://schemas.openxmlformats.org/officeDocument/2006/relationships" xmlns:p="http://schemas.openxmlformats.org/presentationml/2006/main">
+  <p:cSld>
+    <p:bg>
+      <p:bgPr>
+        <a:solidFill>
+          <a:schemeClr val="bg1"/>
+        </a:solidFill>
+        <a:effectLst/>
+      </p:bgPr>
+    </p:bg>
+    <p:spTree>
+      <p:nvGrpSpPr>
+        <p:cNvPr id="1" name=""/>
+        <p:cNvGrpSpPr/>
+        <p:nvPr/>
+      </p:nvGrpSpPr>
+      <p:grpSpPr>
+        <a:xfrm>
+          <a:off x="0" y="0"/>
+          <a:ext cx="0" cy="0"/>
+          <a:chOff x="0" y="0"/>
+          <a:chExt cx="0" cy="0"/>
+        </a:xfrm>
+      </p:grpSpPr>
+      <p:sp>
+        <p:nvSpPr>
+          <p:cNvPr id="2" name="Title 1">
+            <a:extLst>
+              <a:ext uri="{FF2B5EF4-FFF2-40B4-BE49-F238E27FC236}">
+                <a16:creationId xmlns:a16="http://schemas.microsoft.com/office/drawing/2014/main" id="{0ACBB10D-A260-F941-8B71-00F8F1DB22DC}"/>
+              </a:ext>
+            </a:extLst>
+          </p:cNvPr>
+          <p:cNvSpPr>
+            <a:spLocks noGrp="1"/>
+          </p:cNvSpPr>
+          <p:nvPr>
+            <p:ph type="title"/>
+          </p:nvPr>
+        </p:nvSpPr>
+        <p:spPr>
+          <a:xfrm>
+            <a:off x="8174735" y="640081"/>
+            <a:ext cx="3377183" cy="3708895"/>
+          </a:xfrm>
+          <a:noFill/>
+        </p:spPr>
+        <p:txBody>
+          <a:bodyPr vert="horz" lIns="91440" tIns="45720" rIns="91440" bIns="45720" rtlCol="0" anchor="b">
+            <a:normAutofit/>
+          </a:bodyPr>
+          <a:lstStyle/>
+          <a:p>
+            <a:r>
+              <a:rPr lang="en-US"/>
+              <a:t>Online programming: Collect computers - PC</a:t>
+            </a:r>
           </a:p>
         </p:txBody>
       </p:sp>
       <p:pic>
         <p:nvPicPr>
-          <p:cNvPr id="5" name="Content Placeholder 4">
-            <a:extLst>
-              <a:ext uri="{FF2B5EF4-FFF2-40B4-BE49-F238E27FC236}">
-                <a16:creationId xmlns:a16="http://schemas.microsoft.com/office/drawing/2014/main" id="{68AA5694-F210-2F4C-9AC6-0D1BEAE2C083}"/>
+          <p:cNvPr id="10" name="Picture 9">
+            <a:extLst>
+              <a:ext uri="{FF2B5EF4-FFF2-40B4-BE49-F238E27FC236}">
+                <a16:creationId xmlns:a16="http://schemas.microsoft.com/office/drawing/2014/main" id="{73C6751D-6F93-1348-9AB5-2D4E80AD2287}"/>
               </a:ext>
             </a:extLst>
           </p:cNvPr>
           <p:cNvPicPr>
-            <a:picLocks noGrp="1" noChangeAspect="1"/>
+            <a:picLocks noChangeAspect="1"/>
           </p:cNvPicPr>
-          <p:nvPr>
-            <p:ph idx="1"/>
-          </p:nvPr>
+          <p:nvPr/>
         </p:nvPicPr>
-        <p:blipFill>
+        <p:blipFill rotWithShape="1">
           <a:blip r:embed="rId2"/>
-          <a:stretch>
-            <a:fillRect/>
-          </a:stretch>
+          <a:srcRect l="661" r="7327" b="2"/>
+          <a:stretch/>
         </p:blipFill>
         <p:spPr>
           <a:xfrm>
-            <a:off x="2743200" y="1690687"/>
-            <a:ext cx="6708442" cy="5167313"/>
+            <a:off x="20" y="10"/>
+            <a:ext cx="7534636" cy="6857990"/>
           </a:xfrm>
+          <a:prstGeom prst="rect">
+            <a:avLst/>
+          </a:prstGeom>
+        </p:spPr>
+      </p:pic>
+    </p:spTree>
+    <p:extLst>
+      <p:ext uri="{BB962C8B-B14F-4D97-AF65-F5344CB8AC3E}">
+        <p14:creationId xmlns:p14="http://schemas.microsoft.com/office/powerpoint/2010/main" val="1364671204"/>
+      </p:ext>
+    </p:extLst>
+  </p:cSld>
+  <p:clrMapOvr>
+    <a:masterClrMapping/>
+  </p:clrMapOvr>
+</p:sld>
+</file>
+
+<file path=ppt/slides/slide15.xml><?xml version="1.0" encoding="utf-8"?>
+<p:sld xmlns:a="http://schemas.openxmlformats.org/drawingml/2006/main" xmlns:r="http://schemas.openxmlformats.org/officeDocument/2006/relationships" xmlns:p="http://schemas.openxmlformats.org/presentationml/2006/main">
+  <p:cSld>
+    <p:bg>
+      <p:bgPr>
+        <a:solidFill>
+          <a:schemeClr val="bg1"/>
+        </a:solidFill>
+        <a:effectLst/>
+      </p:bgPr>
+    </p:bg>
+    <p:spTree>
+      <p:nvGrpSpPr>
+        <p:cNvPr id="1" name=""/>
+        <p:cNvGrpSpPr/>
+        <p:nvPr/>
+      </p:nvGrpSpPr>
+      <p:grpSpPr>
+        <a:xfrm>
+          <a:off x="0" y="0"/>
+          <a:ext cx="0" cy="0"/>
+          <a:chOff x="0" y="0"/>
+          <a:chExt cx="0" cy="0"/>
+        </a:xfrm>
+      </p:grpSpPr>
+      <p:sp>
+        <p:nvSpPr>
+          <p:cNvPr id="2" name="Title 1">
+            <a:extLst>
+              <a:ext uri="{FF2B5EF4-FFF2-40B4-BE49-F238E27FC236}">
+                <a16:creationId xmlns:a16="http://schemas.microsoft.com/office/drawing/2014/main" id="{0ACBB10D-A260-F941-8B71-00F8F1DB22DC}"/>
+              </a:ext>
+            </a:extLst>
+          </p:cNvPr>
+          <p:cNvSpPr>
+            <a:spLocks noGrp="1"/>
+          </p:cNvSpPr>
+          <p:nvPr>
+            <p:ph type="title"/>
+          </p:nvPr>
+        </p:nvSpPr>
+        <p:spPr>
+          <a:xfrm>
+            <a:off x="8153399" y="365125"/>
+            <a:ext cx="3430605" cy="5530319"/>
+          </a:xfrm>
+        </p:spPr>
+        <p:txBody>
+          <a:bodyPr vert="horz" lIns="91440" tIns="45720" rIns="91440" bIns="45720" rtlCol="0" anchor="ctr">
+            <a:normAutofit/>
+          </a:bodyPr>
+          <a:lstStyle/>
+          <a:p>
+            <a:r>
+              <a:rPr lang="en-US" dirty="0"/>
+              <a:t>Online programming: Collect computers - Obj</a:t>
+            </a:r>
+          </a:p>
+        </p:txBody>
+      </p:sp>
+      <p:pic>
+        <p:nvPicPr>
+          <p:cNvPr id="7" name="Picture 6">
+            <a:extLst>
+              <a:ext uri="{FF2B5EF4-FFF2-40B4-BE49-F238E27FC236}">
+                <a16:creationId xmlns:a16="http://schemas.microsoft.com/office/drawing/2014/main" id="{A4A29039-4842-2844-AD99-C377D32E632C}"/>
+              </a:ext>
+            </a:extLst>
+          </p:cNvPr>
+          <p:cNvPicPr>
+            <a:picLocks noChangeAspect="1"/>
+          </p:cNvPicPr>
+          <p:nvPr/>
+        </p:nvPicPr>
+        <p:blipFill rotWithShape="1">
+          <a:blip r:embed="rId2"/>
+          <a:srcRect r="2" b="6649"/>
+          <a:stretch/>
+        </p:blipFill>
+        <p:spPr>
+          <a:xfrm>
+            <a:off x="20" y="10"/>
+            <a:ext cx="7534636" cy="6857990"/>
+          </a:xfrm>
+          <a:prstGeom prst="rect">
+            <a:avLst/>
+          </a:prstGeom>
         </p:spPr>
       </p:pic>
     </p:spTree>
@@ -7984,7 +8151,7 @@
 </p:sld>
 </file>
 
-<file path=ppt/slides/slide14.xml><?xml version="1.0" encoding="utf-8"?>
+<file path=ppt/slides/slide16.xml><?xml version="1.0" encoding="utf-8"?>
 <p:sld xmlns:a="http://schemas.openxmlformats.org/drawingml/2006/main" xmlns:r="http://schemas.openxmlformats.org/officeDocument/2006/relationships" xmlns:p="http://schemas.openxmlformats.org/presentationml/2006/main">
   <p:cSld>
     <p:spTree>
@@ -8036,10 +8203,10 @@
       </p:sp>
       <p:pic>
         <p:nvPicPr>
-          <p:cNvPr id="5" name="Content Placeholder 4">
-            <a:extLst>
-              <a:ext uri="{FF2B5EF4-FFF2-40B4-BE49-F238E27FC236}">
-                <a16:creationId xmlns:a16="http://schemas.microsoft.com/office/drawing/2014/main" id="{4E16BED6-5EAA-0149-BB12-E186962B3269}"/>
+          <p:cNvPr id="7" name="Content Placeholder 6">
+            <a:extLst>
+              <a:ext uri="{FF2B5EF4-FFF2-40B4-BE49-F238E27FC236}">
+                <a16:creationId xmlns:a16="http://schemas.microsoft.com/office/drawing/2014/main" id="{98553C19-55B8-5743-9C73-D69DFB6E005B}"/>
               </a:ext>
             </a:extLst>
           </p:cNvPr>
@@ -8058,8 +8225,8 @@
         </p:blipFill>
         <p:spPr>
           <a:xfrm>
-            <a:off x="1761994" y="2715924"/>
-            <a:ext cx="9118282" cy="2532856"/>
+            <a:off x="3765550" y="3277394"/>
+            <a:ext cx="4660900" cy="1447800"/>
           </a:xfrm>
         </p:spPr>
       </p:pic>
@@ -8067,109 +8234,6 @@
     <p:extLst>
       <p:ext uri="{BB962C8B-B14F-4D97-AF65-F5344CB8AC3E}">
         <p14:creationId xmlns:p14="http://schemas.microsoft.com/office/powerpoint/2010/main" val="2869879174"/>
-      </p:ext>
-    </p:extLst>
-  </p:cSld>
-  <p:clrMapOvr>
-    <a:masterClrMapping/>
-  </p:clrMapOvr>
-</p:sld>
-</file>
-
-<file path=ppt/slides/slide15.xml><?xml version="1.0" encoding="utf-8"?>
-<p:sld xmlns:a="http://schemas.openxmlformats.org/drawingml/2006/main" xmlns:r="http://schemas.openxmlformats.org/officeDocument/2006/relationships" xmlns:p="http://schemas.openxmlformats.org/presentationml/2006/main">
-  <p:cSld>
-    <p:spTree>
-      <p:nvGrpSpPr>
-        <p:cNvPr id="1" name=""/>
-        <p:cNvGrpSpPr/>
-        <p:nvPr/>
-      </p:nvGrpSpPr>
-      <p:grpSpPr>
-        <a:xfrm>
-          <a:off x="0" y="0"/>
-          <a:ext cx="0" cy="0"/>
-          <a:chOff x="0" y="0"/>
-          <a:chExt cx="0" cy="0"/>
-        </a:xfrm>
-      </p:grpSpPr>
-      <p:sp>
-        <p:nvSpPr>
-          <p:cNvPr id="2" name="Title 1">
-            <a:extLst>
-              <a:ext uri="{FF2B5EF4-FFF2-40B4-BE49-F238E27FC236}">
-                <a16:creationId xmlns:a16="http://schemas.microsoft.com/office/drawing/2014/main" id="{328548C8-14AE-3E4B-A1E8-9909A82E136F}"/>
-              </a:ext>
-            </a:extLst>
-          </p:cNvPr>
-          <p:cNvSpPr>
-            <a:spLocks noGrp="1"/>
-          </p:cNvSpPr>
-          <p:nvPr>
-            <p:ph type="title"/>
-          </p:nvPr>
-        </p:nvSpPr>
-        <p:spPr/>
-        <p:txBody>
-          <a:bodyPr/>
-          <a:lstStyle/>
-          <a:p>
-            <a:r>
-              <a:rPr lang="en-GB" dirty="0"/>
-              <a:t>Online programming: Collect computers</a:t>
-            </a:r>
-          </a:p>
-        </p:txBody>
-      </p:sp>
-      <p:sp>
-        <p:nvSpPr>
-          <p:cNvPr id="3" name="Content Placeholder 2">
-            <a:extLst>
-              <a:ext uri="{FF2B5EF4-FFF2-40B4-BE49-F238E27FC236}">
-                <a16:creationId xmlns:a16="http://schemas.microsoft.com/office/drawing/2014/main" id="{8B87794F-5BA7-2146-9F85-C1A0679AA617}"/>
-              </a:ext>
-            </a:extLst>
-          </p:cNvPr>
-          <p:cNvSpPr>
-            <a:spLocks noGrp="1"/>
-          </p:cNvSpPr>
-          <p:nvPr>
-            <p:ph idx="1"/>
-          </p:nvPr>
-        </p:nvSpPr>
-        <p:spPr>
-          <a:xfrm>
-            <a:off x="2286000" y="3155661"/>
-            <a:ext cx="6426200" cy="1194666"/>
-          </a:xfrm>
-        </p:spPr>
-        <p:txBody>
-          <a:bodyPr>
-            <a:normAutofit fontScale="85000" lnSpcReduction="10000"/>
-          </a:bodyPr>
-          <a:lstStyle/>
-          <a:p>
-            <a:pPr marL="0" indent="0">
-              <a:buNone/>
-            </a:pPr>
-            <a:r>
-              <a:rPr lang="en-GB" sz="6000" dirty="0"/>
-              <a:t>Run </a:t>
-            </a:r>
-            <a:r>
-              <a:rPr lang="en-GB" sz="6000" dirty="0">
-                <a:hlinkClick r:id="rId2"/>
-              </a:rPr>
-              <a:t>Collect Computers</a:t>
-            </a:r>
-            <a:endParaRPr lang="en-GB" sz="6000" dirty="0"/>
-          </a:p>
-        </p:txBody>
-      </p:sp>
-    </p:spTree>
-    <p:extLst>
-      <p:ext uri="{BB962C8B-B14F-4D97-AF65-F5344CB8AC3E}">
-        <p14:creationId xmlns:p14="http://schemas.microsoft.com/office/powerpoint/2010/main" val="293512564"/>
       </p:ext>
     </p:extLst>
   </p:cSld>
@@ -8412,10 +8476,10 @@
       </p:sp>
       <p:pic>
         <p:nvPicPr>
-          <p:cNvPr id="4" name="Picture 3">
-            <a:extLst>
-              <a:ext uri="{FF2B5EF4-FFF2-40B4-BE49-F238E27FC236}">
-                <a16:creationId xmlns:a16="http://schemas.microsoft.com/office/drawing/2014/main" id="{081D6A9B-77B0-474C-8EBF-7E14F77EA5A4}"/>
+          <p:cNvPr id="3" name="Picture 2">
+            <a:extLst>
+              <a:ext uri="{FF2B5EF4-FFF2-40B4-BE49-F238E27FC236}">
+                <a16:creationId xmlns:a16="http://schemas.microsoft.com/office/drawing/2014/main" id="{D0C864C0-336B-004B-BC4E-193F9E10EB1D}"/>
               </a:ext>
             </a:extLst>
           </p:cNvPr>
@@ -8432,20 +8496,89 @@
         </p:blipFill>
         <p:spPr>
           <a:xfrm>
-            <a:off x="3252538" y="2018966"/>
-            <a:ext cx="4152900" cy="1701800"/>
+            <a:off x="-253593" y="1133475"/>
+            <a:ext cx="5201396" cy="5724525"/>
           </a:xfrm>
           <a:prstGeom prst="rect">
             <a:avLst/>
           </a:prstGeom>
         </p:spPr>
       </p:pic>
+      <p:sp>
+        <p:nvSpPr>
+          <p:cNvPr id="5" name="TextBox 4">
+            <a:extLst>
+              <a:ext uri="{FF2B5EF4-FFF2-40B4-BE49-F238E27FC236}">
+                <a16:creationId xmlns:a16="http://schemas.microsoft.com/office/drawing/2014/main" id="{444EF3F1-B271-C643-9E47-F4532FBB5ECC}"/>
+              </a:ext>
+            </a:extLst>
+          </p:cNvPr>
+          <p:cNvSpPr txBox="1"/>
+          <p:nvPr/>
+        </p:nvSpPr>
+        <p:spPr>
+          <a:xfrm>
+            <a:off x="4947803" y="1550174"/>
+            <a:ext cx="2403094" cy="1477328"/>
+          </a:xfrm>
+          <a:prstGeom prst="rect">
+            <a:avLst/>
+          </a:prstGeom>
+          <a:noFill/>
+          <a:ln w="38100">
+            <a:solidFill>
+              <a:schemeClr val="accent1"/>
+            </a:solidFill>
+          </a:ln>
+        </p:spPr>
+        <p:txBody>
+          <a:bodyPr wrap="none" rtlCol="0">
+            <a:spAutoFit/>
+          </a:bodyPr>
+          <a:lstStyle/>
+          <a:p>
+            <a:r>
+              <a:rPr lang="en-GB" dirty="0"/>
+              <a:t>\</a:t>
+            </a:r>
+            <a:r>
+              <a:rPr lang="en-GB" dirty="0" err="1"/>
+              <a:t>documentclass</a:t>
+            </a:r>
+            <a:r>
+              <a:rPr lang="en-GB" dirty="0"/>
+              <a:t>{article}</a:t>
+            </a:r>
+          </a:p>
+          <a:p>
+            <a:endParaRPr lang="en-GB" dirty="0"/>
+          </a:p>
+          <a:p>
+            <a:r>
+              <a:rPr lang="en-GB" dirty="0"/>
+              <a:t>\begin{document}</a:t>
+            </a:r>
+          </a:p>
+          <a:p>
+            <a:r>
+              <a:rPr lang="en-GB" dirty="0"/>
+              <a:t>Hello world!</a:t>
+            </a:r>
+          </a:p>
+          <a:p>
+            <a:r>
+              <a:rPr lang="en-GB" dirty="0"/>
+              <a:t>\end{document}</a:t>
+            </a:r>
+          </a:p>
+        </p:txBody>
+      </p:sp>
       <p:pic>
         <p:nvPicPr>
-          <p:cNvPr id="10" name="Picture 9">
-            <a:extLst>
-              <a:ext uri="{FF2B5EF4-FFF2-40B4-BE49-F238E27FC236}">
-                <a16:creationId xmlns:a16="http://schemas.microsoft.com/office/drawing/2014/main" id="{C2511760-4ED8-5745-8FF7-BBF5B8405F2E}"/>
+          <p:cNvPr id="11" name="Picture 10">
+            <a:extLst>
+              <a:ext uri="{FF2B5EF4-FFF2-40B4-BE49-F238E27FC236}">
+                <a16:creationId xmlns:a16="http://schemas.microsoft.com/office/drawing/2014/main" id="{7BDCC29E-A49F-8148-A250-99FE43E6B50B}"/>
               </a:ext>
             </a:extLst>
           </p:cNvPr>
@@ -8462,18 +8595,117 @@
         </p:blipFill>
         <p:spPr>
           <a:xfrm>
-            <a:off x="2498558" y="4502150"/>
-            <a:ext cx="6248400" cy="1511300"/>
+            <a:off x="7909414" y="704849"/>
+            <a:ext cx="4045241" cy="5724526"/>
           </a:xfrm>
           <a:prstGeom prst="rect">
             <a:avLst/>
           </a:prstGeom>
+          <a:ln w="38100">
+            <a:solidFill>
+              <a:schemeClr val="accent1"/>
+            </a:solidFill>
+          </a:ln>
         </p:spPr>
       </p:pic>
+      <p:sp>
+        <p:nvSpPr>
+          <p:cNvPr id="12" name="Arc 11">
+            <a:extLst>
+              <a:ext uri="{FF2B5EF4-FFF2-40B4-BE49-F238E27FC236}">
+                <a16:creationId xmlns:a16="http://schemas.microsoft.com/office/drawing/2014/main" id="{6174F93D-49A5-B247-892B-198E7BB783A1}"/>
+              </a:ext>
+            </a:extLst>
+          </p:cNvPr>
+          <p:cNvSpPr/>
+          <p:nvPr/>
+        </p:nvSpPr>
+        <p:spPr>
+          <a:xfrm rot="19441051">
+            <a:off x="4156125" y="1212908"/>
+            <a:ext cx="1295400" cy="1085850"/>
+          </a:xfrm>
+          <a:prstGeom prst="arc">
+            <a:avLst/>
+          </a:prstGeom>
+          <a:ln w="127000">
+            <a:tailEnd type="triangle"/>
+          </a:ln>
+        </p:spPr>
+        <p:style>
+          <a:lnRef idx="1">
+            <a:schemeClr val="accent1"/>
+          </a:lnRef>
+          <a:fillRef idx="0">
+            <a:schemeClr val="accent1"/>
+          </a:fillRef>
+          <a:effectRef idx="0">
+            <a:schemeClr val="accent1"/>
+          </a:effectRef>
+          <a:fontRef idx="minor">
+            <a:schemeClr val="tx1"/>
+          </a:fontRef>
+        </p:style>
+        <p:txBody>
+          <a:bodyPr rtlCol="0" anchor="ctr"/>
+          <a:lstStyle/>
+          <a:p>
+            <a:pPr algn="ctr"/>
+            <a:endParaRPr lang="en-GB"/>
+          </a:p>
+        </p:txBody>
+      </p:sp>
+      <p:sp>
+        <p:nvSpPr>
+          <p:cNvPr id="13" name="Arc 12">
+            <a:extLst>
+              <a:ext uri="{FF2B5EF4-FFF2-40B4-BE49-F238E27FC236}">
+                <a16:creationId xmlns:a16="http://schemas.microsoft.com/office/drawing/2014/main" id="{7E1A27EE-FC98-4949-B0FC-6DAA50CE86C5}"/>
+              </a:ext>
+            </a:extLst>
+          </p:cNvPr>
+          <p:cNvSpPr/>
+          <p:nvPr/>
+        </p:nvSpPr>
+        <p:spPr>
+          <a:xfrm rot="19441051">
+            <a:off x="6596498" y="1240232"/>
+            <a:ext cx="1295400" cy="1085850"/>
+          </a:xfrm>
+          <a:prstGeom prst="arc">
+            <a:avLst/>
+          </a:prstGeom>
+          <a:ln w="127000">
+            <a:tailEnd type="triangle"/>
+          </a:ln>
+        </p:spPr>
+        <p:style>
+          <a:lnRef idx="1">
+            <a:schemeClr val="accent1"/>
+          </a:lnRef>
+          <a:fillRef idx="0">
+            <a:schemeClr val="accent1"/>
+          </a:fillRef>
+          <a:effectRef idx="0">
+            <a:schemeClr val="accent1"/>
+          </a:effectRef>
+          <a:fontRef idx="minor">
+            <a:schemeClr val="tx1"/>
+          </a:fontRef>
+        </p:style>
+        <p:txBody>
+          <a:bodyPr rtlCol="0" anchor="ctr"/>
+          <a:lstStyle/>
+          <a:p>
+            <a:pPr algn="ctr"/>
+            <a:endParaRPr lang="en-GB"/>
+          </a:p>
+        </p:txBody>
+      </p:sp>
     </p:spTree>
     <p:extLst>
       <p:ext uri="{BB962C8B-B14F-4D97-AF65-F5344CB8AC3E}">
-        <p14:creationId xmlns:p14="http://schemas.microsoft.com/office/powerpoint/2010/main" val="804041383"/>
+        <p14:creationId xmlns:p14="http://schemas.microsoft.com/office/powerpoint/2010/main" val="3483658412"/>
       </p:ext>
     </p:extLst>
   </p:cSld>
@@ -8740,89 +8972,6 @@
 <file path=ppt/slides/slide5.xml><?xml version="1.0" encoding="utf-8"?>
 <p:sld xmlns:a="http://schemas.openxmlformats.org/drawingml/2006/main" xmlns:r="http://schemas.openxmlformats.org/officeDocument/2006/relationships" xmlns:p="http://schemas.openxmlformats.org/presentationml/2006/main">
   <p:cSld>
-    <p:spTree>
-      <p:nvGrpSpPr>
-        <p:cNvPr id="1" name=""/>
-        <p:cNvGrpSpPr/>
-        <p:nvPr/>
-      </p:nvGrpSpPr>
-      <p:grpSpPr>
-        <a:xfrm>
-          <a:off x="0" y="0"/>
-          <a:ext cx="0" cy="0"/>
-          <a:chOff x="0" y="0"/>
-          <a:chExt cx="0" cy="0"/>
-        </a:xfrm>
-      </p:grpSpPr>
-      <p:sp>
-        <p:nvSpPr>
-          <p:cNvPr id="2" name="Title 1">
-            <a:extLst>
-              <a:ext uri="{FF2B5EF4-FFF2-40B4-BE49-F238E27FC236}">
-                <a16:creationId xmlns:a16="http://schemas.microsoft.com/office/drawing/2014/main" id="{0ACBB10D-A260-F941-8B71-00F8F1DB22DC}"/>
-              </a:ext>
-            </a:extLst>
-          </p:cNvPr>
-          <p:cNvSpPr>
-            <a:spLocks noGrp="1"/>
-          </p:cNvSpPr>
-          <p:nvPr>
-            <p:ph type="title"/>
-          </p:nvPr>
-        </p:nvSpPr>
-        <p:spPr/>
-        <p:txBody>
-          <a:bodyPr/>
-          <a:lstStyle/>
-          <a:p>
-            <a:r>
-              <a:rPr lang="en-GB" dirty="0"/>
-              <a:t>Online programming…</a:t>
-            </a:r>
-          </a:p>
-        </p:txBody>
-      </p:sp>
-      <p:sp>
-        <p:nvSpPr>
-          <p:cNvPr id="3" name="Content Placeholder 2">
-            <a:extLst>
-              <a:ext uri="{FF2B5EF4-FFF2-40B4-BE49-F238E27FC236}">
-                <a16:creationId xmlns:a16="http://schemas.microsoft.com/office/drawing/2014/main" id="{19372C29-81C6-9F40-B8C8-8C83CEE68784}"/>
-              </a:ext>
-            </a:extLst>
-          </p:cNvPr>
-          <p:cNvSpPr>
-            <a:spLocks noGrp="1"/>
-          </p:cNvSpPr>
-          <p:nvPr>
-            <p:ph idx="1"/>
-          </p:nvPr>
-        </p:nvSpPr>
-        <p:spPr/>
-        <p:txBody>
-          <a:bodyPr/>
-          <a:lstStyle/>
-          <a:p>
-            <a:endParaRPr lang="en-GB"/>
-          </a:p>
-        </p:txBody>
-      </p:sp>
-    </p:spTree>
-    <p:extLst>
-      <p:ext uri="{BB962C8B-B14F-4D97-AF65-F5344CB8AC3E}">
-        <p14:creationId xmlns:p14="http://schemas.microsoft.com/office/powerpoint/2010/main" val="1754232616"/>
-      </p:ext>
-    </p:extLst>
-  </p:cSld>
-  <p:clrMapOvr>
-    <a:masterClrMapping/>
-  </p:clrMapOvr>
-</p:sld>
-</file>
-
-<file path=ppt/slides/slide6.xml><?xml version="1.0" encoding="utf-8"?>
-<p:sld xmlns:a="http://schemas.openxmlformats.org/drawingml/2006/main" xmlns:r="http://schemas.openxmlformats.org/officeDocument/2006/relationships" xmlns:p="http://schemas.openxmlformats.org/presentationml/2006/main">
-  <p:cSld>
     <p:bg>
       <p:bgPr>
         <a:solidFill>
@@ -8896,7 +9045,7 @@
         </p:nvPicPr>
         <p:blipFill rotWithShape="1">
           <a:blip r:embed="rId2"/>
-          <a:srcRect t="1575" r="2" b="3261"/>
+          <a:srcRect l="1" t="648" r="1" b="648"/>
           <a:stretch/>
         </p:blipFill>
         <p:spPr>
@@ -9014,7 +9163,7 @@
 </p:sld>
 </file>
 
-<file path=ppt/slides/slide7.xml><?xml version="1.0" encoding="utf-8"?>
+<file path=ppt/slides/slide6.xml><?xml version="1.0" encoding="utf-8"?>
 <p:sld xmlns:a="http://schemas.openxmlformats.org/drawingml/2006/main" xmlns:r="http://schemas.openxmlformats.org/officeDocument/2006/relationships" xmlns:p="http://schemas.openxmlformats.org/presentationml/2006/main">
   <p:cSld>
     <p:bg>
@@ -9090,7 +9239,7 @@
         </p:nvPicPr>
         <p:blipFill rotWithShape="1">
           <a:blip r:embed="rId2"/>
-          <a:srcRect t="1576" r="2" b="3260"/>
+          <a:srcRect t="648" r="2" b="648"/>
           <a:stretch/>
         </p:blipFill>
         <p:spPr>
@@ -9208,6 +9357,248 @@
 </p:sld>
 </file>
 
+<file path=ppt/slides/slide7.xml><?xml version="1.0" encoding="utf-8"?>
+<p:sld xmlns:a="http://schemas.openxmlformats.org/drawingml/2006/main" xmlns:r="http://schemas.openxmlformats.org/officeDocument/2006/relationships" xmlns:p="http://schemas.openxmlformats.org/presentationml/2006/main">
+  <p:cSld>
+    <p:bg>
+      <p:bgPr>
+        <a:solidFill>
+          <a:schemeClr val="bg1"/>
+        </a:solidFill>
+        <a:effectLst/>
+      </p:bgPr>
+    </p:bg>
+    <p:spTree>
+      <p:nvGrpSpPr>
+        <p:cNvPr id="1" name=""/>
+        <p:cNvGrpSpPr/>
+        <p:nvPr/>
+      </p:nvGrpSpPr>
+      <p:grpSpPr>
+        <a:xfrm>
+          <a:off x="0" y="0"/>
+          <a:ext cx="0" cy="0"/>
+          <a:chOff x="0" y="0"/>
+          <a:chExt cx="0" cy="0"/>
+        </a:xfrm>
+      </p:grpSpPr>
+      <p:sp>
+        <p:nvSpPr>
+          <p:cNvPr id="2" name="Title 1">
+            <a:extLst>
+              <a:ext uri="{FF2B5EF4-FFF2-40B4-BE49-F238E27FC236}">
+                <a16:creationId xmlns:a16="http://schemas.microsoft.com/office/drawing/2014/main" id="{7B5FB380-9456-2242-A014-7859697F46E7}"/>
+              </a:ext>
+            </a:extLst>
+          </p:cNvPr>
+          <p:cNvSpPr>
+            <a:spLocks noGrp="1"/>
+          </p:cNvSpPr>
+          <p:nvPr>
+            <p:ph type="title"/>
+          </p:nvPr>
+        </p:nvSpPr>
+        <p:spPr>
+          <a:xfrm>
+            <a:off x="4965430" y="629268"/>
+            <a:ext cx="6586491" cy="1286160"/>
+          </a:xfrm>
+        </p:spPr>
+        <p:txBody>
+          <a:bodyPr anchor="b">
+            <a:normAutofit/>
+          </a:bodyPr>
+          <a:lstStyle/>
+          <a:p>
+            <a:r>
+              <a:rPr lang="da-DK" err="1"/>
+              <a:t>Walking</a:t>
+            </a:r>
+            <a:r>
+              <a:rPr lang="da-DK"/>
+              <a:t> Advanced</a:t>
+            </a:r>
+          </a:p>
+        </p:txBody>
+      </p:sp>
+      <p:pic>
+        <p:nvPicPr>
+          <p:cNvPr id="5" name="Picture 4">
+            <a:extLst>
+              <a:ext uri="{FF2B5EF4-FFF2-40B4-BE49-F238E27FC236}">
+                <a16:creationId xmlns:a16="http://schemas.microsoft.com/office/drawing/2014/main" id="{0ECA37F1-DB18-9540-A831-8A28F967DC12}"/>
+              </a:ext>
+            </a:extLst>
+          </p:cNvPr>
+          <p:cNvPicPr>
+            <a:picLocks noChangeAspect="1"/>
+          </p:cNvPicPr>
+          <p:nvPr/>
+        </p:nvPicPr>
+        <p:blipFill rotWithShape="1">
+          <a:blip r:embed="rId2"/>
+          <a:srcRect t="391" b="391"/>
+          <a:stretch/>
+        </p:blipFill>
+        <p:spPr>
+          <a:xfrm>
+            <a:off x="0" y="10"/>
+            <a:ext cx="4635571" cy="6857990"/>
+          </a:xfrm>
+          <a:prstGeom prst="rect">
+            <a:avLst/>
+          </a:prstGeom>
+          <a:effectLst/>
+        </p:spPr>
+      </p:pic>
+      <p:cxnSp>
+        <p:nvCxnSpPr>
+          <p:cNvPr id="20" name="Straight Connector 19">
+            <a:extLst>
+              <a:ext uri="{FF2B5EF4-FFF2-40B4-BE49-F238E27FC236}">
+                <a16:creationId xmlns:a16="http://schemas.microsoft.com/office/drawing/2014/main" id="{A7F400EE-A8A5-48AF-B4D6-291B52C6F0B0}"/>
+              </a:ext>
+              <a:ext uri="{C183D7F6-B498-43B3-948B-1728B52AA6E4}">
+                <adec:decorative xmlns:adec="http://schemas.microsoft.com/office/drawing/2017/decorative" val="1"/>
+              </a:ext>
+            </a:extLst>
+          </p:cNvPr>
+          <p:cNvCxnSpPr>
+            <a:cxnSpLocks noGrp="1" noRot="1" noChangeAspect="1" noMove="1" noResize="1" noEditPoints="1" noAdjustHandles="1" noChangeArrowheads="1" noChangeShapeType="1"/>
+          </p:cNvCxnSpPr>
+          <p:nvPr>
+            <p:extLst>
+              <p:ext uri="{386F3935-93C4-4BCD-93E2-E3B085C9AB24}">
+                <p16:designElem xmlns:p16="http://schemas.microsoft.com/office/powerpoint/2015/main" val="1"/>
+              </p:ext>
+            </p:extLst>
+          </p:nvPr>
+        </p:nvCxnSpPr>
+        <p:spPr>
+          <a:xfrm>
+            <a:off x="5080934" y="2115117"/>
+            <a:ext cx="6309360" cy="0"/>
+          </a:xfrm>
+          <a:prstGeom prst="line">
+            <a:avLst/>
+          </a:prstGeom>
+          <a:ln w="19050">
+            <a:solidFill>
+              <a:srgbClr val="9560FF"/>
+            </a:solidFill>
+          </a:ln>
+        </p:spPr>
+        <p:style>
+          <a:lnRef idx="1">
+            <a:schemeClr val="accent1"/>
+          </a:lnRef>
+          <a:fillRef idx="0">
+            <a:schemeClr val="accent1"/>
+          </a:fillRef>
+          <a:effectRef idx="0">
+            <a:schemeClr val="accent1"/>
+          </a:effectRef>
+          <a:fontRef idx="minor">
+            <a:schemeClr val="tx1"/>
+          </a:fontRef>
+        </p:style>
+      </p:cxnSp>
+      <p:sp>
+        <p:nvSpPr>
+          <p:cNvPr id="10" name="Content Placeholder 9">
+            <a:extLst>
+              <a:ext uri="{FF2B5EF4-FFF2-40B4-BE49-F238E27FC236}">
+                <a16:creationId xmlns:a16="http://schemas.microsoft.com/office/drawing/2014/main" id="{FF950F42-4D2D-45AA-8291-7F254AF75AC2}"/>
+              </a:ext>
+            </a:extLst>
+          </p:cNvPr>
+          <p:cNvSpPr>
+            <a:spLocks noGrp="1"/>
+          </p:cNvSpPr>
+          <p:nvPr>
+            <p:ph idx="1"/>
+          </p:nvPr>
+        </p:nvSpPr>
+        <p:spPr>
+          <a:xfrm>
+            <a:off x="4965431" y="2438400"/>
+            <a:ext cx="6586489" cy="3785419"/>
+          </a:xfrm>
+        </p:spPr>
+        <p:txBody>
+          <a:bodyPr>
+            <a:normAutofit/>
+          </a:bodyPr>
+          <a:lstStyle/>
+          <a:p>
+            <a:r>
+              <a:rPr lang="da-DK" sz="2000" dirty="0"/>
+              <a:t>Værdi</a:t>
+            </a:r>
+          </a:p>
+          <a:p>
+            <a:r>
+              <a:rPr lang="da-DK" sz="2000" dirty="0"/>
+              <a:t>Løkke</a:t>
+            </a:r>
+          </a:p>
+          <a:p>
+            <a:r>
+              <a:rPr lang="da-DK" sz="2000" dirty="0"/>
+              <a:t>Variabel</a:t>
+            </a:r>
+          </a:p>
+          <a:p>
+            <a:r>
+              <a:rPr lang="da-DK" sz="2000" dirty="0"/>
+              <a:t>Kommunikation</a:t>
+            </a:r>
+          </a:p>
+          <a:p>
+            <a:pPr marL="0" indent="0">
+              <a:buNone/>
+            </a:pPr>
+            <a:endParaRPr lang="da-DK" sz="2000" dirty="0"/>
+          </a:p>
+          <a:p>
+            <a:r>
+              <a:rPr lang="da-DK" sz="2000" dirty="0"/>
+              <a:t>Initial starttilstand</a:t>
+            </a:r>
+          </a:p>
+          <a:p>
+            <a:r>
+              <a:rPr lang="da-DK" sz="2000" dirty="0"/>
+              <a:t>Betingelser</a:t>
+            </a:r>
+          </a:p>
+          <a:p>
+            <a:r>
+              <a:rPr lang="da-DK" sz="2000" dirty="0"/>
+              <a:t>Udtryk</a:t>
+            </a:r>
+          </a:p>
+          <a:p>
+            <a:r>
+              <a:rPr lang="da-DK" sz="2000" dirty="0"/>
+              <a:t>Tilfældigt tal</a:t>
+            </a:r>
+          </a:p>
+        </p:txBody>
+      </p:sp>
+    </p:spTree>
+    <p:extLst>
+      <p:ext uri="{BB962C8B-B14F-4D97-AF65-F5344CB8AC3E}">
+        <p14:creationId xmlns:p14="http://schemas.microsoft.com/office/powerpoint/2010/main" val="3016664579"/>
+      </p:ext>
+    </p:extLst>
+  </p:cSld>
+  <p:clrMapOvr>
+    <a:masterClrMapping/>
+  </p:clrMapOvr>
+</p:sld>
+</file>
+
 <file path=ppt/slides/slide8.xml><?xml version="1.0" encoding="utf-8"?>
 <p:sld xmlns:a="http://schemas.openxmlformats.org/drawingml/2006/main" xmlns:r="http://schemas.openxmlformats.org/officeDocument/2006/relationships" xmlns:p="http://schemas.openxmlformats.org/presentationml/2006/main">
   <p:cSld>
@@ -9230,7 +9621,7 @@
           <p:cNvPr id="2" name="Title 1">
             <a:extLst>
               <a:ext uri="{FF2B5EF4-FFF2-40B4-BE49-F238E27FC236}">
-                <a16:creationId xmlns:a16="http://schemas.microsoft.com/office/drawing/2014/main" id="{6B7B5506-8EDB-D847-8FE9-3643EB4D4F62}"/>
+                <a16:creationId xmlns:a16="http://schemas.microsoft.com/office/drawing/2014/main" id="{55A2F5AF-8BD8-3448-ABDA-9E48E8740D19}"/>
               </a:ext>
             </a:extLst>
           </p:cNvPr>
@@ -9241,114 +9632,25 @@
             <p:ph type="title"/>
           </p:nvPr>
         </p:nvSpPr>
-        <p:spPr>
-          <a:xfrm>
-            <a:off x="648929" y="629266"/>
-            <a:ext cx="5127031" cy="1676603"/>
-          </a:xfrm>
-        </p:spPr>
+        <p:spPr/>
         <p:txBody>
-          <a:bodyPr>
-            <a:normAutofit/>
-          </a:bodyPr>
+          <a:bodyPr/>
           <a:lstStyle/>
           <a:p>
             <a:r>
-              <a:rPr lang="da-DK" dirty="0"/>
-              <a:t>Nøglekoncepter</a:t>
-            </a:r>
-          </a:p>
-        </p:txBody>
-      </p:sp>
-      <p:sp>
-        <p:nvSpPr>
-          <p:cNvPr id="3" name="Content Placeholder 2">
-            <a:extLst>
-              <a:ext uri="{FF2B5EF4-FFF2-40B4-BE49-F238E27FC236}">
-                <a16:creationId xmlns:a16="http://schemas.microsoft.com/office/drawing/2014/main" id="{9C13CA59-EE31-B244-B01E-FDD597FFCEDA}"/>
-              </a:ext>
-            </a:extLst>
-          </p:cNvPr>
-          <p:cNvSpPr>
-            <a:spLocks noGrp="1"/>
-          </p:cNvSpPr>
-          <p:nvPr>
-            <p:ph idx="1"/>
-          </p:nvPr>
-        </p:nvSpPr>
-        <p:spPr>
-          <a:xfrm>
-            <a:off x="648930" y="2438400"/>
-            <a:ext cx="5127029" cy="3785419"/>
-          </a:xfrm>
-        </p:spPr>
-        <p:txBody>
-          <a:bodyPr>
-            <a:normAutofit/>
-          </a:bodyPr>
-          <a:lstStyle/>
-          <a:p>
-            <a:r>
-              <a:rPr lang="da-DK" sz="2000" dirty="0"/>
-              <a:t>Værdi</a:t>
-            </a:r>
-          </a:p>
-          <a:p>
-            <a:r>
-              <a:rPr lang="da-DK" sz="2000" dirty="0"/>
-              <a:t>Løkke</a:t>
-            </a:r>
-          </a:p>
-          <a:p>
-            <a:r>
-              <a:rPr lang="da-DK" sz="2000" dirty="0"/>
-              <a:t>Variabel</a:t>
-            </a:r>
-          </a:p>
-          <a:p>
-            <a:r>
-              <a:rPr lang="da-DK" sz="2000" dirty="0"/>
-              <a:t>Kommunikation</a:t>
-            </a:r>
-          </a:p>
-          <a:p>
-            <a:pPr marL="0" indent="0">
-              <a:buNone/>
-            </a:pPr>
-            <a:endParaRPr lang="da-DK" sz="2000" dirty="0"/>
-          </a:p>
-          <a:p>
-            <a:r>
-              <a:rPr lang="da-DK" sz="2000" dirty="0"/>
-              <a:t>Initial starttilstand</a:t>
-            </a:r>
-          </a:p>
-          <a:p>
-            <a:r>
-              <a:rPr lang="da-DK" sz="2000" dirty="0"/>
-              <a:t>Betingelser</a:t>
-            </a:r>
-          </a:p>
-          <a:p>
-            <a:r>
-              <a:rPr lang="da-DK" sz="2000" dirty="0"/>
-              <a:t>Udtryk</a:t>
-            </a:r>
-          </a:p>
-          <a:p>
-            <a:r>
-              <a:rPr lang="da-DK" sz="2000" dirty="0"/>
-              <a:t>Tilfældigt tal</a:t>
-            </a:r>
+              <a:rPr lang="en-GB" dirty="0" err="1"/>
+              <a:t>Bevægelse</a:t>
+            </a:r>
+            <a:endParaRPr lang="en-GB" dirty="0"/>
           </a:p>
         </p:txBody>
       </p:sp>
       <p:pic>
         <p:nvPicPr>
-          <p:cNvPr id="6" name="Picture 5">
-            <a:extLst>
-              <a:ext uri="{FF2B5EF4-FFF2-40B4-BE49-F238E27FC236}">
-                <a16:creationId xmlns:a16="http://schemas.microsoft.com/office/drawing/2014/main" id="{DBA5FD67-B58E-5B47-9510-3467F1E35C76}"/>
+          <p:cNvPr id="4" name="Picture 3">
+            <a:extLst>
+              <a:ext uri="{FF2B5EF4-FFF2-40B4-BE49-F238E27FC236}">
+                <a16:creationId xmlns:a16="http://schemas.microsoft.com/office/drawing/2014/main" id="{5EC691E2-0A98-4C49-93DC-09444E8D42C5}"/>
               </a:ext>
             </a:extLst>
           </p:cNvPr>
@@ -9357,62 +9659,26 @@
           </p:cNvPicPr>
           <p:nvPr/>
         </p:nvPicPr>
-        <p:blipFill rotWithShape="1">
+        <p:blipFill>
           <a:blip r:embed="rId2"/>
-          <a:srcRect t="2127" r="-2" b="1172"/>
-          <a:stretch/>
+          <a:stretch>
+            <a:fillRect/>
+          </a:stretch>
         </p:blipFill>
         <p:spPr>
           <a:xfrm>
-            <a:off x="6090612" y="10"/>
-            <a:ext cx="6101387" cy="6857990"/>
+            <a:off x="3302000" y="1825625"/>
+            <a:ext cx="5397500" cy="3568700"/>
           </a:xfrm>
           <a:prstGeom prst="rect">
             <a:avLst/>
           </a:prstGeom>
-          <a:effectLst/>
         </p:spPr>
       </p:pic>
-      <p:cxnSp>
-        <p:nvCxnSpPr>
-          <p:cNvPr id="8" name="Straight Connector 7">
-            <a:extLst>
-              <a:ext uri="{FF2B5EF4-FFF2-40B4-BE49-F238E27FC236}">
-                <a16:creationId xmlns:a16="http://schemas.microsoft.com/office/drawing/2014/main" id="{C2060383-286E-E84D-B7A6-3D64823B2436}"/>
-              </a:ext>
-            </a:extLst>
-          </p:cNvPr>
-          <p:cNvCxnSpPr/>
-          <p:nvPr/>
-        </p:nvCxnSpPr>
-        <p:spPr>
-          <a:xfrm>
-            <a:off x="748146" y="4239491"/>
-            <a:ext cx="4156364" cy="0"/>
-          </a:xfrm>
-          <a:prstGeom prst="line">
-            <a:avLst/>
-          </a:prstGeom>
-        </p:spPr>
-        <p:style>
-          <a:lnRef idx="1">
-            <a:schemeClr val="accent1"/>
-          </a:lnRef>
-          <a:fillRef idx="0">
-            <a:schemeClr val="accent1"/>
-          </a:fillRef>
-          <a:effectRef idx="0">
-            <a:schemeClr val="accent1"/>
-          </a:effectRef>
-          <a:fontRef idx="minor">
-            <a:schemeClr val="tx1"/>
-          </a:fontRef>
-        </p:style>
-      </p:cxnSp>
     </p:spTree>
     <p:extLst>
       <p:ext uri="{BB962C8B-B14F-4D97-AF65-F5344CB8AC3E}">
-        <p14:creationId xmlns:p14="http://schemas.microsoft.com/office/powerpoint/2010/main" val="377563759"/>
+        <p14:creationId xmlns:p14="http://schemas.microsoft.com/office/powerpoint/2010/main" val="657040546"/>
       </p:ext>
     </p:extLst>
   </p:cSld>
@@ -9444,7 +9710,7 @@
           <p:cNvPr id="2" name="Title 1">
             <a:extLst>
               <a:ext uri="{FF2B5EF4-FFF2-40B4-BE49-F238E27FC236}">
-                <a16:creationId xmlns:a16="http://schemas.microsoft.com/office/drawing/2014/main" id="{55A2F5AF-8BD8-3448-ABDA-9E48E8740D19}"/>
+                <a16:creationId xmlns:a16="http://schemas.microsoft.com/office/drawing/2014/main" id="{7B5FB380-9456-2242-A014-7859697F46E7}"/>
               </a:ext>
             </a:extLst>
           </p:cNvPr>
@@ -9455,33 +9721,54 @@
             <p:ph type="title"/>
           </p:nvPr>
         </p:nvSpPr>
-        <p:spPr/>
+        <p:spPr>
+          <a:xfrm>
+            <a:off x="0" y="-1"/>
+            <a:ext cx="12192000" cy="1191491"/>
+          </a:xfrm>
+        </p:spPr>
         <p:txBody>
-          <a:bodyPr/>
+          <a:bodyPr>
+            <a:normAutofit/>
+          </a:bodyPr>
           <a:lstStyle/>
           <a:p>
             <a:r>
-              <a:rPr lang="en-GB" dirty="0"/>
-              <a:t>Motion detection: What does it do?</a:t>
+              <a:rPr lang="da-DK" dirty="0"/>
+              <a:t>Hvad gør programmet? </a:t>
+            </a:r>
+            <a:r>
+              <a:rPr lang="da-DK" dirty="0" err="1"/>
+              <a:t>https</a:t>
+            </a:r>
+            <a:r>
+              <a:rPr lang="da-DK" dirty="0"/>
+              <a:t>://</a:t>
+            </a:r>
+            <a:r>
+              <a:rPr lang="da-DK" dirty="0" err="1"/>
+              <a:t>tinyurl.com</a:t>
+            </a:r>
+            <a:r>
+              <a:rPr lang="da-DK" dirty="0"/>
+              <a:t>/y7b9zdb6</a:t>
             </a:r>
           </a:p>
         </p:txBody>
       </p:sp>
       <p:pic>
         <p:nvPicPr>
-          <p:cNvPr id="9" name="Content Placeholder 8">
-            <a:extLst>
-              <a:ext uri="{FF2B5EF4-FFF2-40B4-BE49-F238E27FC236}">
-                <a16:creationId xmlns:a16="http://schemas.microsoft.com/office/drawing/2014/main" id="{0D424175-6AAE-6346-978F-DA1385AA25EF}"/>
+          <p:cNvPr id="4" name="Picture 3">
+            <a:extLst>
+              <a:ext uri="{FF2B5EF4-FFF2-40B4-BE49-F238E27FC236}">
+                <a16:creationId xmlns:a16="http://schemas.microsoft.com/office/drawing/2014/main" id="{30BE299D-A8E6-9A4E-BB0A-D0C93F56ED65}"/>
               </a:ext>
             </a:extLst>
           </p:cNvPr>
           <p:cNvPicPr>
-            <a:picLocks noGrp="1" noChangeAspect="1"/>
+            <a:picLocks noChangeAspect="1"/>
           </p:cNvPicPr>
-          <p:nvPr>
-            <p:ph idx="1"/>
-          </p:nvPr>
+          <p:nvPr/>
         </p:nvPicPr>
         <p:blipFill>
           <a:blip r:embed="rId2"/>
@@ -9491,15 +9778,18 @@
         </p:blipFill>
         <p:spPr>
           <a:xfrm>
-            <a:off x="1445419" y="1690688"/>
-            <a:ext cx="9301162" cy="5167312"/>
+            <a:off x="2151998" y="1191490"/>
+            <a:ext cx="7340600" cy="5600700"/>
           </a:xfrm>
+          <a:prstGeom prst="rect">
+            <a:avLst/>
+          </a:prstGeom>
         </p:spPr>
       </p:pic>
     </p:spTree>
     <p:extLst>
       <p:ext uri="{BB962C8B-B14F-4D97-AF65-F5344CB8AC3E}">
-        <p14:creationId xmlns:p14="http://schemas.microsoft.com/office/powerpoint/2010/main" val="657040546"/>
+        <p14:creationId xmlns:p14="http://schemas.microsoft.com/office/powerpoint/2010/main" val="997589489"/>
       </p:ext>
     </p:extLst>
   </p:cSld>
